--- a/presentazione/presentazione.pptx
+++ b/presentazione/presentazione.pptx
@@ -6,7 +6,24 @@
   </p:sldMasterIdLst>
   <p:sldIdLst>
     <p:sldId id="256" r:id="rId2"/>
-    <p:sldId id="257" r:id="rId3"/>
+    <p:sldId id="265" r:id="rId3"/>
+    <p:sldId id="266" r:id="rId4"/>
+    <p:sldId id="264" r:id="rId5"/>
+    <p:sldId id="286" r:id="rId6"/>
+    <p:sldId id="289" r:id="rId7"/>
+    <p:sldId id="283" r:id="rId8"/>
+    <p:sldId id="282" r:id="rId9"/>
+    <p:sldId id="261" r:id="rId10"/>
+    <p:sldId id="285" r:id="rId11"/>
+    <p:sldId id="277" r:id="rId12"/>
+    <p:sldId id="274" r:id="rId13"/>
+    <p:sldId id="275" r:id="rId14"/>
+    <p:sldId id="276" r:id="rId15"/>
+    <p:sldId id="284" r:id="rId16"/>
+    <p:sldId id="258" r:id="rId17"/>
+    <p:sldId id="288" r:id="rId18"/>
+    <p:sldId id="268" r:id="rId19"/>
+    <p:sldId id="267" r:id="rId20"/>
   </p:sldIdLst>
   <p:sldSz cx="12192000" cy="6858000"/>
   <p:notesSz cx="6858000" cy="9144000"/>
@@ -3386,7 +3403,7 @@
           <a:lstStyle/>
           <a:p>
             <a:pPr algn="ctr"/>
-            <a:endParaRPr lang="en-US"/>
+            <a:endParaRPr lang="en-US" dirty="0"/>
           </a:p>
         </p:txBody>
       </p:sp>
@@ -3420,9 +3437,14 @@
           <a:p>
             <a:pPr algn="l"/>
             <a:r>
-              <a:rPr lang="it-IT" sz="8000"/>
-              <a:t>Predizione delle malattie caridiache</a:t>
-            </a:r>
+              <a:rPr lang="it-IT" sz="8000" dirty="0"/>
+              <a:t>Predizione delle malattie </a:t>
+            </a:r>
+            <a:r>
+              <a:rPr lang="it-IT" sz="8000" dirty="0" err="1"/>
+              <a:t>caridiache</a:t>
+            </a:r>
+            <a:endParaRPr lang="it-IT" sz="8000"/>
           </a:p>
         </p:txBody>
       </p:sp>
@@ -3634,6 +3656,3492 @@
     <p:extLst>
       <p:ext uri="{BB962C8B-B14F-4D97-AF65-F5344CB8AC3E}">
         <p14:creationId xmlns:p14="http://schemas.microsoft.com/office/powerpoint/2010/main" val="2767597950"/>
+      </p:ext>
+    </p:extLst>
+  </p:cSld>
+  <p:clrMapOvr>
+    <a:masterClrMapping/>
+  </p:clrMapOvr>
+</p:sld>
+</file>
+
+<file path=ppt/slides/slide10.xml><?xml version="1.0" encoding="utf-8"?>
+<p:sld xmlns:a="http://schemas.openxmlformats.org/drawingml/2006/main" xmlns:r="http://schemas.openxmlformats.org/officeDocument/2006/relationships" xmlns:p="http://schemas.openxmlformats.org/presentationml/2006/main">
+  <p:cSld>
+    <p:bg>
+      <p:bgPr>
+        <a:solidFill>
+          <a:schemeClr val="bg1"/>
+        </a:solidFill>
+        <a:effectLst/>
+      </p:bgPr>
+    </p:bg>
+    <p:spTree>
+      <p:nvGrpSpPr>
+        <p:cNvPr id="1" name=""/>
+        <p:cNvGrpSpPr/>
+        <p:nvPr/>
+      </p:nvGrpSpPr>
+      <p:grpSpPr>
+        <a:xfrm>
+          <a:off x="0" y="0"/>
+          <a:ext cx="0" cy="0"/>
+          <a:chOff x="0" y="0"/>
+          <a:chExt cx="0" cy="0"/>
+        </a:xfrm>
+      </p:grpSpPr>
+      <p:sp useBgFill="1">
+        <p:nvSpPr>
+          <p:cNvPr id="44" name="Rectangle 43">
+            <a:extLst>
+              <a:ext uri="{FF2B5EF4-FFF2-40B4-BE49-F238E27FC236}">
+                <a16:creationId xmlns:a16="http://schemas.microsoft.com/office/drawing/2014/main" id="{B47A3059-69F2-4E12-ACD8-A5FE28191966}"/>
+              </a:ext>
+              <a:ext uri="{C183D7F6-B498-43B3-948B-1728B52AA6E4}">
+                <adec:decorative xmlns:adec="http://schemas.microsoft.com/office/drawing/2017/decorative" val="1"/>
+              </a:ext>
+            </a:extLst>
+          </p:cNvPr>
+          <p:cNvSpPr>
+            <a:spLocks noGrp="1" noRot="1" noChangeAspect="1" noMove="1" noResize="1" noEditPoints="1" noAdjustHandles="1" noChangeArrowheads="1" noChangeShapeType="1" noTextEdit="1"/>
+          </p:cNvSpPr>
+          <p:nvPr>
+            <p:extLst>
+              <p:ext uri="{386F3935-93C4-4BCD-93E2-E3B085C9AB24}">
+                <p16:designElem xmlns:p16="http://schemas.microsoft.com/office/powerpoint/2015/main" val="1"/>
+              </p:ext>
+            </p:extLst>
+          </p:nvPr>
+        </p:nvSpPr>
+        <p:spPr>
+          <a:xfrm>
+            <a:off x="0" y="0"/>
+            <a:ext cx="12192000" cy="6858000"/>
+          </a:xfrm>
+          <a:prstGeom prst="rect">
+            <a:avLst/>
+          </a:prstGeom>
+          <a:ln>
+            <a:noFill/>
+          </a:ln>
+        </p:spPr>
+        <p:style>
+          <a:lnRef idx="2">
+            <a:schemeClr val="accent1">
+              <a:shade val="50000"/>
+            </a:schemeClr>
+          </a:lnRef>
+          <a:fillRef idx="1">
+            <a:schemeClr val="accent1"/>
+          </a:fillRef>
+          <a:effectRef idx="0">
+            <a:schemeClr val="accent1"/>
+          </a:effectRef>
+          <a:fontRef idx="minor">
+            <a:schemeClr val="lt1"/>
+          </a:fontRef>
+        </p:style>
+        <p:txBody>
+          <a:bodyPr rtlCol="0" anchor="ctr"/>
+          <a:lstStyle/>
+          <a:p>
+            <a:pPr algn="ctr"/>
+            <a:endParaRPr lang="en-US"/>
+          </a:p>
+        </p:txBody>
+      </p:sp>
+      <p:sp>
+        <p:nvSpPr>
+          <p:cNvPr id="2" name="Titolo 1">
+            <a:extLst>
+              <a:ext uri="{FF2B5EF4-FFF2-40B4-BE49-F238E27FC236}">
+                <a16:creationId xmlns:a16="http://schemas.microsoft.com/office/drawing/2014/main" id="{52C584AA-F9BE-7F44-B2F6-179FD7648235}"/>
+              </a:ext>
+            </a:extLst>
+          </p:cNvPr>
+          <p:cNvSpPr>
+            <a:spLocks noGrp="1"/>
+          </p:cNvSpPr>
+          <p:nvPr>
+            <p:ph type="title"/>
+          </p:nvPr>
+        </p:nvSpPr>
+        <p:spPr>
+          <a:xfrm>
+            <a:off x="7145654" y="991443"/>
+            <a:ext cx="4603001" cy="1087819"/>
+          </a:xfrm>
+        </p:spPr>
+        <p:txBody>
+          <a:bodyPr anchor="b">
+            <a:normAutofit/>
+          </a:bodyPr>
+          <a:lstStyle/>
+          <a:p>
+            <a:r>
+              <a:rPr lang="it-IT" sz="3400" dirty="0"/>
+              <a:t>Dolori ed età</a:t>
+            </a:r>
+          </a:p>
+        </p:txBody>
+      </p:sp>
+      <p:pic>
+        <p:nvPicPr>
+          <p:cNvPr id="5" name="Segnaposto contenuto 4">
+            <a:extLst>
+              <a:ext uri="{FF2B5EF4-FFF2-40B4-BE49-F238E27FC236}">
+                <a16:creationId xmlns:a16="http://schemas.microsoft.com/office/drawing/2014/main" id="{CF07C890-7E87-C629-E99C-DA9D3E2FAF3B}"/>
+              </a:ext>
+            </a:extLst>
+          </p:cNvPr>
+          <p:cNvPicPr>
+            <a:picLocks noChangeAspect="1"/>
+          </p:cNvPicPr>
+          <p:nvPr/>
+        </p:nvPicPr>
+        <p:blipFill>
+          <a:blip r:embed="rId2">
+            <a:extLst>
+              <a:ext uri="{28A0092B-C50C-407E-A947-70E740481C1C}">
+                <a14:useLocalDpi xmlns:a14="http://schemas.microsoft.com/office/drawing/2010/main" val="0"/>
+              </a:ext>
+            </a:extLst>
+          </a:blip>
+          <a:stretch/>
+        </p:blipFill>
+        <p:spPr>
+          <a:xfrm>
+            <a:off x="443345" y="1448178"/>
+            <a:ext cx="6250063" cy="3906290"/>
+          </a:xfrm>
+          <a:prstGeom prst="rect">
+            <a:avLst/>
+          </a:prstGeom>
+        </p:spPr>
+      </p:pic>
+      <p:sp>
+        <p:nvSpPr>
+          <p:cNvPr id="46" name="Rectangle 45">
+            <a:extLst>
+              <a:ext uri="{FF2B5EF4-FFF2-40B4-BE49-F238E27FC236}">
+                <a16:creationId xmlns:a16="http://schemas.microsoft.com/office/drawing/2014/main" id="{33AE4636-AEEC-45D6-84D4-7AC2DA48ECF8}"/>
+              </a:ext>
+              <a:ext uri="{C183D7F6-B498-43B3-948B-1728B52AA6E4}">
+                <adec:decorative xmlns:adec="http://schemas.microsoft.com/office/drawing/2017/decorative" val="1"/>
+              </a:ext>
+            </a:extLst>
+          </p:cNvPr>
+          <p:cNvSpPr>
+            <a:spLocks noGrp="1" noRot="1" noChangeAspect="1" noMove="1" noResize="1" noEditPoints="1" noAdjustHandles="1" noChangeArrowheads="1" noChangeShapeType="1" noTextEdit="1"/>
+          </p:cNvSpPr>
+          <p:nvPr>
+            <p:extLst>
+              <p:ext uri="{386F3935-93C4-4BCD-93E2-E3B085C9AB24}">
+                <p16:designElem xmlns:p16="http://schemas.microsoft.com/office/powerpoint/2015/main" val="1"/>
+              </p:ext>
+            </p:extLst>
+          </p:nvPr>
+        </p:nvSpPr>
+        <p:spPr>
+          <a:xfrm rot="5400000">
+            <a:off x="7383398" y="387939"/>
+            <a:ext cx="73152" cy="548640"/>
+          </a:xfrm>
+          <a:prstGeom prst="rect">
+            <a:avLst/>
+          </a:prstGeom>
+          <a:solidFill>
+            <a:schemeClr val="accent2"/>
+          </a:solidFill>
+          <a:ln>
+            <a:noFill/>
+          </a:ln>
+        </p:spPr>
+        <p:style>
+          <a:lnRef idx="2">
+            <a:schemeClr val="accent1">
+              <a:shade val="50000"/>
+            </a:schemeClr>
+          </a:lnRef>
+          <a:fillRef idx="1">
+            <a:schemeClr val="accent1"/>
+          </a:fillRef>
+          <a:effectRef idx="0">
+            <a:schemeClr val="accent1"/>
+          </a:effectRef>
+          <a:fontRef idx="minor">
+            <a:schemeClr val="lt1"/>
+          </a:fontRef>
+        </p:style>
+        <p:txBody>
+          <a:bodyPr rtlCol="0" anchor="ctr"/>
+          <a:lstStyle/>
+          <a:p>
+            <a:pPr algn="ctr"/>
+            <a:endParaRPr lang="en-US">
+              <a:solidFill>
+                <a:prstClr val="white"/>
+              </a:solidFill>
+              <a:latin typeface="Calibri" panose="020F0502020204030204"/>
+            </a:endParaRPr>
+          </a:p>
+        </p:txBody>
+      </p:sp>
+      <p:sp>
+        <p:nvSpPr>
+          <p:cNvPr id="48" name="Rectangle 47">
+            <a:extLst>
+              <a:ext uri="{FF2B5EF4-FFF2-40B4-BE49-F238E27FC236}">
+                <a16:creationId xmlns:a16="http://schemas.microsoft.com/office/drawing/2014/main" id="{8D9CE0F4-2EB2-4F1F-8AAC-DB3571D9FE10}"/>
+              </a:ext>
+              <a:ext uri="{C183D7F6-B498-43B3-948B-1728B52AA6E4}">
+                <adec:decorative xmlns:adec="http://schemas.microsoft.com/office/drawing/2017/decorative" val="1"/>
+              </a:ext>
+            </a:extLst>
+          </p:cNvPr>
+          <p:cNvSpPr>
+            <a:spLocks noGrp="1" noRot="1" noChangeAspect="1" noMove="1" noResize="1" noEditPoints="1" noAdjustHandles="1" noChangeArrowheads="1" noChangeShapeType="1" noTextEdit="1"/>
+          </p:cNvSpPr>
+          <p:nvPr>
+            <p:extLst>
+              <p:ext uri="{386F3935-93C4-4BCD-93E2-E3B085C9AB24}">
+                <p16:designElem xmlns:p16="http://schemas.microsoft.com/office/powerpoint/2015/main" val="1"/>
+              </p:ext>
+            </p:extLst>
+          </p:nvPr>
+        </p:nvSpPr>
+        <p:spPr>
+          <a:xfrm>
+            <a:off x="7145655" y="2285541"/>
+            <a:ext cx="4526280" cy="18288"/>
+          </a:xfrm>
+          <a:prstGeom prst="rect">
+            <a:avLst/>
+          </a:prstGeom>
+          <a:solidFill>
+            <a:srgbClr val="D5D5D5"/>
+          </a:solidFill>
+          <a:ln w="3175">
+            <a:noFill/>
+          </a:ln>
+          <a:effectLst/>
+        </p:spPr>
+        <p:style>
+          <a:lnRef idx="2">
+            <a:schemeClr val="accent1">
+              <a:shade val="50000"/>
+            </a:schemeClr>
+          </a:lnRef>
+          <a:fillRef idx="1">
+            <a:schemeClr val="accent1"/>
+          </a:fillRef>
+          <a:effectRef idx="0">
+            <a:schemeClr val="accent1"/>
+          </a:effectRef>
+          <a:fontRef idx="minor">
+            <a:schemeClr val="lt1"/>
+          </a:fontRef>
+        </p:style>
+        <p:txBody>
+          <a:bodyPr rtlCol="0" anchor="ctr"/>
+          <a:lstStyle/>
+          <a:p>
+            <a:pPr algn="ctr"/>
+            <a:endParaRPr lang="en-US">
+              <a:solidFill>
+                <a:prstClr val="white"/>
+              </a:solidFill>
+              <a:latin typeface="Calibri" panose="020F0502020204030204"/>
+            </a:endParaRPr>
+          </a:p>
+        </p:txBody>
+      </p:sp>
+      <p:sp>
+        <p:nvSpPr>
+          <p:cNvPr id="9" name="Content Placeholder 8">
+            <a:extLst>
+              <a:ext uri="{FF2B5EF4-FFF2-40B4-BE49-F238E27FC236}">
+                <a16:creationId xmlns:a16="http://schemas.microsoft.com/office/drawing/2014/main" id="{B502B99B-7BC1-C4FF-A7ED-DF9755C038DB}"/>
+              </a:ext>
+            </a:extLst>
+          </p:cNvPr>
+          <p:cNvSpPr>
+            <a:spLocks noGrp="1"/>
+          </p:cNvSpPr>
+          <p:nvPr>
+            <p:ph idx="1"/>
+          </p:nvPr>
+        </p:nvSpPr>
+        <p:spPr>
+          <a:xfrm>
+            <a:off x="7145654" y="2684095"/>
+            <a:ext cx="4603001" cy="2670373"/>
+          </a:xfrm>
+        </p:spPr>
+        <p:txBody>
+          <a:bodyPr>
+            <a:normAutofit/>
+          </a:bodyPr>
+          <a:lstStyle/>
+          <a:p>
+            <a:pPr marL="0" indent="0">
+              <a:buNone/>
+            </a:pPr>
+            <a:r>
+              <a:rPr lang="en-US" sz="1800" dirty="0" err="1"/>
+              <a:t>Successivamente</a:t>
+            </a:r>
+            <a:r>
+              <a:rPr lang="en-US" sz="1800" dirty="0"/>
+              <a:t> </a:t>
+            </a:r>
+            <a:r>
+              <a:rPr lang="en-US" sz="1800" dirty="0" err="1"/>
+              <a:t>possiamo</a:t>
+            </a:r>
+            <a:r>
+              <a:rPr lang="en-US" sz="1800" dirty="0"/>
+              <a:t> </a:t>
+            </a:r>
+            <a:r>
+              <a:rPr lang="en-US" sz="1800" dirty="0" err="1"/>
+              <a:t>visualizzare</a:t>
+            </a:r>
+            <a:r>
+              <a:rPr lang="en-US" sz="1800" dirty="0"/>
+              <a:t> la </a:t>
+            </a:r>
+            <a:r>
+              <a:rPr lang="en-US" sz="1800" dirty="0" err="1"/>
+              <a:t>distribuzione</a:t>
+            </a:r>
+            <a:r>
+              <a:rPr lang="en-US" sz="1800" dirty="0"/>
+              <a:t> </a:t>
+            </a:r>
+            <a:r>
+              <a:rPr lang="en-US" sz="1800" dirty="0" err="1"/>
+              <a:t>dei</a:t>
+            </a:r>
+            <a:r>
+              <a:rPr lang="en-US" sz="1800" dirty="0"/>
+              <a:t> </a:t>
+            </a:r>
+            <a:r>
+              <a:rPr lang="en-US" sz="1800" dirty="0" err="1"/>
+              <a:t>pazienti</a:t>
+            </a:r>
+            <a:r>
+              <a:rPr lang="en-US" sz="1800" dirty="0"/>
+              <a:t> per </a:t>
+            </a:r>
+            <a:r>
+              <a:rPr lang="en-US" sz="1800" dirty="0" err="1"/>
+              <a:t>età</a:t>
+            </a:r>
+            <a:r>
+              <a:rPr lang="en-US" sz="1800" dirty="0"/>
+              <a:t> di </a:t>
+            </a:r>
+            <a:r>
+              <a:rPr lang="en-US" sz="1800" dirty="0" err="1"/>
+              <a:t>ciascuna</a:t>
+            </a:r>
+            <a:r>
+              <a:rPr lang="en-US" sz="1800" dirty="0"/>
+              <a:t> </a:t>
+            </a:r>
+            <a:r>
+              <a:rPr lang="en-US" sz="1800" dirty="0" err="1"/>
+              <a:t>tipologia</a:t>
+            </a:r>
+            <a:r>
+              <a:rPr lang="en-US" sz="1800" dirty="0"/>
+              <a:t> di dolore, </a:t>
+            </a:r>
+            <a:r>
+              <a:rPr lang="en-US" sz="1800" dirty="0" err="1"/>
+              <a:t>mostrandone</a:t>
+            </a:r>
+            <a:r>
+              <a:rPr lang="en-US" sz="1800" dirty="0"/>
+              <a:t> la </a:t>
+            </a:r>
+            <a:r>
+              <a:rPr lang="en-US" sz="1800" dirty="0" err="1"/>
+              <a:t>concentrazione</a:t>
+            </a:r>
+            <a:r>
+              <a:rPr lang="en-US" sz="1800" dirty="0"/>
+              <a:t>.</a:t>
+            </a:r>
+          </a:p>
+        </p:txBody>
+      </p:sp>
+    </p:spTree>
+    <p:extLst>
+      <p:ext uri="{BB962C8B-B14F-4D97-AF65-F5344CB8AC3E}">
+        <p14:creationId xmlns:p14="http://schemas.microsoft.com/office/powerpoint/2010/main" val="2296857591"/>
+      </p:ext>
+    </p:extLst>
+  </p:cSld>
+  <p:clrMapOvr>
+    <a:masterClrMapping/>
+  </p:clrMapOvr>
+</p:sld>
+</file>
+
+<file path=ppt/slides/slide11.xml><?xml version="1.0" encoding="utf-8"?>
+<p:sld xmlns:a="http://schemas.openxmlformats.org/drawingml/2006/main" xmlns:r="http://schemas.openxmlformats.org/officeDocument/2006/relationships" xmlns:p="http://schemas.openxmlformats.org/presentationml/2006/main">
+  <p:cSld>
+    <p:bg>
+      <p:bgPr>
+        <a:solidFill>
+          <a:schemeClr val="bg1"/>
+        </a:solidFill>
+        <a:effectLst/>
+      </p:bgPr>
+    </p:bg>
+    <p:spTree>
+      <p:nvGrpSpPr>
+        <p:cNvPr id="1" name=""/>
+        <p:cNvGrpSpPr/>
+        <p:nvPr/>
+      </p:nvGrpSpPr>
+      <p:grpSpPr>
+        <a:xfrm>
+          <a:off x="0" y="0"/>
+          <a:ext cx="0" cy="0"/>
+          <a:chOff x="0" y="0"/>
+          <a:chExt cx="0" cy="0"/>
+        </a:xfrm>
+      </p:grpSpPr>
+      <p:sp useBgFill="1">
+        <p:nvSpPr>
+          <p:cNvPr id="8" name="Rectangle 7">
+            <a:extLst>
+              <a:ext uri="{FF2B5EF4-FFF2-40B4-BE49-F238E27FC236}">
+                <a16:creationId xmlns:a16="http://schemas.microsoft.com/office/drawing/2014/main" id="{BAD76F3E-3A97-486B-B402-44400A8B9173}"/>
+              </a:ext>
+              <a:ext uri="{C183D7F6-B498-43B3-948B-1728B52AA6E4}">
+                <adec:decorative xmlns:adec="http://schemas.microsoft.com/office/drawing/2017/decorative" val="1"/>
+              </a:ext>
+            </a:extLst>
+          </p:cNvPr>
+          <p:cNvSpPr>
+            <a:spLocks noGrp="1" noRot="1" noChangeAspect="1" noMove="1" noResize="1" noEditPoints="1" noAdjustHandles="1" noChangeArrowheads="1" noChangeShapeType="1" noTextEdit="1"/>
+          </p:cNvSpPr>
+          <p:nvPr>
+            <p:extLst>
+              <p:ext uri="{386F3935-93C4-4BCD-93E2-E3B085C9AB24}">
+                <p16:designElem xmlns:p16="http://schemas.microsoft.com/office/powerpoint/2015/main" val="1"/>
+              </p:ext>
+            </p:extLst>
+          </p:nvPr>
+        </p:nvSpPr>
+        <p:spPr>
+          <a:xfrm>
+            <a:off x="0" y="0"/>
+            <a:ext cx="12192000" cy="6858000"/>
+          </a:xfrm>
+          <a:prstGeom prst="rect">
+            <a:avLst/>
+          </a:prstGeom>
+          <a:ln>
+            <a:noFill/>
+          </a:ln>
+        </p:spPr>
+        <p:style>
+          <a:lnRef idx="2">
+            <a:schemeClr val="accent1">
+              <a:shade val="50000"/>
+            </a:schemeClr>
+          </a:lnRef>
+          <a:fillRef idx="1">
+            <a:schemeClr val="accent1"/>
+          </a:fillRef>
+          <a:effectRef idx="0">
+            <a:schemeClr val="accent1"/>
+          </a:effectRef>
+          <a:fontRef idx="minor">
+            <a:schemeClr val="lt1"/>
+          </a:fontRef>
+        </p:style>
+        <p:txBody>
+          <a:bodyPr rtlCol="0" anchor="ctr"/>
+          <a:lstStyle/>
+          <a:p>
+            <a:pPr algn="ctr"/>
+            <a:endParaRPr lang="en-US"/>
+          </a:p>
+        </p:txBody>
+      </p:sp>
+      <p:sp>
+        <p:nvSpPr>
+          <p:cNvPr id="2" name="Titolo 1">
+            <a:extLst>
+              <a:ext uri="{FF2B5EF4-FFF2-40B4-BE49-F238E27FC236}">
+                <a16:creationId xmlns:a16="http://schemas.microsoft.com/office/drawing/2014/main" id="{C3C9E7F5-A350-8F01-29C8-A7E0B3BFF22D}"/>
+              </a:ext>
+            </a:extLst>
+          </p:cNvPr>
+          <p:cNvSpPr>
+            <a:spLocks noGrp="1"/>
+          </p:cNvSpPr>
+          <p:nvPr>
+            <p:ph type="ctrTitle"/>
+          </p:nvPr>
+        </p:nvSpPr>
+        <p:spPr>
+          <a:xfrm>
+            <a:off x="838198" y="882946"/>
+            <a:ext cx="10506455" cy="2967208"/>
+          </a:xfrm>
+        </p:spPr>
+        <p:txBody>
+          <a:bodyPr>
+            <a:normAutofit/>
+          </a:bodyPr>
+          <a:lstStyle/>
+          <a:p>
+            <a:pPr algn="l"/>
+            <a:r>
+              <a:rPr lang="it-IT" dirty="0"/>
+              <a:t>Analisi voci e valori dei vari pazienti </a:t>
+            </a:r>
+          </a:p>
+        </p:txBody>
+      </p:sp>
+      <p:sp>
+        <p:nvSpPr>
+          <p:cNvPr id="3" name="Sottotitolo 2">
+            <a:extLst>
+              <a:ext uri="{FF2B5EF4-FFF2-40B4-BE49-F238E27FC236}">
+                <a16:creationId xmlns:a16="http://schemas.microsoft.com/office/drawing/2014/main" id="{0784EA84-60DC-72F3-74CD-BA47A5016BB4}"/>
+              </a:ext>
+            </a:extLst>
+          </p:cNvPr>
+          <p:cNvSpPr>
+            <a:spLocks noGrp="1"/>
+          </p:cNvSpPr>
+          <p:nvPr>
+            <p:ph type="subTitle" idx="1"/>
+          </p:nvPr>
+        </p:nvSpPr>
+        <p:spPr>
+          <a:xfrm>
+            <a:off x="6705600" y="4619624"/>
+            <a:ext cx="4642103" cy="1701928"/>
+          </a:xfrm>
+        </p:spPr>
+        <p:txBody>
+          <a:bodyPr>
+            <a:normAutofit fontScale="92500" lnSpcReduction="10000"/>
+          </a:bodyPr>
+          <a:lstStyle/>
+          <a:p>
+            <a:pPr algn="l"/>
+            <a:r>
+              <a:rPr lang="it-IT" sz="2400" dirty="0"/>
+              <a:t>Ora passiamo all’analisi delle varie voci e dei valori relativi alla salute del paziente all’aumentare dell’età confrontando quelli malati e non malati, per valutare eventuali relazioni.</a:t>
+            </a:r>
+          </a:p>
+          <a:p>
+            <a:pPr algn="l"/>
+            <a:endParaRPr lang="it-IT" dirty="0"/>
+          </a:p>
+        </p:txBody>
+      </p:sp>
+      <p:sp>
+        <p:nvSpPr>
+          <p:cNvPr id="10" name="Rectangle 9">
+            <a:extLst>
+              <a:ext uri="{FF2B5EF4-FFF2-40B4-BE49-F238E27FC236}">
+                <a16:creationId xmlns:a16="http://schemas.microsoft.com/office/drawing/2014/main" id="{391F6B52-91F4-4AEB-B6DB-29FEBCF28C8B}"/>
+              </a:ext>
+              <a:ext uri="{C183D7F6-B498-43B3-948B-1728B52AA6E4}">
+                <adec:decorative xmlns:adec="http://schemas.microsoft.com/office/drawing/2017/decorative" val="1"/>
+              </a:ext>
+            </a:extLst>
+          </p:cNvPr>
+          <p:cNvSpPr>
+            <a:spLocks noGrp="1" noRot="1" noChangeAspect="1" noMove="1" noResize="1" noEditPoints="1" noAdjustHandles="1" noChangeArrowheads="1" noChangeShapeType="1" noTextEdit="1"/>
+          </p:cNvSpPr>
+          <p:nvPr>
+            <p:extLst>
+              <p:ext uri="{386F3935-93C4-4BCD-93E2-E3B085C9AB24}">
+                <p16:designElem xmlns:p16="http://schemas.microsoft.com/office/powerpoint/2015/main" val="1"/>
+              </p:ext>
+            </p:extLst>
+          </p:nvPr>
+        </p:nvSpPr>
+        <p:spPr>
+          <a:xfrm>
+            <a:off x="841248" y="4331166"/>
+            <a:ext cx="10506456" cy="18288"/>
+          </a:xfrm>
+          <a:prstGeom prst="rect">
+            <a:avLst/>
+          </a:prstGeom>
+          <a:solidFill>
+            <a:srgbClr val="D5D5D5"/>
+          </a:solidFill>
+          <a:ln w="3175">
+            <a:noFill/>
+          </a:ln>
+          <a:effectLst/>
+        </p:spPr>
+        <p:style>
+          <a:lnRef idx="2">
+            <a:schemeClr val="accent1">
+              <a:shade val="50000"/>
+            </a:schemeClr>
+          </a:lnRef>
+          <a:fillRef idx="1">
+            <a:schemeClr val="accent1"/>
+          </a:fillRef>
+          <a:effectRef idx="0">
+            <a:schemeClr val="accent1"/>
+          </a:effectRef>
+          <a:fontRef idx="minor">
+            <a:schemeClr val="lt1"/>
+          </a:fontRef>
+        </p:style>
+        <p:txBody>
+          <a:bodyPr rtlCol="0" anchor="ctr"/>
+          <a:lstStyle/>
+          <a:p>
+            <a:pPr algn="ctr"/>
+            <a:endParaRPr lang="en-US">
+              <a:solidFill>
+                <a:prstClr val="white"/>
+              </a:solidFill>
+              <a:latin typeface="Calibri" panose="020F0502020204030204"/>
+            </a:endParaRPr>
+          </a:p>
+        </p:txBody>
+      </p:sp>
+      <p:sp>
+        <p:nvSpPr>
+          <p:cNvPr id="5" name="Rectangle 11">
+            <a:extLst>
+              <a:ext uri="{FF2B5EF4-FFF2-40B4-BE49-F238E27FC236}">
+                <a16:creationId xmlns:a16="http://schemas.microsoft.com/office/drawing/2014/main" id="{2CD6F061-7C53-44F4-9794-953DB70A451B}"/>
+              </a:ext>
+              <a:ext uri="{C183D7F6-B498-43B3-948B-1728B52AA6E4}">
+                <adec:decorative xmlns:adec="http://schemas.microsoft.com/office/drawing/2017/decorative" val="1"/>
+              </a:ext>
+            </a:extLst>
+          </p:cNvPr>
+          <p:cNvSpPr>
+            <a:spLocks noGrp="1" noRot="1" noChangeAspect="1" noMove="1" noResize="1" noEditPoints="1" noAdjustHandles="1" noChangeArrowheads="1" noChangeShapeType="1" noTextEdit="1"/>
+          </p:cNvSpPr>
+          <p:nvPr>
+            <p:extLst>
+              <p:ext uri="{386F3935-93C4-4BCD-93E2-E3B085C9AB24}">
+                <p16:designElem xmlns:p16="http://schemas.microsoft.com/office/powerpoint/2015/main" val="1"/>
+              </p:ext>
+            </p:extLst>
+          </p:nvPr>
+        </p:nvSpPr>
+        <p:spPr>
+          <a:xfrm rot="5400000">
+            <a:off x="9346882" y="2348839"/>
+            <a:ext cx="54864" cy="3946779"/>
+          </a:xfrm>
+          <a:prstGeom prst="rect">
+            <a:avLst/>
+          </a:prstGeom>
+          <a:solidFill>
+            <a:schemeClr val="accent2"/>
+          </a:solidFill>
+          <a:ln>
+            <a:noFill/>
+          </a:ln>
+        </p:spPr>
+        <p:style>
+          <a:lnRef idx="2">
+            <a:schemeClr val="accent1">
+              <a:shade val="50000"/>
+            </a:schemeClr>
+          </a:lnRef>
+          <a:fillRef idx="1">
+            <a:schemeClr val="accent1"/>
+          </a:fillRef>
+          <a:effectRef idx="0">
+            <a:schemeClr val="accent1"/>
+          </a:effectRef>
+          <a:fontRef idx="minor">
+            <a:schemeClr val="lt1"/>
+          </a:fontRef>
+        </p:style>
+        <p:txBody>
+          <a:bodyPr rtlCol="0" anchor="ctr"/>
+          <a:lstStyle/>
+          <a:p>
+            <a:pPr marL="0" marR="0" lvl="0" indent="0" algn="ctr" defTabSz="914400" rtl="0" eaLnBrk="1" fontAlgn="auto" latinLnBrk="0" hangingPunct="1">
+              <a:lnSpc>
+                <a:spcPct val="100000"/>
+              </a:lnSpc>
+              <a:spcBef>
+                <a:spcPts val="0"/>
+              </a:spcBef>
+              <a:spcAft>
+                <a:spcPts val="0"/>
+              </a:spcAft>
+              <a:buClrTx/>
+              <a:buSzTx/>
+              <a:buFontTx/>
+              <a:buNone/>
+              <a:tabLst/>
+              <a:defRPr/>
+            </a:pPr>
+            <a:endParaRPr kumimoji="0" lang="en-US" sz="1800" b="0" i="0" u="none" strike="noStrike" kern="1200" cap="none" spc="0" normalizeH="0" baseline="0" noProof="0">
+              <a:ln>
+                <a:noFill/>
+              </a:ln>
+              <a:solidFill>
+                <a:prstClr val="white"/>
+              </a:solidFill>
+              <a:effectLst/>
+              <a:uLnTx/>
+              <a:uFillTx/>
+              <a:latin typeface="Calibri" panose="020F0502020204030204"/>
+              <a:ea typeface="+mn-ea"/>
+              <a:cs typeface="+mn-cs"/>
+            </a:endParaRPr>
+          </a:p>
+        </p:txBody>
+      </p:sp>
+    </p:spTree>
+    <p:extLst>
+      <p:ext uri="{BB962C8B-B14F-4D97-AF65-F5344CB8AC3E}">
+        <p14:creationId xmlns:p14="http://schemas.microsoft.com/office/powerpoint/2010/main" val="2877808783"/>
+      </p:ext>
+    </p:extLst>
+  </p:cSld>
+  <p:clrMapOvr>
+    <a:masterClrMapping/>
+  </p:clrMapOvr>
+</p:sld>
+</file>
+
+<file path=ppt/slides/slide12.xml><?xml version="1.0" encoding="utf-8"?>
+<p:sld xmlns:a="http://schemas.openxmlformats.org/drawingml/2006/main" xmlns:r="http://schemas.openxmlformats.org/officeDocument/2006/relationships" xmlns:p="http://schemas.openxmlformats.org/presentationml/2006/main">
+  <p:cSld>
+    <p:bg>
+      <p:bgPr>
+        <a:solidFill>
+          <a:schemeClr val="bg1"/>
+        </a:solidFill>
+        <a:effectLst/>
+      </p:bgPr>
+    </p:bg>
+    <p:spTree>
+      <p:nvGrpSpPr>
+        <p:cNvPr id="1" name=""/>
+        <p:cNvGrpSpPr/>
+        <p:nvPr/>
+      </p:nvGrpSpPr>
+      <p:grpSpPr>
+        <a:xfrm>
+          <a:off x="0" y="0"/>
+          <a:ext cx="0" cy="0"/>
+          <a:chOff x="0" y="0"/>
+          <a:chExt cx="0" cy="0"/>
+        </a:xfrm>
+      </p:grpSpPr>
+      <p:sp useBgFill="1">
+        <p:nvSpPr>
+          <p:cNvPr id="35" name="Rectangle 34">
+            <a:extLst>
+              <a:ext uri="{FF2B5EF4-FFF2-40B4-BE49-F238E27FC236}">
+                <a16:creationId xmlns:a16="http://schemas.microsoft.com/office/drawing/2014/main" id="{0B9EE3F3-89B7-43C3-8651-C4C96830993D}"/>
+              </a:ext>
+              <a:ext uri="{C183D7F6-B498-43B3-948B-1728B52AA6E4}">
+                <adec:decorative xmlns:adec="http://schemas.microsoft.com/office/drawing/2017/decorative" val="1"/>
+              </a:ext>
+            </a:extLst>
+          </p:cNvPr>
+          <p:cNvSpPr>
+            <a:spLocks noGrp="1" noRot="1" noChangeAspect="1" noMove="1" noResize="1" noEditPoints="1" noAdjustHandles="1" noChangeArrowheads="1" noChangeShapeType="1" noTextEdit="1"/>
+          </p:cNvSpPr>
+          <p:nvPr>
+            <p:extLst>
+              <p:ext uri="{386F3935-93C4-4BCD-93E2-E3B085C9AB24}">
+                <p16:designElem xmlns:p16="http://schemas.microsoft.com/office/powerpoint/2015/main" val="1"/>
+              </p:ext>
+            </p:extLst>
+          </p:nvPr>
+        </p:nvSpPr>
+        <p:spPr>
+          <a:xfrm>
+            <a:off x="0" y="0"/>
+            <a:ext cx="12192000" cy="6858000"/>
+          </a:xfrm>
+          <a:prstGeom prst="rect">
+            <a:avLst/>
+          </a:prstGeom>
+          <a:ln>
+            <a:noFill/>
+          </a:ln>
+        </p:spPr>
+        <p:style>
+          <a:lnRef idx="2">
+            <a:schemeClr val="accent1">
+              <a:shade val="50000"/>
+            </a:schemeClr>
+          </a:lnRef>
+          <a:fillRef idx="1">
+            <a:schemeClr val="accent1"/>
+          </a:fillRef>
+          <a:effectRef idx="0">
+            <a:schemeClr val="accent1"/>
+          </a:effectRef>
+          <a:fontRef idx="minor">
+            <a:schemeClr val="lt1"/>
+          </a:fontRef>
+        </p:style>
+        <p:txBody>
+          <a:bodyPr rtlCol="0" anchor="ctr"/>
+          <a:lstStyle/>
+          <a:p>
+            <a:pPr algn="ctr"/>
+            <a:endParaRPr lang="en-US"/>
+          </a:p>
+        </p:txBody>
+      </p:sp>
+      <p:sp>
+        <p:nvSpPr>
+          <p:cNvPr id="37" name="Rectangle 36">
+            <a:extLst>
+              <a:ext uri="{FF2B5EF4-FFF2-40B4-BE49-F238E27FC236}">
+                <a16:creationId xmlns:a16="http://schemas.microsoft.com/office/drawing/2014/main" id="{33AE4636-AEEC-45D6-84D4-7AC2DA48ECF8}"/>
+              </a:ext>
+              <a:ext uri="{C183D7F6-B498-43B3-948B-1728B52AA6E4}">
+                <adec:decorative xmlns:adec="http://schemas.microsoft.com/office/drawing/2017/decorative" val="1"/>
+              </a:ext>
+            </a:extLst>
+          </p:cNvPr>
+          <p:cNvSpPr>
+            <a:spLocks noGrp="1" noRot="1" noChangeAspect="1" noMove="1" noResize="1" noEditPoints="1" noAdjustHandles="1" noChangeArrowheads="1" noChangeShapeType="1" noTextEdit="1"/>
+          </p:cNvSpPr>
+          <p:nvPr>
+            <p:extLst>
+              <p:ext uri="{386F3935-93C4-4BCD-93E2-E3B085C9AB24}">
+                <p16:designElem xmlns:p16="http://schemas.microsoft.com/office/powerpoint/2015/main" val="1"/>
+              </p:ext>
+            </p:extLst>
+          </p:nvPr>
+        </p:nvSpPr>
+        <p:spPr>
+          <a:xfrm rot="5400000">
+            <a:off x="649223" y="387939"/>
+            <a:ext cx="73152" cy="548640"/>
+          </a:xfrm>
+          <a:prstGeom prst="rect">
+            <a:avLst/>
+          </a:prstGeom>
+          <a:solidFill>
+            <a:schemeClr val="accent2"/>
+          </a:solidFill>
+          <a:ln>
+            <a:noFill/>
+          </a:ln>
+        </p:spPr>
+        <p:style>
+          <a:lnRef idx="2">
+            <a:schemeClr val="accent1">
+              <a:shade val="50000"/>
+            </a:schemeClr>
+          </a:lnRef>
+          <a:fillRef idx="1">
+            <a:schemeClr val="accent1"/>
+          </a:fillRef>
+          <a:effectRef idx="0">
+            <a:schemeClr val="accent1"/>
+          </a:effectRef>
+          <a:fontRef idx="minor">
+            <a:schemeClr val="lt1"/>
+          </a:fontRef>
+        </p:style>
+        <p:txBody>
+          <a:bodyPr rtlCol="0" anchor="ctr"/>
+          <a:lstStyle/>
+          <a:p>
+            <a:pPr algn="ctr"/>
+            <a:endParaRPr lang="en-US">
+              <a:solidFill>
+                <a:prstClr val="white"/>
+              </a:solidFill>
+              <a:latin typeface="Calibri" panose="020F0502020204030204"/>
+            </a:endParaRPr>
+          </a:p>
+        </p:txBody>
+      </p:sp>
+      <p:sp>
+        <p:nvSpPr>
+          <p:cNvPr id="39" name="Rectangle 38">
+            <a:extLst>
+              <a:ext uri="{FF2B5EF4-FFF2-40B4-BE49-F238E27FC236}">
+                <a16:creationId xmlns:a16="http://schemas.microsoft.com/office/drawing/2014/main" id="{8D9CE0F4-2EB2-4F1F-8AAC-DB3571D9FE10}"/>
+              </a:ext>
+              <a:ext uri="{C183D7F6-B498-43B3-948B-1728B52AA6E4}">
+                <adec:decorative xmlns:adec="http://schemas.microsoft.com/office/drawing/2017/decorative" val="1"/>
+              </a:ext>
+            </a:extLst>
+          </p:cNvPr>
+          <p:cNvSpPr>
+            <a:spLocks noGrp="1" noRot="1" noChangeAspect="1" noMove="1" noResize="1" noEditPoints="1" noAdjustHandles="1" noChangeArrowheads="1" noChangeShapeType="1" noTextEdit="1"/>
+          </p:cNvSpPr>
+          <p:nvPr>
+            <p:extLst>
+              <p:ext uri="{386F3935-93C4-4BCD-93E2-E3B085C9AB24}">
+                <p16:designElem xmlns:p16="http://schemas.microsoft.com/office/powerpoint/2015/main" val="1"/>
+              </p:ext>
+            </p:extLst>
+          </p:nvPr>
+        </p:nvSpPr>
+        <p:spPr>
+          <a:xfrm>
+            <a:off x="411480" y="2285541"/>
+            <a:ext cx="4389120" cy="18288"/>
+          </a:xfrm>
+          <a:prstGeom prst="rect">
+            <a:avLst/>
+          </a:prstGeom>
+          <a:solidFill>
+            <a:srgbClr val="D5D5D5"/>
+          </a:solidFill>
+          <a:ln w="3175">
+            <a:noFill/>
+          </a:ln>
+          <a:effectLst/>
+        </p:spPr>
+        <p:style>
+          <a:lnRef idx="2">
+            <a:schemeClr val="accent1">
+              <a:shade val="50000"/>
+            </a:schemeClr>
+          </a:lnRef>
+          <a:fillRef idx="1">
+            <a:schemeClr val="accent1"/>
+          </a:fillRef>
+          <a:effectRef idx="0">
+            <a:schemeClr val="accent1"/>
+          </a:effectRef>
+          <a:fontRef idx="minor">
+            <a:schemeClr val="lt1"/>
+          </a:fontRef>
+        </p:style>
+        <p:txBody>
+          <a:bodyPr rtlCol="0" anchor="ctr"/>
+          <a:lstStyle/>
+          <a:p>
+            <a:pPr algn="ctr"/>
+            <a:endParaRPr lang="en-US">
+              <a:solidFill>
+                <a:prstClr val="white"/>
+              </a:solidFill>
+              <a:latin typeface="Calibri" panose="020F0502020204030204"/>
+            </a:endParaRPr>
+          </a:p>
+        </p:txBody>
+      </p:sp>
+      <p:sp>
+        <p:nvSpPr>
+          <p:cNvPr id="3" name="Segnaposto contenuto 2">
+            <a:extLst>
+              <a:ext uri="{FF2B5EF4-FFF2-40B4-BE49-F238E27FC236}">
+                <a16:creationId xmlns:a16="http://schemas.microsoft.com/office/drawing/2014/main" id="{7242EC51-B455-FCA1-004F-7CC1C30AFC39}"/>
+              </a:ext>
+            </a:extLst>
+          </p:cNvPr>
+          <p:cNvSpPr>
+            <a:spLocks noGrp="1"/>
+          </p:cNvSpPr>
+          <p:nvPr>
+            <p:ph idx="1"/>
+          </p:nvPr>
+        </p:nvSpPr>
+        <p:spPr>
+          <a:xfrm>
+            <a:off x="411480" y="2684095"/>
+            <a:ext cx="4443154" cy="3492868"/>
+          </a:xfrm>
+        </p:spPr>
+        <p:txBody>
+          <a:bodyPr>
+            <a:normAutofit/>
+          </a:bodyPr>
+          <a:lstStyle/>
+          <a:p>
+            <a:pPr marL="0" indent="0">
+              <a:buNone/>
+            </a:pPr>
+            <a:r>
+              <a:rPr lang="it-IT" sz="1800"/>
+              <a:t>Possiamo notare come all’aumentare dell’età del paziente ci sia un maggiore concentrazione di casi positivi alla malattia.</a:t>
+            </a:r>
+          </a:p>
+        </p:txBody>
+      </p:sp>
+      <p:pic>
+        <p:nvPicPr>
+          <p:cNvPr id="7" name="Graphic 6">
+            <a:extLst>
+              <a:ext uri="{FF2B5EF4-FFF2-40B4-BE49-F238E27FC236}">
+                <a16:creationId xmlns:a16="http://schemas.microsoft.com/office/drawing/2014/main" id="{F30B99EF-1670-07FC-2F0E-EA9315EE0D31}"/>
+              </a:ext>
+            </a:extLst>
+          </p:cNvPr>
+          <p:cNvPicPr>
+            <a:picLocks noChangeAspect="1"/>
+          </p:cNvPicPr>
+          <p:nvPr/>
+        </p:nvPicPr>
+        <p:blipFill>
+          <a:blip r:embed="rId2">
+            <a:extLst>
+              <a:ext uri="{28A0092B-C50C-407E-A947-70E740481C1C}">
+                <a14:useLocalDpi xmlns:a14="http://schemas.microsoft.com/office/drawing/2010/main" val="0"/>
+              </a:ext>
+            </a:extLst>
+          </a:blip>
+          <a:stretch/>
+        </p:blipFill>
+        <p:spPr>
+          <a:xfrm>
+            <a:off x="5385816" y="1332336"/>
+            <a:ext cx="6440424" cy="4137973"/>
+          </a:xfrm>
+          <a:prstGeom prst="rect">
+            <a:avLst/>
+          </a:prstGeom>
+        </p:spPr>
+      </p:pic>
+    </p:spTree>
+    <p:extLst>
+      <p:ext uri="{BB962C8B-B14F-4D97-AF65-F5344CB8AC3E}">
+        <p14:creationId xmlns:p14="http://schemas.microsoft.com/office/powerpoint/2010/main" val="3265375734"/>
+      </p:ext>
+    </p:extLst>
+  </p:cSld>
+  <p:clrMapOvr>
+    <a:masterClrMapping/>
+  </p:clrMapOvr>
+</p:sld>
+</file>
+
+<file path=ppt/slides/slide13.xml><?xml version="1.0" encoding="utf-8"?>
+<p:sld xmlns:a="http://schemas.openxmlformats.org/drawingml/2006/main" xmlns:r="http://schemas.openxmlformats.org/officeDocument/2006/relationships" xmlns:p="http://schemas.openxmlformats.org/presentationml/2006/main">
+  <p:cSld>
+    <p:bg>
+      <p:bgPr>
+        <a:solidFill>
+          <a:schemeClr val="bg1"/>
+        </a:solidFill>
+        <a:effectLst/>
+      </p:bgPr>
+    </p:bg>
+    <p:spTree>
+      <p:nvGrpSpPr>
+        <p:cNvPr id="1" name=""/>
+        <p:cNvGrpSpPr/>
+        <p:nvPr/>
+      </p:nvGrpSpPr>
+      <p:grpSpPr>
+        <a:xfrm>
+          <a:off x="0" y="0"/>
+          <a:ext cx="0" cy="0"/>
+          <a:chOff x="0" y="0"/>
+          <a:chExt cx="0" cy="0"/>
+        </a:xfrm>
+      </p:grpSpPr>
+      <p:sp useBgFill="1">
+        <p:nvSpPr>
+          <p:cNvPr id="35" name="Rectangle 34">
+            <a:extLst>
+              <a:ext uri="{FF2B5EF4-FFF2-40B4-BE49-F238E27FC236}">
+                <a16:creationId xmlns:a16="http://schemas.microsoft.com/office/drawing/2014/main" id="{0B9EE3F3-89B7-43C3-8651-C4C96830993D}"/>
+              </a:ext>
+              <a:ext uri="{C183D7F6-B498-43B3-948B-1728B52AA6E4}">
+                <adec:decorative xmlns:adec="http://schemas.microsoft.com/office/drawing/2017/decorative" val="1"/>
+              </a:ext>
+            </a:extLst>
+          </p:cNvPr>
+          <p:cNvSpPr>
+            <a:spLocks noGrp="1" noRot="1" noChangeAspect="1" noMove="1" noResize="1" noEditPoints="1" noAdjustHandles="1" noChangeArrowheads="1" noChangeShapeType="1" noTextEdit="1"/>
+          </p:cNvSpPr>
+          <p:nvPr>
+            <p:extLst>
+              <p:ext uri="{386F3935-93C4-4BCD-93E2-E3B085C9AB24}">
+                <p16:designElem xmlns:p16="http://schemas.microsoft.com/office/powerpoint/2015/main" val="1"/>
+              </p:ext>
+            </p:extLst>
+          </p:nvPr>
+        </p:nvSpPr>
+        <p:spPr>
+          <a:xfrm>
+            <a:off x="0" y="0"/>
+            <a:ext cx="12192000" cy="6858000"/>
+          </a:xfrm>
+          <a:prstGeom prst="rect">
+            <a:avLst/>
+          </a:prstGeom>
+          <a:ln>
+            <a:noFill/>
+          </a:ln>
+        </p:spPr>
+        <p:style>
+          <a:lnRef idx="2">
+            <a:schemeClr val="accent1">
+              <a:shade val="50000"/>
+            </a:schemeClr>
+          </a:lnRef>
+          <a:fillRef idx="1">
+            <a:schemeClr val="accent1"/>
+          </a:fillRef>
+          <a:effectRef idx="0">
+            <a:schemeClr val="accent1"/>
+          </a:effectRef>
+          <a:fontRef idx="minor">
+            <a:schemeClr val="lt1"/>
+          </a:fontRef>
+        </p:style>
+        <p:txBody>
+          <a:bodyPr rtlCol="0" anchor="ctr"/>
+          <a:lstStyle/>
+          <a:p>
+            <a:pPr algn="ctr"/>
+            <a:endParaRPr lang="en-US"/>
+          </a:p>
+        </p:txBody>
+      </p:sp>
+      <p:sp>
+        <p:nvSpPr>
+          <p:cNvPr id="37" name="Rectangle 36">
+            <a:extLst>
+              <a:ext uri="{FF2B5EF4-FFF2-40B4-BE49-F238E27FC236}">
+                <a16:creationId xmlns:a16="http://schemas.microsoft.com/office/drawing/2014/main" id="{33AE4636-AEEC-45D6-84D4-7AC2DA48ECF8}"/>
+              </a:ext>
+              <a:ext uri="{C183D7F6-B498-43B3-948B-1728B52AA6E4}">
+                <adec:decorative xmlns:adec="http://schemas.microsoft.com/office/drawing/2017/decorative" val="1"/>
+              </a:ext>
+            </a:extLst>
+          </p:cNvPr>
+          <p:cNvSpPr>
+            <a:spLocks noGrp="1" noRot="1" noChangeAspect="1" noMove="1" noResize="1" noEditPoints="1" noAdjustHandles="1" noChangeArrowheads="1" noChangeShapeType="1" noTextEdit="1"/>
+          </p:cNvSpPr>
+          <p:nvPr>
+            <p:extLst>
+              <p:ext uri="{386F3935-93C4-4BCD-93E2-E3B085C9AB24}">
+                <p16:designElem xmlns:p16="http://schemas.microsoft.com/office/powerpoint/2015/main" val="1"/>
+              </p:ext>
+            </p:extLst>
+          </p:nvPr>
+        </p:nvSpPr>
+        <p:spPr>
+          <a:xfrm rot="5400000">
+            <a:off x="649223" y="387939"/>
+            <a:ext cx="73152" cy="548640"/>
+          </a:xfrm>
+          <a:prstGeom prst="rect">
+            <a:avLst/>
+          </a:prstGeom>
+          <a:solidFill>
+            <a:schemeClr val="accent2"/>
+          </a:solidFill>
+          <a:ln>
+            <a:noFill/>
+          </a:ln>
+        </p:spPr>
+        <p:style>
+          <a:lnRef idx="2">
+            <a:schemeClr val="accent1">
+              <a:shade val="50000"/>
+            </a:schemeClr>
+          </a:lnRef>
+          <a:fillRef idx="1">
+            <a:schemeClr val="accent1"/>
+          </a:fillRef>
+          <a:effectRef idx="0">
+            <a:schemeClr val="accent1"/>
+          </a:effectRef>
+          <a:fontRef idx="minor">
+            <a:schemeClr val="lt1"/>
+          </a:fontRef>
+        </p:style>
+        <p:txBody>
+          <a:bodyPr rtlCol="0" anchor="ctr"/>
+          <a:lstStyle/>
+          <a:p>
+            <a:pPr algn="ctr"/>
+            <a:endParaRPr lang="en-US">
+              <a:solidFill>
+                <a:prstClr val="white"/>
+              </a:solidFill>
+              <a:latin typeface="Calibri" panose="020F0502020204030204"/>
+            </a:endParaRPr>
+          </a:p>
+        </p:txBody>
+      </p:sp>
+      <p:sp>
+        <p:nvSpPr>
+          <p:cNvPr id="39" name="Rectangle 38">
+            <a:extLst>
+              <a:ext uri="{FF2B5EF4-FFF2-40B4-BE49-F238E27FC236}">
+                <a16:creationId xmlns:a16="http://schemas.microsoft.com/office/drawing/2014/main" id="{8D9CE0F4-2EB2-4F1F-8AAC-DB3571D9FE10}"/>
+              </a:ext>
+              <a:ext uri="{C183D7F6-B498-43B3-948B-1728B52AA6E4}">
+                <adec:decorative xmlns:adec="http://schemas.microsoft.com/office/drawing/2017/decorative" val="1"/>
+              </a:ext>
+            </a:extLst>
+          </p:cNvPr>
+          <p:cNvSpPr>
+            <a:spLocks noGrp="1" noRot="1" noChangeAspect="1" noMove="1" noResize="1" noEditPoints="1" noAdjustHandles="1" noChangeArrowheads="1" noChangeShapeType="1" noTextEdit="1"/>
+          </p:cNvSpPr>
+          <p:nvPr>
+            <p:extLst>
+              <p:ext uri="{386F3935-93C4-4BCD-93E2-E3B085C9AB24}">
+                <p16:designElem xmlns:p16="http://schemas.microsoft.com/office/powerpoint/2015/main" val="1"/>
+              </p:ext>
+            </p:extLst>
+          </p:nvPr>
+        </p:nvSpPr>
+        <p:spPr>
+          <a:xfrm>
+            <a:off x="411480" y="2285541"/>
+            <a:ext cx="4389120" cy="18288"/>
+          </a:xfrm>
+          <a:prstGeom prst="rect">
+            <a:avLst/>
+          </a:prstGeom>
+          <a:solidFill>
+            <a:srgbClr val="D5D5D5"/>
+          </a:solidFill>
+          <a:ln w="3175">
+            <a:noFill/>
+          </a:ln>
+          <a:effectLst/>
+        </p:spPr>
+        <p:style>
+          <a:lnRef idx="2">
+            <a:schemeClr val="accent1">
+              <a:shade val="50000"/>
+            </a:schemeClr>
+          </a:lnRef>
+          <a:fillRef idx="1">
+            <a:schemeClr val="accent1"/>
+          </a:fillRef>
+          <a:effectRef idx="0">
+            <a:schemeClr val="accent1"/>
+          </a:effectRef>
+          <a:fontRef idx="minor">
+            <a:schemeClr val="lt1"/>
+          </a:fontRef>
+        </p:style>
+        <p:txBody>
+          <a:bodyPr rtlCol="0" anchor="ctr"/>
+          <a:lstStyle/>
+          <a:p>
+            <a:pPr algn="ctr"/>
+            <a:endParaRPr lang="en-US">
+              <a:solidFill>
+                <a:prstClr val="white"/>
+              </a:solidFill>
+              <a:latin typeface="Calibri" panose="020F0502020204030204"/>
+            </a:endParaRPr>
+          </a:p>
+        </p:txBody>
+      </p:sp>
+      <p:sp>
+        <p:nvSpPr>
+          <p:cNvPr id="3" name="Segnaposto contenuto 2">
+            <a:extLst>
+              <a:ext uri="{FF2B5EF4-FFF2-40B4-BE49-F238E27FC236}">
+                <a16:creationId xmlns:a16="http://schemas.microsoft.com/office/drawing/2014/main" id="{7242EC51-B455-FCA1-004F-7CC1C30AFC39}"/>
+              </a:ext>
+            </a:extLst>
+          </p:cNvPr>
+          <p:cNvSpPr>
+            <a:spLocks noGrp="1"/>
+          </p:cNvSpPr>
+          <p:nvPr>
+            <p:ph idx="1"/>
+          </p:nvPr>
+        </p:nvSpPr>
+        <p:spPr>
+          <a:xfrm>
+            <a:off x="411480" y="2684095"/>
+            <a:ext cx="4443154" cy="3492868"/>
+          </a:xfrm>
+        </p:spPr>
+        <p:txBody>
+          <a:bodyPr>
+            <a:normAutofit/>
+          </a:bodyPr>
+          <a:lstStyle/>
+          <a:p>
+            <a:pPr marL="0" indent="0">
+              <a:buNone/>
+            </a:pPr>
+            <a:r>
+              <a:rPr lang="it-IT" sz="1800" dirty="0"/>
+              <a:t>Dal grafico si evince come all’aumentare dell’età ci sia una diminuzione della frequenza cardiaca sotto sforzo, notando come i pazienti malati aumentino nelle età più avanzate.</a:t>
+            </a:r>
+          </a:p>
+        </p:txBody>
+      </p:sp>
+      <p:pic>
+        <p:nvPicPr>
+          <p:cNvPr id="7" name="Graphic 6">
+            <a:extLst>
+              <a:ext uri="{FF2B5EF4-FFF2-40B4-BE49-F238E27FC236}">
+                <a16:creationId xmlns:a16="http://schemas.microsoft.com/office/drawing/2014/main" id="{F30B99EF-1670-07FC-2F0E-EA9315EE0D31}"/>
+              </a:ext>
+            </a:extLst>
+          </p:cNvPr>
+          <p:cNvPicPr>
+            <a:picLocks noChangeAspect="1"/>
+          </p:cNvPicPr>
+          <p:nvPr/>
+        </p:nvPicPr>
+        <p:blipFill>
+          <a:blip r:embed="rId2">
+            <a:extLst>
+              <a:ext uri="{28A0092B-C50C-407E-A947-70E740481C1C}">
+                <a14:useLocalDpi xmlns:a14="http://schemas.microsoft.com/office/drawing/2010/main" val="0"/>
+              </a:ext>
+            </a:extLst>
+          </a:blip>
+          <a:stretch/>
+        </p:blipFill>
+        <p:spPr>
+          <a:xfrm>
+            <a:off x="5385816" y="1324286"/>
+            <a:ext cx="6440424" cy="4154074"/>
+          </a:xfrm>
+          <a:prstGeom prst="rect">
+            <a:avLst/>
+          </a:prstGeom>
+        </p:spPr>
+      </p:pic>
+    </p:spTree>
+    <p:extLst>
+      <p:ext uri="{BB962C8B-B14F-4D97-AF65-F5344CB8AC3E}">
+        <p14:creationId xmlns:p14="http://schemas.microsoft.com/office/powerpoint/2010/main" val="403756226"/>
+      </p:ext>
+    </p:extLst>
+  </p:cSld>
+  <p:clrMapOvr>
+    <a:masterClrMapping/>
+  </p:clrMapOvr>
+</p:sld>
+</file>
+
+<file path=ppt/slides/slide14.xml><?xml version="1.0" encoding="utf-8"?>
+<p:sld xmlns:a="http://schemas.openxmlformats.org/drawingml/2006/main" xmlns:r="http://schemas.openxmlformats.org/officeDocument/2006/relationships" xmlns:p="http://schemas.openxmlformats.org/presentationml/2006/main">
+  <p:cSld>
+    <p:bg>
+      <p:bgPr>
+        <a:solidFill>
+          <a:schemeClr val="bg1"/>
+        </a:solidFill>
+        <a:effectLst/>
+      </p:bgPr>
+    </p:bg>
+    <p:spTree>
+      <p:nvGrpSpPr>
+        <p:cNvPr id="1" name=""/>
+        <p:cNvGrpSpPr/>
+        <p:nvPr/>
+      </p:nvGrpSpPr>
+      <p:grpSpPr>
+        <a:xfrm>
+          <a:off x="0" y="0"/>
+          <a:ext cx="0" cy="0"/>
+          <a:chOff x="0" y="0"/>
+          <a:chExt cx="0" cy="0"/>
+        </a:xfrm>
+      </p:grpSpPr>
+      <p:sp useBgFill="1">
+        <p:nvSpPr>
+          <p:cNvPr id="35" name="Rectangle 34">
+            <a:extLst>
+              <a:ext uri="{FF2B5EF4-FFF2-40B4-BE49-F238E27FC236}">
+                <a16:creationId xmlns:a16="http://schemas.microsoft.com/office/drawing/2014/main" id="{0B9EE3F3-89B7-43C3-8651-C4C96830993D}"/>
+              </a:ext>
+              <a:ext uri="{C183D7F6-B498-43B3-948B-1728B52AA6E4}">
+                <adec:decorative xmlns:adec="http://schemas.microsoft.com/office/drawing/2017/decorative" val="1"/>
+              </a:ext>
+            </a:extLst>
+          </p:cNvPr>
+          <p:cNvSpPr>
+            <a:spLocks noGrp="1" noRot="1" noChangeAspect="1" noMove="1" noResize="1" noEditPoints="1" noAdjustHandles="1" noChangeArrowheads="1" noChangeShapeType="1" noTextEdit="1"/>
+          </p:cNvSpPr>
+          <p:nvPr>
+            <p:extLst>
+              <p:ext uri="{386F3935-93C4-4BCD-93E2-E3B085C9AB24}">
+                <p16:designElem xmlns:p16="http://schemas.microsoft.com/office/powerpoint/2015/main" val="1"/>
+              </p:ext>
+            </p:extLst>
+          </p:nvPr>
+        </p:nvSpPr>
+        <p:spPr>
+          <a:xfrm>
+            <a:off x="0" y="0"/>
+            <a:ext cx="12192000" cy="6858000"/>
+          </a:xfrm>
+          <a:prstGeom prst="rect">
+            <a:avLst/>
+          </a:prstGeom>
+          <a:ln>
+            <a:noFill/>
+          </a:ln>
+        </p:spPr>
+        <p:style>
+          <a:lnRef idx="2">
+            <a:schemeClr val="accent1">
+              <a:shade val="50000"/>
+            </a:schemeClr>
+          </a:lnRef>
+          <a:fillRef idx="1">
+            <a:schemeClr val="accent1"/>
+          </a:fillRef>
+          <a:effectRef idx="0">
+            <a:schemeClr val="accent1"/>
+          </a:effectRef>
+          <a:fontRef idx="minor">
+            <a:schemeClr val="lt1"/>
+          </a:fontRef>
+        </p:style>
+        <p:txBody>
+          <a:bodyPr rtlCol="0" anchor="ctr"/>
+          <a:lstStyle/>
+          <a:p>
+            <a:pPr algn="ctr"/>
+            <a:endParaRPr lang="en-US"/>
+          </a:p>
+        </p:txBody>
+      </p:sp>
+      <p:sp>
+        <p:nvSpPr>
+          <p:cNvPr id="37" name="Rectangle 36">
+            <a:extLst>
+              <a:ext uri="{FF2B5EF4-FFF2-40B4-BE49-F238E27FC236}">
+                <a16:creationId xmlns:a16="http://schemas.microsoft.com/office/drawing/2014/main" id="{33AE4636-AEEC-45D6-84D4-7AC2DA48ECF8}"/>
+              </a:ext>
+              <a:ext uri="{C183D7F6-B498-43B3-948B-1728B52AA6E4}">
+                <adec:decorative xmlns:adec="http://schemas.microsoft.com/office/drawing/2017/decorative" val="1"/>
+              </a:ext>
+            </a:extLst>
+          </p:cNvPr>
+          <p:cNvSpPr>
+            <a:spLocks noGrp="1" noRot="1" noChangeAspect="1" noMove="1" noResize="1" noEditPoints="1" noAdjustHandles="1" noChangeArrowheads="1" noChangeShapeType="1" noTextEdit="1"/>
+          </p:cNvSpPr>
+          <p:nvPr>
+            <p:extLst>
+              <p:ext uri="{386F3935-93C4-4BCD-93E2-E3B085C9AB24}">
+                <p16:designElem xmlns:p16="http://schemas.microsoft.com/office/powerpoint/2015/main" val="1"/>
+              </p:ext>
+            </p:extLst>
+          </p:nvPr>
+        </p:nvSpPr>
+        <p:spPr>
+          <a:xfrm rot="5400000">
+            <a:off x="649223" y="387939"/>
+            <a:ext cx="73152" cy="548640"/>
+          </a:xfrm>
+          <a:prstGeom prst="rect">
+            <a:avLst/>
+          </a:prstGeom>
+          <a:solidFill>
+            <a:schemeClr val="accent2"/>
+          </a:solidFill>
+          <a:ln>
+            <a:noFill/>
+          </a:ln>
+        </p:spPr>
+        <p:style>
+          <a:lnRef idx="2">
+            <a:schemeClr val="accent1">
+              <a:shade val="50000"/>
+            </a:schemeClr>
+          </a:lnRef>
+          <a:fillRef idx="1">
+            <a:schemeClr val="accent1"/>
+          </a:fillRef>
+          <a:effectRef idx="0">
+            <a:schemeClr val="accent1"/>
+          </a:effectRef>
+          <a:fontRef idx="minor">
+            <a:schemeClr val="lt1"/>
+          </a:fontRef>
+        </p:style>
+        <p:txBody>
+          <a:bodyPr rtlCol="0" anchor="ctr"/>
+          <a:lstStyle/>
+          <a:p>
+            <a:pPr algn="ctr"/>
+            <a:endParaRPr lang="en-US">
+              <a:solidFill>
+                <a:prstClr val="white"/>
+              </a:solidFill>
+              <a:latin typeface="Calibri" panose="020F0502020204030204"/>
+            </a:endParaRPr>
+          </a:p>
+        </p:txBody>
+      </p:sp>
+      <p:sp>
+        <p:nvSpPr>
+          <p:cNvPr id="39" name="Rectangle 38">
+            <a:extLst>
+              <a:ext uri="{FF2B5EF4-FFF2-40B4-BE49-F238E27FC236}">
+                <a16:creationId xmlns:a16="http://schemas.microsoft.com/office/drawing/2014/main" id="{8D9CE0F4-2EB2-4F1F-8AAC-DB3571D9FE10}"/>
+              </a:ext>
+              <a:ext uri="{C183D7F6-B498-43B3-948B-1728B52AA6E4}">
+                <adec:decorative xmlns:adec="http://schemas.microsoft.com/office/drawing/2017/decorative" val="1"/>
+              </a:ext>
+            </a:extLst>
+          </p:cNvPr>
+          <p:cNvSpPr>
+            <a:spLocks noGrp="1" noRot="1" noChangeAspect="1" noMove="1" noResize="1" noEditPoints="1" noAdjustHandles="1" noChangeArrowheads="1" noChangeShapeType="1" noTextEdit="1"/>
+          </p:cNvSpPr>
+          <p:nvPr>
+            <p:extLst>
+              <p:ext uri="{386F3935-93C4-4BCD-93E2-E3B085C9AB24}">
+                <p16:designElem xmlns:p16="http://schemas.microsoft.com/office/powerpoint/2015/main" val="1"/>
+              </p:ext>
+            </p:extLst>
+          </p:nvPr>
+        </p:nvSpPr>
+        <p:spPr>
+          <a:xfrm>
+            <a:off x="411480" y="2285541"/>
+            <a:ext cx="4389120" cy="18288"/>
+          </a:xfrm>
+          <a:prstGeom prst="rect">
+            <a:avLst/>
+          </a:prstGeom>
+          <a:solidFill>
+            <a:srgbClr val="D5D5D5"/>
+          </a:solidFill>
+          <a:ln w="3175">
+            <a:noFill/>
+          </a:ln>
+          <a:effectLst/>
+        </p:spPr>
+        <p:style>
+          <a:lnRef idx="2">
+            <a:schemeClr val="accent1">
+              <a:shade val="50000"/>
+            </a:schemeClr>
+          </a:lnRef>
+          <a:fillRef idx="1">
+            <a:schemeClr val="accent1"/>
+          </a:fillRef>
+          <a:effectRef idx="0">
+            <a:schemeClr val="accent1"/>
+          </a:effectRef>
+          <a:fontRef idx="minor">
+            <a:schemeClr val="lt1"/>
+          </a:fontRef>
+        </p:style>
+        <p:txBody>
+          <a:bodyPr rtlCol="0" anchor="ctr"/>
+          <a:lstStyle/>
+          <a:p>
+            <a:pPr algn="ctr"/>
+            <a:endParaRPr lang="en-US">
+              <a:solidFill>
+                <a:prstClr val="white"/>
+              </a:solidFill>
+              <a:latin typeface="Calibri" panose="020F0502020204030204"/>
+            </a:endParaRPr>
+          </a:p>
+        </p:txBody>
+      </p:sp>
+      <p:sp>
+        <p:nvSpPr>
+          <p:cNvPr id="3" name="Segnaposto contenuto 2">
+            <a:extLst>
+              <a:ext uri="{FF2B5EF4-FFF2-40B4-BE49-F238E27FC236}">
+                <a16:creationId xmlns:a16="http://schemas.microsoft.com/office/drawing/2014/main" id="{7242EC51-B455-FCA1-004F-7CC1C30AFC39}"/>
+              </a:ext>
+            </a:extLst>
+          </p:cNvPr>
+          <p:cNvSpPr>
+            <a:spLocks noGrp="1"/>
+          </p:cNvSpPr>
+          <p:nvPr>
+            <p:ph idx="1"/>
+          </p:nvPr>
+        </p:nvSpPr>
+        <p:spPr>
+          <a:xfrm>
+            <a:off x="411480" y="2684095"/>
+            <a:ext cx="4443154" cy="3492868"/>
+          </a:xfrm>
+        </p:spPr>
+        <p:txBody>
+          <a:bodyPr>
+            <a:normAutofit/>
+          </a:bodyPr>
+          <a:lstStyle/>
+          <a:p>
+            <a:pPr marL="0" indent="0">
+              <a:buNone/>
+            </a:pPr>
+            <a:r>
+              <a:rPr lang="it-IT" sz="1800" dirty="0"/>
+              <a:t>Attraverso l’analisi di questo grafico si vede come ci sia una lieve relazione diretta tra la pressione sanguigna e l’età del paziente preso in analisi, notando come i pazienti malati aumentino all’aumentare dell’età.</a:t>
+            </a:r>
+          </a:p>
+        </p:txBody>
+      </p:sp>
+      <p:pic>
+        <p:nvPicPr>
+          <p:cNvPr id="7" name="Graphic 6">
+            <a:extLst>
+              <a:ext uri="{FF2B5EF4-FFF2-40B4-BE49-F238E27FC236}">
+                <a16:creationId xmlns:a16="http://schemas.microsoft.com/office/drawing/2014/main" id="{F30B99EF-1670-07FC-2F0E-EA9315EE0D31}"/>
+              </a:ext>
+            </a:extLst>
+          </p:cNvPr>
+          <p:cNvPicPr>
+            <a:picLocks noChangeAspect="1"/>
+          </p:cNvPicPr>
+          <p:nvPr/>
+        </p:nvPicPr>
+        <p:blipFill>
+          <a:blip r:embed="rId2">
+            <a:extLst>
+              <a:ext uri="{28A0092B-C50C-407E-A947-70E740481C1C}">
+                <a14:useLocalDpi xmlns:a14="http://schemas.microsoft.com/office/drawing/2010/main" val="0"/>
+              </a:ext>
+            </a:extLst>
+          </a:blip>
+          <a:stretch/>
+        </p:blipFill>
+        <p:spPr>
+          <a:xfrm>
+            <a:off x="5385816" y="1324286"/>
+            <a:ext cx="6440424" cy="4154074"/>
+          </a:xfrm>
+          <a:prstGeom prst="rect">
+            <a:avLst/>
+          </a:prstGeom>
+        </p:spPr>
+      </p:pic>
+    </p:spTree>
+    <p:extLst>
+      <p:ext uri="{BB962C8B-B14F-4D97-AF65-F5344CB8AC3E}">
+        <p14:creationId xmlns:p14="http://schemas.microsoft.com/office/powerpoint/2010/main" val="469289194"/>
+      </p:ext>
+    </p:extLst>
+  </p:cSld>
+  <p:clrMapOvr>
+    <a:masterClrMapping/>
+  </p:clrMapOvr>
+</p:sld>
+</file>
+
+<file path=ppt/slides/slide15.xml><?xml version="1.0" encoding="utf-8"?>
+<p:sld xmlns:a="http://schemas.openxmlformats.org/drawingml/2006/main" xmlns:r="http://schemas.openxmlformats.org/officeDocument/2006/relationships" xmlns:p="http://schemas.openxmlformats.org/presentationml/2006/main">
+  <p:cSld>
+    <p:bg>
+      <p:bgPr>
+        <a:solidFill>
+          <a:schemeClr val="bg1"/>
+        </a:solidFill>
+        <a:effectLst/>
+      </p:bgPr>
+    </p:bg>
+    <p:spTree>
+      <p:nvGrpSpPr>
+        <p:cNvPr id="1" name=""/>
+        <p:cNvGrpSpPr/>
+        <p:nvPr/>
+      </p:nvGrpSpPr>
+      <p:grpSpPr>
+        <a:xfrm>
+          <a:off x="0" y="0"/>
+          <a:ext cx="0" cy="0"/>
+          <a:chOff x="0" y="0"/>
+          <a:chExt cx="0" cy="0"/>
+        </a:xfrm>
+      </p:grpSpPr>
+      <p:sp>
+        <p:nvSpPr>
+          <p:cNvPr id="68" name="Rectangle 67">
+            <a:extLst>
+              <a:ext uri="{FF2B5EF4-FFF2-40B4-BE49-F238E27FC236}">
+                <a16:creationId xmlns:a16="http://schemas.microsoft.com/office/drawing/2014/main" id="{8CA06CD6-90CA-4C45-856C-6771339E1E22}"/>
+              </a:ext>
+              <a:ext uri="{C183D7F6-B498-43B3-948B-1728B52AA6E4}">
+                <adec:decorative xmlns:adec="http://schemas.microsoft.com/office/drawing/2017/decorative" val="1"/>
+              </a:ext>
+            </a:extLst>
+          </p:cNvPr>
+          <p:cNvSpPr>
+            <a:spLocks noGrp="1" noRot="1" noChangeAspect="1" noMove="1" noResize="1" noEditPoints="1" noAdjustHandles="1" noChangeArrowheads="1" noChangeShapeType="1" noTextEdit="1"/>
+          </p:cNvSpPr>
+          <p:nvPr>
+            <p:extLst>
+              <p:ext uri="{386F3935-93C4-4BCD-93E2-E3B085C9AB24}">
+                <p16:designElem xmlns:p16="http://schemas.microsoft.com/office/powerpoint/2015/main" val="1"/>
+              </p:ext>
+            </p:extLst>
+          </p:nvPr>
+        </p:nvSpPr>
+        <p:spPr bwMode="ltGray">
+          <a:xfrm>
+            <a:off x="321564" y="320040"/>
+            <a:ext cx="11548872" cy="6217920"/>
+          </a:xfrm>
+          <a:prstGeom prst="rect">
+            <a:avLst/>
+          </a:prstGeom>
+          <a:solidFill>
+            <a:schemeClr val="tx1">
+              <a:alpha val="10000"/>
+            </a:schemeClr>
+          </a:solidFill>
+          <a:ln w="127000" cap="sq" cmpd="thinThick">
+            <a:noFill/>
+          </a:ln>
+        </p:spPr>
+        <p:style>
+          <a:lnRef idx="2">
+            <a:schemeClr val="accent1">
+              <a:shade val="50000"/>
+            </a:schemeClr>
+          </a:lnRef>
+          <a:fillRef idx="1">
+            <a:schemeClr val="accent1"/>
+          </a:fillRef>
+          <a:effectRef idx="0">
+            <a:schemeClr val="accent1"/>
+          </a:effectRef>
+          <a:fontRef idx="minor">
+            <a:schemeClr val="lt1"/>
+          </a:fontRef>
+        </p:style>
+        <p:txBody>
+          <a:bodyPr rtlCol="0" anchor="ctr"/>
+          <a:lstStyle/>
+          <a:p>
+            <a:pPr algn="ctr"/>
+            <a:endParaRPr lang="en-US"/>
+          </a:p>
+        </p:txBody>
+      </p:sp>
+      <p:sp>
+        <p:nvSpPr>
+          <p:cNvPr id="2" name="Titolo 1">
+            <a:extLst>
+              <a:ext uri="{FF2B5EF4-FFF2-40B4-BE49-F238E27FC236}">
+                <a16:creationId xmlns:a16="http://schemas.microsoft.com/office/drawing/2014/main" id="{C3C9E7F5-A350-8F01-29C8-A7E0B3BFF22D}"/>
+              </a:ext>
+            </a:extLst>
+          </p:cNvPr>
+          <p:cNvSpPr>
+            <a:spLocks noGrp="1"/>
+          </p:cNvSpPr>
+          <p:nvPr>
+            <p:ph type="ctrTitle"/>
+          </p:nvPr>
+        </p:nvSpPr>
+        <p:spPr>
+          <a:xfrm>
+            <a:off x="838200" y="963507"/>
+            <a:ext cx="3494362" cy="4930986"/>
+          </a:xfrm>
+        </p:spPr>
+        <p:txBody>
+          <a:bodyPr vert="horz" lIns="91440" tIns="45720" rIns="91440" bIns="45720" rtlCol="0" anchor="ctr">
+            <a:normAutofit/>
+          </a:bodyPr>
+          <a:lstStyle/>
+          <a:p>
+            <a:pPr algn="r"/>
+            <a:r>
+              <a:rPr lang="en-US" sz="4400" kern="1200" dirty="0" err="1">
+                <a:solidFill>
+                  <a:schemeClr val="accent1"/>
+                </a:solidFill>
+                <a:latin typeface="+mj-lt"/>
+                <a:ea typeface="+mj-ea"/>
+                <a:cs typeface="+mj-cs"/>
+              </a:rPr>
+              <a:t>Analisi</a:t>
+            </a:r>
+            <a:r>
+              <a:rPr lang="en-US" sz="4400" kern="1200" dirty="0">
+                <a:solidFill>
+                  <a:schemeClr val="accent1"/>
+                </a:solidFill>
+                <a:latin typeface="+mj-lt"/>
+                <a:ea typeface="+mj-ea"/>
+                <a:cs typeface="+mj-cs"/>
+              </a:rPr>
+              <a:t> successive</a:t>
+            </a:r>
+          </a:p>
+        </p:txBody>
+      </p:sp>
+      <p:cxnSp>
+        <p:nvCxnSpPr>
+          <p:cNvPr id="70" name="Straight Connector 69">
+            <a:extLst>
+              <a:ext uri="{FF2B5EF4-FFF2-40B4-BE49-F238E27FC236}">
+                <a16:creationId xmlns:a16="http://schemas.microsoft.com/office/drawing/2014/main" id="{5021601D-2758-4B15-A31C-FDA184C51B3A}"/>
+              </a:ext>
+              <a:ext uri="{C183D7F6-B498-43B3-948B-1728B52AA6E4}">
+                <adec:decorative xmlns:adec="http://schemas.microsoft.com/office/drawing/2017/decorative" val="1"/>
+              </a:ext>
+            </a:extLst>
+          </p:cNvPr>
+          <p:cNvCxnSpPr>
+            <a:cxnSpLocks noGrp="1" noRot="1" noChangeAspect="1" noMove="1" noResize="1" noEditPoints="1" noAdjustHandles="1" noChangeArrowheads="1" noChangeShapeType="1"/>
+          </p:cNvCxnSpPr>
+          <p:nvPr>
+            <p:extLst>
+              <p:ext uri="{386F3935-93C4-4BCD-93E2-E3B085C9AB24}">
+                <p16:designElem xmlns:p16="http://schemas.microsoft.com/office/powerpoint/2015/main" val="1"/>
+              </p:ext>
+            </p:extLst>
+          </p:nvPr>
+        </p:nvCxnSpPr>
+        <p:spPr>
+          <a:xfrm>
+            <a:off x="4654296" y="2057400"/>
+            <a:ext cx="0" cy="2743200"/>
+          </a:xfrm>
+          <a:prstGeom prst="line">
+            <a:avLst/>
+          </a:prstGeom>
+          <a:ln w="19050">
+            <a:solidFill>
+              <a:schemeClr val="tx1">
+                <a:lumMod val="85000"/>
+                <a:lumOff val="15000"/>
+              </a:schemeClr>
+            </a:solidFill>
+          </a:ln>
+        </p:spPr>
+        <p:style>
+          <a:lnRef idx="1">
+            <a:schemeClr val="accent1"/>
+          </a:lnRef>
+          <a:fillRef idx="0">
+            <a:schemeClr val="accent1"/>
+          </a:fillRef>
+          <a:effectRef idx="0">
+            <a:schemeClr val="accent1"/>
+          </a:effectRef>
+          <a:fontRef idx="minor">
+            <a:schemeClr val="tx1"/>
+          </a:fontRef>
+        </p:style>
+      </p:cxnSp>
+      <p:sp>
+        <p:nvSpPr>
+          <p:cNvPr id="3" name="Sottotitolo 2">
+            <a:extLst>
+              <a:ext uri="{FF2B5EF4-FFF2-40B4-BE49-F238E27FC236}">
+                <a16:creationId xmlns:a16="http://schemas.microsoft.com/office/drawing/2014/main" id="{0784EA84-60DC-72F3-74CD-BA47A5016BB4}"/>
+              </a:ext>
+            </a:extLst>
+          </p:cNvPr>
+          <p:cNvSpPr>
+            <a:spLocks noGrp="1"/>
+          </p:cNvSpPr>
+          <p:nvPr>
+            <p:ph type="subTitle" idx="1"/>
+          </p:nvPr>
+        </p:nvSpPr>
+        <p:spPr>
+          <a:xfrm>
+            <a:off x="4976030" y="1398611"/>
+            <a:ext cx="6250940" cy="1317577"/>
+          </a:xfrm>
+        </p:spPr>
+        <p:txBody>
+          <a:bodyPr vert="horz" lIns="91440" tIns="45720" rIns="91440" bIns="45720" rtlCol="0" anchor="b">
+            <a:normAutofit/>
+          </a:bodyPr>
+          <a:lstStyle/>
+          <a:p>
+            <a:pPr algn="l"/>
+            <a:r>
+              <a:rPr lang="en-US" sz="1400" b="1" dirty="0" err="1"/>
+              <a:t>Tra</a:t>
+            </a:r>
+            <a:r>
+              <a:rPr lang="en-US" sz="1400" b="1" dirty="0"/>
+              <a:t> le </a:t>
+            </a:r>
+            <a:r>
+              <a:rPr lang="en-US" sz="1400" b="1" dirty="0" err="1"/>
+              <a:t>analisi</a:t>
+            </a:r>
+            <a:r>
+              <a:rPr lang="en-US" sz="1400" b="1" dirty="0"/>
+              <a:t> </a:t>
+            </a:r>
+            <a:r>
+              <a:rPr lang="en-US" sz="1400" b="1" dirty="0" err="1"/>
+              <a:t>portate</a:t>
+            </a:r>
+            <a:r>
+              <a:rPr lang="en-US" sz="1400" b="1" dirty="0"/>
+              <a:t> avanti ci </a:t>
+            </a:r>
+            <a:r>
+              <a:rPr lang="en-US" sz="1400" b="1" dirty="0" err="1"/>
+              <a:t>sono</a:t>
+            </a:r>
+            <a:r>
+              <a:rPr lang="en-US" sz="1400" b="1" dirty="0"/>
+              <a:t> </a:t>
+            </a:r>
+            <a:r>
+              <a:rPr lang="en-US" sz="1400" b="1" dirty="0" err="1"/>
+              <a:t>anche</a:t>
+            </a:r>
+            <a:r>
+              <a:rPr lang="en-US" sz="1400" b="1" dirty="0"/>
+              <a:t> </a:t>
+            </a:r>
+            <a:r>
+              <a:rPr lang="en-US" sz="1400" b="1" dirty="0" err="1"/>
+              <a:t>studi</a:t>
+            </a:r>
+            <a:r>
+              <a:rPr lang="en-US" sz="1400" b="1" dirty="0"/>
+              <a:t> relative al </a:t>
+            </a:r>
+            <a:r>
+              <a:rPr lang="it-IT" sz="1400" b="1" dirty="0" err="1"/>
+              <a:t>Resting</a:t>
+            </a:r>
+            <a:r>
+              <a:rPr lang="it-IT" sz="1400" b="1" dirty="0"/>
+              <a:t> </a:t>
+            </a:r>
+            <a:r>
+              <a:rPr lang="it-IT" sz="1400" b="1" dirty="0" err="1"/>
+              <a:t>Electrocardiographic</a:t>
+            </a:r>
+            <a:r>
+              <a:rPr lang="it-IT" sz="1400" b="1" dirty="0"/>
+              <a:t> </a:t>
+            </a:r>
+            <a:r>
+              <a:rPr lang="it-IT" sz="1400" b="1" dirty="0" err="1"/>
+              <a:t>Results</a:t>
+            </a:r>
+            <a:r>
+              <a:rPr lang="it-IT" sz="1400" b="1" dirty="0"/>
+              <a:t> e all’Oldpeak:</a:t>
+            </a:r>
+            <a:endParaRPr lang="en-US" sz="1400" b="1" dirty="0"/>
+          </a:p>
+        </p:txBody>
+      </p:sp>
+      <p:sp>
+        <p:nvSpPr>
+          <p:cNvPr id="5" name="CasellaDiTesto 4">
+            <a:extLst>
+              <a:ext uri="{FF2B5EF4-FFF2-40B4-BE49-F238E27FC236}">
+                <a16:creationId xmlns:a16="http://schemas.microsoft.com/office/drawing/2014/main" id="{5B155095-35C7-2FA4-1F80-E90532D907C6}"/>
+              </a:ext>
+            </a:extLst>
+          </p:cNvPr>
+          <p:cNvSpPr txBox="1"/>
+          <p:nvPr/>
+        </p:nvSpPr>
+        <p:spPr>
+          <a:xfrm>
+            <a:off x="4976030" y="2924551"/>
+            <a:ext cx="6250940" cy="2304628"/>
+          </a:xfrm>
+          <a:prstGeom prst="rect">
+            <a:avLst/>
+          </a:prstGeom>
+        </p:spPr>
+        <p:txBody>
+          <a:bodyPr vert="horz" lIns="91440" tIns="45720" rIns="91440" bIns="45720" rtlCol="0">
+            <a:normAutofit/>
+          </a:bodyPr>
+          <a:lstStyle/>
+          <a:p>
+            <a:pPr>
+              <a:lnSpc>
+                <a:spcPct val="90000"/>
+              </a:lnSpc>
+              <a:spcAft>
+                <a:spcPts val="600"/>
+              </a:spcAft>
+            </a:pPr>
+            <a:r>
+              <a:rPr lang="it-IT" sz="1400" dirty="0"/>
+              <a:t>L'attributo </a:t>
+            </a:r>
+            <a:r>
+              <a:rPr lang="it-IT" sz="1400" b="1" dirty="0" err="1"/>
+              <a:t>restecg</a:t>
+            </a:r>
+            <a:r>
+              <a:rPr lang="it-IT" sz="1400" dirty="0"/>
+              <a:t> (</a:t>
+            </a:r>
+            <a:r>
+              <a:rPr lang="it-IT" sz="1400" dirty="0" err="1"/>
+              <a:t>Resting</a:t>
+            </a:r>
+            <a:r>
+              <a:rPr lang="it-IT" sz="1400" dirty="0"/>
+              <a:t> </a:t>
+            </a:r>
+            <a:r>
+              <a:rPr lang="it-IT" sz="1400" dirty="0" err="1"/>
+              <a:t>Electrocardiographic</a:t>
+            </a:r>
+            <a:r>
+              <a:rPr lang="it-IT" sz="1400" dirty="0"/>
+              <a:t> </a:t>
+            </a:r>
+            <a:r>
+              <a:rPr lang="it-IT" sz="1400" dirty="0" err="1"/>
+              <a:t>Results</a:t>
+            </a:r>
+            <a:r>
+              <a:rPr lang="it-IT" sz="1400" dirty="0"/>
+              <a:t>) rappresenta i risultati dell'elettrocardiogramma (ECG) a riposo, che è un esame utilizzato per valutare l'attività elettrica del cuore mentre il paziente è in stato di riposo. </a:t>
+            </a:r>
+            <a:r>
+              <a:rPr lang="en-US" sz="1400" b="1" dirty="0"/>
+              <a:t> </a:t>
+            </a:r>
+            <a:endParaRPr lang="en-US" sz="1400" dirty="0"/>
+          </a:p>
+          <a:p>
+            <a:pPr indent="-228600">
+              <a:lnSpc>
+                <a:spcPct val="90000"/>
+              </a:lnSpc>
+              <a:spcAft>
+                <a:spcPts val="600"/>
+              </a:spcAft>
+              <a:buFont typeface="Arial" panose="020B0604020202020204" pitchFamily="34" charset="0"/>
+              <a:buChar char="•"/>
+            </a:pPr>
+            <a:endParaRPr lang="en-US" sz="1400" dirty="0"/>
+          </a:p>
+          <a:p>
+            <a:pPr>
+              <a:lnSpc>
+                <a:spcPct val="90000"/>
+              </a:lnSpc>
+              <a:spcAft>
+                <a:spcPts val="600"/>
+              </a:spcAft>
+            </a:pPr>
+            <a:r>
+              <a:rPr lang="it-IT" sz="1400" dirty="0"/>
+              <a:t>L'attributo </a:t>
+            </a:r>
+            <a:r>
+              <a:rPr lang="it-IT" sz="1400" b="1" dirty="0"/>
+              <a:t>oldpeak</a:t>
+            </a:r>
+            <a:r>
+              <a:rPr lang="it-IT" sz="1400" dirty="0"/>
+              <a:t> si riferisce alla depressione del segmento ST indotta    dall'esercizio rispetto al riposo. È un importante parametro misurato durante un test di stress cardiaco o un test di sforzo, utilizzato per valutare la risposta del cuore all'esercizio fisico.</a:t>
+            </a:r>
+            <a:endParaRPr lang="en-US" sz="1400" dirty="0"/>
+          </a:p>
+          <a:p>
+            <a:pPr>
+              <a:lnSpc>
+                <a:spcPct val="90000"/>
+              </a:lnSpc>
+              <a:spcAft>
+                <a:spcPts val="600"/>
+              </a:spcAft>
+            </a:pPr>
+            <a:endParaRPr lang="en-US" sz="1400" dirty="0"/>
+          </a:p>
+        </p:txBody>
+      </p:sp>
+    </p:spTree>
+    <p:extLst>
+      <p:ext uri="{BB962C8B-B14F-4D97-AF65-F5344CB8AC3E}">
+        <p14:creationId xmlns:p14="http://schemas.microsoft.com/office/powerpoint/2010/main" val="711879934"/>
+      </p:ext>
+    </p:extLst>
+  </p:cSld>
+  <p:clrMapOvr>
+    <a:masterClrMapping/>
+  </p:clrMapOvr>
+</p:sld>
+</file>
+
+<file path=ppt/slides/slide16.xml><?xml version="1.0" encoding="utf-8"?>
+<p:sld xmlns:a="http://schemas.openxmlformats.org/drawingml/2006/main" xmlns:r="http://schemas.openxmlformats.org/officeDocument/2006/relationships" xmlns:p="http://schemas.openxmlformats.org/presentationml/2006/main">
+  <p:cSld>
+    <p:bg>
+      <p:bgPr>
+        <a:solidFill>
+          <a:schemeClr val="bg1"/>
+        </a:solidFill>
+        <a:effectLst/>
+      </p:bgPr>
+    </p:bg>
+    <p:spTree>
+      <p:nvGrpSpPr>
+        <p:cNvPr id="1" name=""/>
+        <p:cNvGrpSpPr/>
+        <p:nvPr/>
+      </p:nvGrpSpPr>
+      <p:grpSpPr>
+        <a:xfrm>
+          <a:off x="0" y="0"/>
+          <a:ext cx="0" cy="0"/>
+          <a:chOff x="0" y="0"/>
+          <a:chExt cx="0" cy="0"/>
+        </a:xfrm>
+      </p:grpSpPr>
+      <p:sp>
+        <p:nvSpPr>
+          <p:cNvPr id="2" name="Titolo 1">
+            <a:extLst>
+              <a:ext uri="{FF2B5EF4-FFF2-40B4-BE49-F238E27FC236}">
+                <a16:creationId xmlns:a16="http://schemas.microsoft.com/office/drawing/2014/main" id="{52C584AA-F9BE-7F44-B2F6-179FD7648235}"/>
+              </a:ext>
+            </a:extLst>
+          </p:cNvPr>
+          <p:cNvSpPr>
+            <a:spLocks noGrp="1"/>
+          </p:cNvSpPr>
+          <p:nvPr>
+            <p:ph type="title"/>
+          </p:nvPr>
+        </p:nvSpPr>
+        <p:spPr>
+          <a:xfrm>
+            <a:off x="761840" y="1138265"/>
+            <a:ext cx="4544762" cy="1401183"/>
+          </a:xfrm>
+        </p:spPr>
+        <p:txBody>
+          <a:bodyPr anchor="t">
+            <a:normAutofit/>
+          </a:bodyPr>
+          <a:lstStyle/>
+          <a:p>
+            <a:r>
+              <a:rPr lang="it-IT" sz="2800" dirty="0" err="1"/>
+              <a:t>Resting</a:t>
+            </a:r>
+            <a:r>
+              <a:rPr lang="it-IT" sz="2800" dirty="0"/>
+              <a:t> </a:t>
+            </a:r>
+            <a:r>
+              <a:rPr lang="it-IT" sz="2800" dirty="0" err="1"/>
+              <a:t>Electrocardiographic</a:t>
+            </a:r>
+            <a:r>
+              <a:rPr lang="it-IT" sz="2800" dirty="0"/>
+              <a:t> </a:t>
+            </a:r>
+            <a:r>
+              <a:rPr lang="it-IT" sz="2800" dirty="0" err="1"/>
+              <a:t>Results</a:t>
+            </a:r>
+            <a:endParaRPr lang="it-IT" sz="2700" dirty="0"/>
+          </a:p>
+        </p:txBody>
+      </p:sp>
+      <p:cxnSp>
+        <p:nvCxnSpPr>
+          <p:cNvPr id="44" name="Straight Connector 43">
+            <a:extLst>
+              <a:ext uri="{FF2B5EF4-FFF2-40B4-BE49-F238E27FC236}">
+                <a16:creationId xmlns:a16="http://schemas.microsoft.com/office/drawing/2014/main" id="{FC23E3B9-5ABF-58B3-E2B0-E9A5DAA90037}"/>
+              </a:ext>
+              <a:ext uri="{C183D7F6-B498-43B3-948B-1728B52AA6E4}">
+                <adec:decorative xmlns:adec="http://schemas.microsoft.com/office/drawing/2017/decorative" val="1"/>
+              </a:ext>
+            </a:extLst>
+          </p:cNvPr>
+          <p:cNvCxnSpPr>
+            <a:cxnSpLocks noGrp="1" noRot="1" noChangeAspect="1" noMove="1" noResize="1" noEditPoints="1" noAdjustHandles="1" noChangeArrowheads="1" noChangeShapeType="1"/>
+          </p:cNvCxnSpPr>
+          <p:nvPr>
+            <p:extLst>
+              <p:ext uri="{386F3935-93C4-4BCD-93E2-E3B085C9AB24}">
+                <p16:designElem xmlns:p16="http://schemas.microsoft.com/office/powerpoint/2015/main" val="1"/>
+              </p:ext>
+            </p:extLst>
+          </p:nvPr>
+        </p:nvCxnSpPr>
+        <p:spPr>
+          <a:xfrm>
+            <a:off x="861462" y="871146"/>
+            <a:ext cx="736939" cy="0"/>
+          </a:xfrm>
+          <a:prstGeom prst="line">
+            <a:avLst/>
+          </a:prstGeom>
+          <a:ln w="57150">
+            <a:solidFill>
+              <a:schemeClr val="accent4"/>
+            </a:solidFill>
+          </a:ln>
+        </p:spPr>
+        <p:style>
+          <a:lnRef idx="1">
+            <a:schemeClr val="accent1"/>
+          </a:lnRef>
+          <a:fillRef idx="0">
+            <a:schemeClr val="accent1"/>
+          </a:fillRef>
+          <a:effectRef idx="0">
+            <a:schemeClr val="accent1"/>
+          </a:effectRef>
+          <a:fontRef idx="minor">
+            <a:schemeClr val="tx1"/>
+          </a:fontRef>
+        </p:style>
+      </p:cxnSp>
+      <p:sp>
+        <p:nvSpPr>
+          <p:cNvPr id="9" name="Content Placeholder 8">
+            <a:extLst>
+              <a:ext uri="{FF2B5EF4-FFF2-40B4-BE49-F238E27FC236}">
+                <a16:creationId xmlns:a16="http://schemas.microsoft.com/office/drawing/2014/main" id="{B502B99B-7BC1-C4FF-A7ED-DF9755C038DB}"/>
+              </a:ext>
+            </a:extLst>
+          </p:cNvPr>
+          <p:cNvSpPr>
+            <a:spLocks noGrp="1"/>
+          </p:cNvSpPr>
+          <p:nvPr>
+            <p:ph idx="1"/>
+          </p:nvPr>
+        </p:nvSpPr>
+        <p:spPr>
+          <a:xfrm>
+            <a:off x="761840" y="2551176"/>
+            <a:ext cx="4544762" cy="3602935"/>
+          </a:xfrm>
+        </p:spPr>
+        <p:txBody>
+          <a:bodyPr>
+            <a:normAutofit/>
+          </a:bodyPr>
+          <a:lstStyle/>
+          <a:p>
+            <a:pPr marL="0" indent="0">
+              <a:buNone/>
+            </a:pPr>
+            <a:r>
+              <a:rPr lang="it-IT" sz="1800" dirty="0"/>
+              <a:t>Dallo studio possiamo notare come il maggior numero di pazienti sia sani che positivi alla malattia presentano un risultato normale dell’elettrocardiogramma in stato di riposo, si vede anche come nei primi 2 esiti il distacco tra malati e sani sia di pochi pazienti mentre nel caso di st-t </a:t>
+            </a:r>
+            <a:r>
+              <a:rPr lang="it-IT" sz="1800" dirty="0" err="1"/>
+              <a:t>abnormality</a:t>
+            </a:r>
+            <a:r>
+              <a:rPr lang="it-IT" sz="1800" dirty="0"/>
+              <a:t> si ha una netta maggioranza di pazienti malati.</a:t>
+            </a:r>
+            <a:endParaRPr lang="en-US" sz="1800" dirty="0"/>
+          </a:p>
+        </p:txBody>
+      </p:sp>
+      <p:pic>
+        <p:nvPicPr>
+          <p:cNvPr id="5" name="Segnaposto contenuto 4">
+            <a:extLst>
+              <a:ext uri="{FF2B5EF4-FFF2-40B4-BE49-F238E27FC236}">
+                <a16:creationId xmlns:a16="http://schemas.microsoft.com/office/drawing/2014/main" id="{CF07C890-7E87-C629-E99C-DA9D3E2FAF3B}"/>
+              </a:ext>
+            </a:extLst>
+          </p:cNvPr>
+          <p:cNvPicPr>
+            <a:picLocks noChangeAspect="1"/>
+          </p:cNvPicPr>
+          <p:nvPr/>
+        </p:nvPicPr>
+        <p:blipFill>
+          <a:blip r:embed="rId2">
+            <a:extLst>
+              <a:ext uri="{28A0092B-C50C-407E-A947-70E740481C1C}">
+                <a14:useLocalDpi xmlns:a14="http://schemas.microsoft.com/office/drawing/2010/main" val="0"/>
+              </a:ext>
+            </a:extLst>
+          </a:blip>
+          <a:srcRect/>
+          <a:stretch/>
+        </p:blipFill>
+        <p:spPr>
+          <a:xfrm>
+            <a:off x="5639623" y="1508790"/>
+            <a:ext cx="6220410" cy="3842019"/>
+          </a:xfrm>
+          <a:prstGeom prst="rect">
+            <a:avLst/>
+          </a:prstGeom>
+        </p:spPr>
+      </p:pic>
+    </p:spTree>
+    <p:extLst>
+      <p:ext uri="{BB962C8B-B14F-4D97-AF65-F5344CB8AC3E}">
+        <p14:creationId xmlns:p14="http://schemas.microsoft.com/office/powerpoint/2010/main" val="651451429"/>
+      </p:ext>
+    </p:extLst>
+  </p:cSld>
+  <p:clrMapOvr>
+    <a:masterClrMapping/>
+  </p:clrMapOvr>
+</p:sld>
+</file>
+
+<file path=ppt/slides/slide17.xml><?xml version="1.0" encoding="utf-8"?>
+<p:sld xmlns:a="http://schemas.openxmlformats.org/drawingml/2006/main" xmlns:r="http://schemas.openxmlformats.org/officeDocument/2006/relationships" xmlns:p="http://schemas.openxmlformats.org/presentationml/2006/main">
+  <p:cSld>
+    <p:bg>
+      <p:bgPr>
+        <a:solidFill>
+          <a:schemeClr val="bg1"/>
+        </a:solidFill>
+        <a:effectLst/>
+      </p:bgPr>
+    </p:bg>
+    <p:spTree>
+      <p:nvGrpSpPr>
+        <p:cNvPr id="1" name=""/>
+        <p:cNvGrpSpPr/>
+        <p:nvPr/>
+      </p:nvGrpSpPr>
+      <p:grpSpPr>
+        <a:xfrm>
+          <a:off x="0" y="0"/>
+          <a:ext cx="0" cy="0"/>
+          <a:chOff x="0" y="0"/>
+          <a:chExt cx="0" cy="0"/>
+        </a:xfrm>
+      </p:grpSpPr>
+      <p:sp useBgFill="1">
+        <p:nvSpPr>
+          <p:cNvPr id="44" name="Rectangle 43">
+            <a:extLst>
+              <a:ext uri="{FF2B5EF4-FFF2-40B4-BE49-F238E27FC236}">
+                <a16:creationId xmlns:a16="http://schemas.microsoft.com/office/drawing/2014/main" id="{B47A3059-69F2-4E12-ACD8-A5FE28191966}"/>
+              </a:ext>
+              <a:ext uri="{C183D7F6-B498-43B3-948B-1728B52AA6E4}">
+                <adec:decorative xmlns:adec="http://schemas.microsoft.com/office/drawing/2017/decorative" val="1"/>
+              </a:ext>
+            </a:extLst>
+          </p:cNvPr>
+          <p:cNvSpPr>
+            <a:spLocks noGrp="1" noRot="1" noChangeAspect="1" noMove="1" noResize="1" noEditPoints="1" noAdjustHandles="1" noChangeArrowheads="1" noChangeShapeType="1" noTextEdit="1"/>
+          </p:cNvSpPr>
+          <p:nvPr>
+            <p:extLst>
+              <p:ext uri="{386F3935-93C4-4BCD-93E2-E3B085C9AB24}">
+                <p16:designElem xmlns:p16="http://schemas.microsoft.com/office/powerpoint/2015/main" val="1"/>
+              </p:ext>
+            </p:extLst>
+          </p:nvPr>
+        </p:nvSpPr>
+        <p:spPr>
+          <a:xfrm>
+            <a:off x="0" y="0"/>
+            <a:ext cx="12192000" cy="6858000"/>
+          </a:xfrm>
+          <a:prstGeom prst="rect">
+            <a:avLst/>
+          </a:prstGeom>
+          <a:ln>
+            <a:noFill/>
+          </a:ln>
+        </p:spPr>
+        <p:style>
+          <a:lnRef idx="2">
+            <a:schemeClr val="accent1">
+              <a:shade val="50000"/>
+            </a:schemeClr>
+          </a:lnRef>
+          <a:fillRef idx="1">
+            <a:schemeClr val="accent1"/>
+          </a:fillRef>
+          <a:effectRef idx="0">
+            <a:schemeClr val="accent1"/>
+          </a:effectRef>
+          <a:fontRef idx="minor">
+            <a:schemeClr val="lt1"/>
+          </a:fontRef>
+        </p:style>
+        <p:txBody>
+          <a:bodyPr rtlCol="0" anchor="ctr"/>
+          <a:lstStyle/>
+          <a:p>
+            <a:pPr algn="ctr"/>
+            <a:endParaRPr lang="en-US"/>
+          </a:p>
+        </p:txBody>
+      </p:sp>
+      <p:sp>
+        <p:nvSpPr>
+          <p:cNvPr id="2" name="Titolo 1">
+            <a:extLst>
+              <a:ext uri="{FF2B5EF4-FFF2-40B4-BE49-F238E27FC236}">
+                <a16:creationId xmlns:a16="http://schemas.microsoft.com/office/drawing/2014/main" id="{52C584AA-F9BE-7F44-B2F6-179FD7648235}"/>
+              </a:ext>
+            </a:extLst>
+          </p:cNvPr>
+          <p:cNvSpPr>
+            <a:spLocks noGrp="1"/>
+          </p:cNvSpPr>
+          <p:nvPr>
+            <p:ph type="title"/>
+          </p:nvPr>
+        </p:nvSpPr>
+        <p:spPr>
+          <a:xfrm>
+            <a:off x="7145654" y="991443"/>
+            <a:ext cx="4603001" cy="1087819"/>
+          </a:xfrm>
+        </p:spPr>
+        <p:txBody>
+          <a:bodyPr anchor="b">
+            <a:normAutofit/>
+          </a:bodyPr>
+          <a:lstStyle/>
+          <a:p>
+            <a:r>
+              <a:rPr lang="it-IT" sz="3400" dirty="0"/>
+              <a:t>Oldpeak</a:t>
+            </a:r>
+          </a:p>
+        </p:txBody>
+      </p:sp>
+      <p:pic>
+        <p:nvPicPr>
+          <p:cNvPr id="5" name="Segnaposto contenuto 4">
+            <a:extLst>
+              <a:ext uri="{FF2B5EF4-FFF2-40B4-BE49-F238E27FC236}">
+                <a16:creationId xmlns:a16="http://schemas.microsoft.com/office/drawing/2014/main" id="{CF07C890-7E87-C629-E99C-DA9D3E2FAF3B}"/>
+              </a:ext>
+            </a:extLst>
+          </p:cNvPr>
+          <p:cNvPicPr>
+            <a:picLocks noChangeAspect="1"/>
+          </p:cNvPicPr>
+          <p:nvPr/>
+        </p:nvPicPr>
+        <p:blipFill>
+          <a:blip r:embed="rId2">
+            <a:extLst>
+              <a:ext uri="{28A0092B-C50C-407E-A947-70E740481C1C}">
+                <a14:useLocalDpi xmlns:a14="http://schemas.microsoft.com/office/drawing/2010/main" val="0"/>
+              </a:ext>
+            </a:extLst>
+          </a:blip>
+          <a:srcRect/>
+          <a:stretch/>
+        </p:blipFill>
+        <p:spPr>
+          <a:xfrm>
+            <a:off x="444090" y="1471616"/>
+            <a:ext cx="6248572" cy="3859413"/>
+          </a:xfrm>
+          <a:prstGeom prst="rect">
+            <a:avLst/>
+          </a:prstGeom>
+        </p:spPr>
+      </p:pic>
+      <p:sp>
+        <p:nvSpPr>
+          <p:cNvPr id="46" name="Rectangle 45">
+            <a:extLst>
+              <a:ext uri="{FF2B5EF4-FFF2-40B4-BE49-F238E27FC236}">
+                <a16:creationId xmlns:a16="http://schemas.microsoft.com/office/drawing/2014/main" id="{33AE4636-AEEC-45D6-84D4-7AC2DA48ECF8}"/>
+              </a:ext>
+              <a:ext uri="{C183D7F6-B498-43B3-948B-1728B52AA6E4}">
+                <adec:decorative xmlns:adec="http://schemas.microsoft.com/office/drawing/2017/decorative" val="1"/>
+              </a:ext>
+            </a:extLst>
+          </p:cNvPr>
+          <p:cNvSpPr>
+            <a:spLocks noGrp="1" noRot="1" noChangeAspect="1" noMove="1" noResize="1" noEditPoints="1" noAdjustHandles="1" noChangeArrowheads="1" noChangeShapeType="1" noTextEdit="1"/>
+          </p:cNvSpPr>
+          <p:nvPr>
+            <p:extLst>
+              <p:ext uri="{386F3935-93C4-4BCD-93E2-E3B085C9AB24}">
+                <p16:designElem xmlns:p16="http://schemas.microsoft.com/office/powerpoint/2015/main" val="1"/>
+              </p:ext>
+            </p:extLst>
+          </p:nvPr>
+        </p:nvSpPr>
+        <p:spPr>
+          <a:xfrm rot="5400000">
+            <a:off x="7383398" y="387939"/>
+            <a:ext cx="73152" cy="548640"/>
+          </a:xfrm>
+          <a:prstGeom prst="rect">
+            <a:avLst/>
+          </a:prstGeom>
+          <a:solidFill>
+            <a:schemeClr val="accent2"/>
+          </a:solidFill>
+          <a:ln>
+            <a:noFill/>
+          </a:ln>
+        </p:spPr>
+        <p:style>
+          <a:lnRef idx="2">
+            <a:schemeClr val="accent1">
+              <a:shade val="50000"/>
+            </a:schemeClr>
+          </a:lnRef>
+          <a:fillRef idx="1">
+            <a:schemeClr val="accent1"/>
+          </a:fillRef>
+          <a:effectRef idx="0">
+            <a:schemeClr val="accent1"/>
+          </a:effectRef>
+          <a:fontRef idx="minor">
+            <a:schemeClr val="lt1"/>
+          </a:fontRef>
+        </p:style>
+        <p:txBody>
+          <a:bodyPr rtlCol="0" anchor="ctr"/>
+          <a:lstStyle/>
+          <a:p>
+            <a:pPr algn="ctr"/>
+            <a:endParaRPr lang="en-US">
+              <a:solidFill>
+                <a:prstClr val="white"/>
+              </a:solidFill>
+              <a:latin typeface="Calibri" panose="020F0502020204030204"/>
+            </a:endParaRPr>
+          </a:p>
+        </p:txBody>
+      </p:sp>
+      <p:sp>
+        <p:nvSpPr>
+          <p:cNvPr id="48" name="Rectangle 47">
+            <a:extLst>
+              <a:ext uri="{FF2B5EF4-FFF2-40B4-BE49-F238E27FC236}">
+                <a16:creationId xmlns:a16="http://schemas.microsoft.com/office/drawing/2014/main" id="{8D9CE0F4-2EB2-4F1F-8AAC-DB3571D9FE10}"/>
+              </a:ext>
+              <a:ext uri="{C183D7F6-B498-43B3-948B-1728B52AA6E4}">
+                <adec:decorative xmlns:adec="http://schemas.microsoft.com/office/drawing/2017/decorative" val="1"/>
+              </a:ext>
+            </a:extLst>
+          </p:cNvPr>
+          <p:cNvSpPr>
+            <a:spLocks noGrp="1" noRot="1" noChangeAspect="1" noMove="1" noResize="1" noEditPoints="1" noAdjustHandles="1" noChangeArrowheads="1" noChangeShapeType="1" noTextEdit="1"/>
+          </p:cNvSpPr>
+          <p:nvPr>
+            <p:extLst>
+              <p:ext uri="{386F3935-93C4-4BCD-93E2-E3B085C9AB24}">
+                <p16:designElem xmlns:p16="http://schemas.microsoft.com/office/powerpoint/2015/main" val="1"/>
+              </p:ext>
+            </p:extLst>
+          </p:nvPr>
+        </p:nvSpPr>
+        <p:spPr>
+          <a:xfrm>
+            <a:off x="7145655" y="2285541"/>
+            <a:ext cx="4526280" cy="18288"/>
+          </a:xfrm>
+          <a:prstGeom prst="rect">
+            <a:avLst/>
+          </a:prstGeom>
+          <a:solidFill>
+            <a:srgbClr val="D5D5D5"/>
+          </a:solidFill>
+          <a:ln w="3175">
+            <a:noFill/>
+          </a:ln>
+          <a:effectLst/>
+        </p:spPr>
+        <p:style>
+          <a:lnRef idx="2">
+            <a:schemeClr val="accent1">
+              <a:shade val="50000"/>
+            </a:schemeClr>
+          </a:lnRef>
+          <a:fillRef idx="1">
+            <a:schemeClr val="accent1"/>
+          </a:fillRef>
+          <a:effectRef idx="0">
+            <a:schemeClr val="accent1"/>
+          </a:effectRef>
+          <a:fontRef idx="minor">
+            <a:schemeClr val="lt1"/>
+          </a:fontRef>
+        </p:style>
+        <p:txBody>
+          <a:bodyPr rtlCol="0" anchor="ctr"/>
+          <a:lstStyle/>
+          <a:p>
+            <a:pPr algn="ctr"/>
+            <a:endParaRPr lang="en-US">
+              <a:solidFill>
+                <a:prstClr val="white"/>
+              </a:solidFill>
+              <a:latin typeface="Calibri" panose="020F0502020204030204"/>
+            </a:endParaRPr>
+          </a:p>
+        </p:txBody>
+      </p:sp>
+      <p:sp>
+        <p:nvSpPr>
+          <p:cNvPr id="9" name="Content Placeholder 8">
+            <a:extLst>
+              <a:ext uri="{FF2B5EF4-FFF2-40B4-BE49-F238E27FC236}">
+                <a16:creationId xmlns:a16="http://schemas.microsoft.com/office/drawing/2014/main" id="{B502B99B-7BC1-C4FF-A7ED-DF9755C038DB}"/>
+              </a:ext>
+            </a:extLst>
+          </p:cNvPr>
+          <p:cNvSpPr>
+            <a:spLocks noGrp="1"/>
+          </p:cNvSpPr>
+          <p:nvPr>
+            <p:ph idx="1"/>
+          </p:nvPr>
+        </p:nvSpPr>
+        <p:spPr>
+          <a:xfrm>
+            <a:off x="7145654" y="2684095"/>
+            <a:ext cx="4603001" cy="2646934"/>
+          </a:xfrm>
+        </p:spPr>
+        <p:txBody>
+          <a:bodyPr>
+            <a:normAutofit/>
+          </a:bodyPr>
+          <a:lstStyle/>
+          <a:p>
+            <a:pPr marL="0" indent="0">
+              <a:buNone/>
+            </a:pPr>
+            <a:r>
+              <a:rPr lang="en-US" sz="1800" dirty="0"/>
+              <a:t>Dal </a:t>
+            </a:r>
+            <a:r>
+              <a:rPr lang="en-US" sz="1800" dirty="0" err="1"/>
+              <a:t>grafico</a:t>
+            </a:r>
+            <a:r>
+              <a:rPr lang="en-US" sz="1800" dirty="0"/>
+              <a:t> </a:t>
+            </a:r>
+            <a:r>
+              <a:rPr lang="en-US" sz="1800" dirty="0" err="1"/>
+              <a:t>si</a:t>
+            </a:r>
+            <a:r>
+              <a:rPr lang="en-US" sz="1800" dirty="0"/>
+              <a:t> </a:t>
+            </a:r>
+            <a:r>
+              <a:rPr lang="en-US" sz="1800" dirty="0" err="1"/>
+              <a:t>vede</a:t>
+            </a:r>
+            <a:r>
+              <a:rPr lang="en-US" sz="1800" dirty="0"/>
+              <a:t> </a:t>
+            </a:r>
+            <a:r>
+              <a:rPr lang="en-US" sz="1800" dirty="0" err="1"/>
+              <a:t>che</a:t>
+            </a:r>
+            <a:r>
+              <a:rPr lang="en-US" sz="1800" dirty="0"/>
+              <a:t> la </a:t>
+            </a:r>
+            <a:r>
+              <a:rPr lang="en-US" sz="1800" dirty="0" err="1"/>
+              <a:t>maggioranza</a:t>
+            </a:r>
+            <a:r>
+              <a:rPr lang="en-US" sz="1800" dirty="0"/>
+              <a:t> </a:t>
+            </a:r>
+            <a:r>
+              <a:rPr lang="en-US" sz="1800" dirty="0" err="1"/>
+              <a:t>dei</a:t>
+            </a:r>
+            <a:r>
+              <a:rPr lang="en-US" sz="1800" dirty="0"/>
+              <a:t> </a:t>
+            </a:r>
+            <a:r>
+              <a:rPr lang="en-US" sz="1800" dirty="0" err="1"/>
+              <a:t>pazienti</a:t>
+            </a:r>
+            <a:r>
+              <a:rPr lang="en-US" sz="1800" dirty="0"/>
+              <a:t> </a:t>
+            </a:r>
+            <a:r>
+              <a:rPr lang="en-US" sz="1800" dirty="0" err="1"/>
+              <a:t>sani</a:t>
+            </a:r>
+            <a:r>
+              <a:rPr lang="en-US" sz="1800" dirty="0"/>
+              <a:t> ha </a:t>
+            </a:r>
+            <a:r>
+              <a:rPr lang="en-US" sz="1800" dirty="0" err="1"/>
+              <a:t>una</a:t>
+            </a:r>
+            <a:r>
+              <a:rPr lang="en-US" sz="1800" dirty="0"/>
+              <a:t> depression </a:t>
+            </a:r>
+            <a:r>
+              <a:rPr lang="en-US" sz="1800" dirty="0" err="1"/>
+              <a:t>della</a:t>
+            </a:r>
+            <a:r>
+              <a:rPr lang="en-US" sz="1800" dirty="0"/>
+              <a:t> curva ST inferior ai 2.5mm con un </a:t>
+            </a:r>
+            <a:r>
+              <a:rPr lang="en-US" sz="1800" dirty="0" err="1"/>
+              <a:t>picco</a:t>
+            </a:r>
+            <a:r>
+              <a:rPr lang="en-US" sz="1800" dirty="0"/>
+              <a:t> </a:t>
+            </a:r>
+            <a:r>
+              <a:rPr lang="en-US" sz="1800" dirty="0" err="1"/>
+              <a:t>relativo</a:t>
+            </a:r>
+            <a:r>
+              <a:rPr lang="en-US" sz="1800" dirty="0"/>
+              <a:t> ad </a:t>
+            </a:r>
+            <a:r>
+              <a:rPr lang="en-US" sz="1800" dirty="0" err="1"/>
+              <a:t>una</a:t>
+            </a:r>
+            <a:r>
+              <a:rPr lang="en-US" sz="1800" dirty="0"/>
+              <a:t> depression </a:t>
+            </a:r>
+            <a:r>
+              <a:rPr lang="en-US" sz="1800" dirty="0" err="1"/>
+              <a:t>nulla</a:t>
+            </a:r>
+            <a:r>
+              <a:rPr lang="en-US" sz="1800" dirty="0"/>
+              <a:t>, </a:t>
+            </a:r>
+            <a:r>
+              <a:rPr lang="en-US" sz="1800" dirty="0" err="1"/>
+              <a:t>mentre</a:t>
+            </a:r>
+            <a:r>
+              <a:rPr lang="en-US" sz="1800" dirty="0"/>
+              <a:t> </a:t>
+            </a:r>
+            <a:r>
+              <a:rPr lang="en-US" sz="1800" dirty="0" err="1"/>
+              <a:t>i</a:t>
+            </a:r>
+            <a:r>
+              <a:rPr lang="en-US" sz="1800" dirty="0"/>
+              <a:t> </a:t>
+            </a:r>
+            <a:r>
+              <a:rPr lang="en-US" sz="1800" dirty="0" err="1"/>
+              <a:t>pazienti</a:t>
+            </a:r>
+            <a:r>
+              <a:rPr lang="en-US" sz="1800" dirty="0"/>
+              <a:t> </a:t>
+            </a:r>
+            <a:r>
+              <a:rPr lang="en-US" sz="1800" dirty="0" err="1"/>
+              <a:t>malati</a:t>
+            </a:r>
+            <a:r>
+              <a:rPr lang="en-US" sz="1800" dirty="0"/>
+              <a:t> </a:t>
+            </a:r>
+            <a:r>
+              <a:rPr lang="en-US" sz="1800" dirty="0" err="1"/>
+              <a:t>sono</a:t>
+            </a:r>
+            <a:r>
+              <a:rPr lang="en-US" sz="1800" dirty="0"/>
+              <a:t> </a:t>
+            </a:r>
+            <a:r>
+              <a:rPr lang="en-US" sz="1800" dirty="0" err="1"/>
+              <a:t>distribuiti</a:t>
+            </a:r>
+            <a:r>
+              <a:rPr lang="en-US" sz="1800" dirty="0"/>
+              <a:t> </a:t>
+            </a:r>
+            <a:r>
+              <a:rPr lang="en-US" sz="1800" dirty="0" err="1"/>
+              <a:t>anche</a:t>
+            </a:r>
+            <a:r>
+              <a:rPr lang="en-US" sz="1800" dirty="0"/>
+              <a:t> in </a:t>
+            </a:r>
+            <a:r>
+              <a:rPr lang="en-US" sz="1800" dirty="0" err="1"/>
+              <a:t>valori</a:t>
+            </a:r>
+            <a:r>
+              <a:rPr lang="en-US" sz="1800" dirty="0"/>
+              <a:t> di </a:t>
+            </a:r>
+            <a:r>
+              <a:rPr lang="en-US" sz="1800" dirty="0" err="1"/>
+              <a:t>depressione</a:t>
+            </a:r>
+            <a:r>
+              <a:rPr lang="en-US" sz="1800" dirty="0"/>
+              <a:t> </a:t>
+            </a:r>
+            <a:r>
+              <a:rPr lang="en-US" sz="1800" dirty="0" err="1"/>
+              <a:t>maggiore</a:t>
+            </a:r>
+            <a:r>
+              <a:rPr lang="en-US" sz="1800" dirty="0"/>
+              <a:t>.</a:t>
+            </a:r>
+          </a:p>
+        </p:txBody>
+      </p:sp>
+    </p:spTree>
+    <p:extLst>
+      <p:ext uri="{BB962C8B-B14F-4D97-AF65-F5344CB8AC3E}">
+        <p14:creationId xmlns:p14="http://schemas.microsoft.com/office/powerpoint/2010/main" val="4189115136"/>
+      </p:ext>
+    </p:extLst>
+  </p:cSld>
+  <p:clrMapOvr>
+    <a:masterClrMapping/>
+  </p:clrMapOvr>
+</p:sld>
+</file>
+
+<file path=ppt/slides/slide18.xml><?xml version="1.0" encoding="utf-8"?>
+<p:sld xmlns:a="http://schemas.openxmlformats.org/drawingml/2006/main" xmlns:r="http://schemas.openxmlformats.org/officeDocument/2006/relationships" xmlns:p="http://schemas.openxmlformats.org/presentationml/2006/main">
+  <p:cSld>
+    <p:bg>
+      <p:bgPr>
+        <a:solidFill>
+          <a:schemeClr val="bg1"/>
+        </a:solidFill>
+        <a:effectLst/>
+      </p:bgPr>
+    </p:bg>
+    <p:spTree>
+      <p:nvGrpSpPr>
+        <p:cNvPr id="1" name=""/>
+        <p:cNvGrpSpPr/>
+        <p:nvPr/>
+      </p:nvGrpSpPr>
+      <p:grpSpPr>
+        <a:xfrm>
+          <a:off x="0" y="0"/>
+          <a:ext cx="0" cy="0"/>
+          <a:chOff x="0" y="0"/>
+          <a:chExt cx="0" cy="0"/>
+        </a:xfrm>
+      </p:grpSpPr>
+      <p:sp>
+        <p:nvSpPr>
+          <p:cNvPr id="2" name="Titolo 1">
+            <a:extLst>
+              <a:ext uri="{FF2B5EF4-FFF2-40B4-BE49-F238E27FC236}">
+                <a16:creationId xmlns:a16="http://schemas.microsoft.com/office/drawing/2014/main" id="{C91E3B49-9355-B5F7-BA8B-25F791967F72}"/>
+              </a:ext>
+            </a:extLst>
+          </p:cNvPr>
+          <p:cNvSpPr>
+            <a:spLocks noGrp="1"/>
+          </p:cNvSpPr>
+          <p:nvPr>
+            <p:ph type="title"/>
+          </p:nvPr>
+        </p:nvSpPr>
+        <p:spPr>
+          <a:xfrm>
+            <a:off x="761840" y="1138265"/>
+            <a:ext cx="4544762" cy="1401183"/>
+          </a:xfrm>
+        </p:spPr>
+        <p:txBody>
+          <a:bodyPr anchor="t">
+            <a:normAutofit/>
+          </a:bodyPr>
+          <a:lstStyle/>
+          <a:p>
+            <a:r>
+              <a:rPr lang="it-IT" sz="3200" dirty="0"/>
+              <a:t>Accessibilità	</a:t>
+            </a:r>
+          </a:p>
+        </p:txBody>
+      </p:sp>
+      <p:cxnSp>
+        <p:nvCxnSpPr>
+          <p:cNvPr id="14" name="Straight Connector 13">
+            <a:extLst>
+              <a:ext uri="{FF2B5EF4-FFF2-40B4-BE49-F238E27FC236}">
+                <a16:creationId xmlns:a16="http://schemas.microsoft.com/office/drawing/2014/main" id="{FC23E3B9-5ABF-58B3-E2B0-E9A5DAA90037}"/>
+              </a:ext>
+              <a:ext uri="{C183D7F6-B498-43B3-948B-1728B52AA6E4}">
+                <adec:decorative xmlns:adec="http://schemas.microsoft.com/office/drawing/2017/decorative" val="1"/>
+              </a:ext>
+            </a:extLst>
+          </p:cNvPr>
+          <p:cNvCxnSpPr>
+            <a:cxnSpLocks noGrp="1" noRot="1" noChangeAspect="1" noMove="1" noResize="1" noEditPoints="1" noAdjustHandles="1" noChangeArrowheads="1" noChangeShapeType="1"/>
+          </p:cNvCxnSpPr>
+          <p:nvPr>
+            <p:extLst>
+              <p:ext uri="{386F3935-93C4-4BCD-93E2-E3B085C9AB24}">
+                <p16:designElem xmlns:p16="http://schemas.microsoft.com/office/powerpoint/2015/main" val="1"/>
+              </p:ext>
+            </p:extLst>
+          </p:nvPr>
+        </p:nvCxnSpPr>
+        <p:spPr>
+          <a:xfrm>
+            <a:off x="861462" y="871146"/>
+            <a:ext cx="736939" cy="0"/>
+          </a:xfrm>
+          <a:prstGeom prst="line">
+            <a:avLst/>
+          </a:prstGeom>
+          <a:ln w="57150">
+            <a:solidFill>
+              <a:schemeClr val="accent4"/>
+            </a:solidFill>
+          </a:ln>
+        </p:spPr>
+        <p:style>
+          <a:lnRef idx="1">
+            <a:schemeClr val="accent1"/>
+          </a:lnRef>
+          <a:fillRef idx="0">
+            <a:schemeClr val="accent1"/>
+          </a:fillRef>
+          <a:effectRef idx="0">
+            <a:schemeClr val="accent1"/>
+          </a:effectRef>
+          <a:fontRef idx="minor">
+            <a:schemeClr val="tx1"/>
+          </a:fontRef>
+        </p:style>
+      </p:cxnSp>
+      <p:sp>
+        <p:nvSpPr>
+          <p:cNvPr id="11" name="Content Placeholder 10">
+            <a:extLst>
+              <a:ext uri="{FF2B5EF4-FFF2-40B4-BE49-F238E27FC236}">
+                <a16:creationId xmlns:a16="http://schemas.microsoft.com/office/drawing/2014/main" id="{AB5409B2-AE5F-1985-A433-27E509B6089D}"/>
+              </a:ext>
+            </a:extLst>
+          </p:cNvPr>
+          <p:cNvSpPr>
+            <a:spLocks noGrp="1"/>
+          </p:cNvSpPr>
+          <p:nvPr>
+            <p:ph idx="1"/>
+          </p:nvPr>
+        </p:nvSpPr>
+        <p:spPr>
+          <a:xfrm>
+            <a:off x="761840" y="2551176"/>
+            <a:ext cx="4544762" cy="3602935"/>
+          </a:xfrm>
+        </p:spPr>
+        <p:txBody>
+          <a:bodyPr>
+            <a:normAutofit/>
+          </a:bodyPr>
+          <a:lstStyle/>
+          <a:p>
+            <a:pPr marL="0" marR="0" lvl="0" indent="0" defTabSz="914400" rtl="0" fontAlgn="auto" hangingPunct="1">
+              <a:lnSpc>
+                <a:spcPct val="100000"/>
+              </a:lnSpc>
+              <a:spcBef>
+                <a:spcPts val="0"/>
+              </a:spcBef>
+              <a:spcAft>
+                <a:spcPts val="0"/>
+              </a:spcAft>
+              <a:buNone/>
+              <a:tabLst/>
+              <a:defRPr sz="1800" b="0" i="0" u="none" strike="noStrike" kern="0" cap="none" spc="0" baseline="0">
+                <a:solidFill>
+                  <a:srgbClr val="000000"/>
+                </a:solidFill>
+                <a:uFillTx/>
+              </a:defRPr>
+            </a:pPr>
+            <a:r>
+              <a:rPr lang="it-IT" sz="1800" dirty="0">
+                <a:solidFill>
+                  <a:srgbClr val="000000"/>
+                </a:solidFill>
+              </a:rPr>
+              <a:t>Nel nostro progetto abbiamo considerato l’utilizzo di colori adatti anche a persone che soffrono di color-</a:t>
+            </a:r>
+            <a:r>
+              <a:rPr lang="it-IT" sz="1800" dirty="0" err="1">
+                <a:solidFill>
+                  <a:srgbClr val="000000"/>
+                </a:solidFill>
+              </a:rPr>
+              <a:t>blindness</a:t>
+            </a:r>
+            <a:r>
+              <a:rPr lang="it-IT" sz="1800" dirty="0">
+                <a:solidFill>
+                  <a:srgbClr val="000000"/>
+                </a:solidFill>
+              </a:rPr>
+              <a:t> o daltonismo.</a:t>
+            </a:r>
+          </a:p>
+          <a:p>
+            <a:pPr marL="0" marR="0" lvl="0" indent="0" defTabSz="914400" rtl="0" fontAlgn="auto" hangingPunct="1">
+              <a:lnSpc>
+                <a:spcPct val="100000"/>
+              </a:lnSpc>
+              <a:spcBef>
+                <a:spcPts val="0"/>
+              </a:spcBef>
+              <a:spcAft>
+                <a:spcPts val="0"/>
+              </a:spcAft>
+              <a:buNone/>
+              <a:tabLst/>
+              <a:defRPr sz="1800" b="0" i="0" u="none" strike="noStrike" kern="0" cap="none" spc="0" baseline="0">
+                <a:solidFill>
+                  <a:srgbClr val="000000"/>
+                </a:solidFill>
+                <a:uFillTx/>
+              </a:defRPr>
+            </a:pPr>
+            <a:r>
+              <a:rPr lang="it-IT" sz="1800" dirty="0">
+                <a:solidFill>
+                  <a:srgbClr val="000000"/>
+                </a:solidFill>
+              </a:rPr>
+              <a:t>Per questo motivo abbiamo consultato vari siti dal quale abbiamo scelto dei colori da una tavolozza che abbiamo ritenuto più consone per la visualizzazione delle nostre presentazioni.</a:t>
+            </a:r>
+          </a:p>
+        </p:txBody>
+      </p:sp>
+      <p:pic>
+        <p:nvPicPr>
+          <p:cNvPr id="7" name="Segnaposto contenuto 6" descr="Immagine che contiene testo, schermata, Policromia, Rettangolo&#10;&#10;Descrizione generata automaticamente">
+            <a:extLst>
+              <a:ext uri="{FF2B5EF4-FFF2-40B4-BE49-F238E27FC236}">
+                <a16:creationId xmlns:a16="http://schemas.microsoft.com/office/drawing/2014/main" id="{FB8DB167-D5F1-5E63-6B81-7EEE2DAAE93F}"/>
+              </a:ext>
+            </a:extLst>
+          </p:cNvPr>
+          <p:cNvPicPr>
+            <a:picLocks noChangeAspect="1"/>
+          </p:cNvPicPr>
+          <p:nvPr/>
+        </p:nvPicPr>
+        <p:blipFill>
+          <a:blip r:embed="rId2">
+            <a:extLst>
+              <a:ext uri="{28A0092B-C50C-407E-A947-70E740481C1C}">
+                <a14:useLocalDpi xmlns:a14="http://schemas.microsoft.com/office/drawing/2010/main" val="0"/>
+              </a:ext>
+            </a:extLst>
+          </a:blip>
+          <a:stretch>
+            <a:fillRect/>
+          </a:stretch>
+        </p:blipFill>
+        <p:spPr>
+          <a:xfrm>
+            <a:off x="6082748" y="782724"/>
+            <a:ext cx="5334160" cy="5294152"/>
+          </a:xfrm>
+          <a:prstGeom prst="rect">
+            <a:avLst/>
+          </a:prstGeom>
+        </p:spPr>
+      </p:pic>
+    </p:spTree>
+    <p:extLst>
+      <p:ext uri="{BB962C8B-B14F-4D97-AF65-F5344CB8AC3E}">
+        <p14:creationId xmlns:p14="http://schemas.microsoft.com/office/powerpoint/2010/main" val="2846752071"/>
+      </p:ext>
+    </p:extLst>
+  </p:cSld>
+  <p:clrMapOvr>
+    <a:masterClrMapping/>
+  </p:clrMapOvr>
+</p:sld>
+</file>
+
+<file path=ppt/slides/slide19.xml><?xml version="1.0" encoding="utf-8"?>
+<p:sld xmlns:a="http://schemas.openxmlformats.org/drawingml/2006/main" xmlns:r="http://schemas.openxmlformats.org/officeDocument/2006/relationships" xmlns:p="http://schemas.openxmlformats.org/presentationml/2006/main">
+  <p:cSld>
+    <p:bg>
+      <p:bgPr>
+        <a:solidFill>
+          <a:schemeClr val="bg1"/>
+        </a:solidFill>
+        <a:effectLst/>
+      </p:bgPr>
+    </p:bg>
+    <p:spTree>
+      <p:nvGrpSpPr>
+        <p:cNvPr id="1" name=""/>
+        <p:cNvGrpSpPr/>
+        <p:nvPr/>
+      </p:nvGrpSpPr>
+      <p:grpSpPr>
+        <a:xfrm>
+          <a:off x="0" y="0"/>
+          <a:ext cx="0" cy="0"/>
+          <a:chOff x="0" y="0"/>
+          <a:chExt cx="0" cy="0"/>
+        </a:xfrm>
+      </p:grpSpPr>
+      <p:sp useBgFill="1">
+        <p:nvSpPr>
+          <p:cNvPr id="8" name="Rectangle 7">
+            <a:extLst>
+              <a:ext uri="{FF2B5EF4-FFF2-40B4-BE49-F238E27FC236}">
+                <a16:creationId xmlns:a16="http://schemas.microsoft.com/office/drawing/2014/main" id="{BAD76F3E-3A97-486B-B402-44400A8B9173}"/>
+              </a:ext>
+              <a:ext uri="{C183D7F6-B498-43B3-948B-1728B52AA6E4}">
+                <adec:decorative xmlns:adec="http://schemas.microsoft.com/office/drawing/2017/decorative" val="1"/>
+              </a:ext>
+            </a:extLst>
+          </p:cNvPr>
+          <p:cNvSpPr>
+            <a:spLocks noGrp="1" noRot="1" noChangeAspect="1" noMove="1" noResize="1" noEditPoints="1" noAdjustHandles="1" noChangeArrowheads="1" noChangeShapeType="1" noTextEdit="1"/>
+          </p:cNvSpPr>
+          <p:nvPr>
+            <p:extLst>
+              <p:ext uri="{386F3935-93C4-4BCD-93E2-E3B085C9AB24}">
+                <p16:designElem xmlns:p16="http://schemas.microsoft.com/office/powerpoint/2015/main" val="1"/>
+              </p:ext>
+            </p:extLst>
+          </p:nvPr>
+        </p:nvSpPr>
+        <p:spPr>
+          <a:xfrm>
+            <a:off x="0" y="0"/>
+            <a:ext cx="12192000" cy="6858000"/>
+          </a:xfrm>
+          <a:prstGeom prst="rect">
+            <a:avLst/>
+          </a:prstGeom>
+          <a:ln>
+            <a:noFill/>
+          </a:ln>
+        </p:spPr>
+        <p:style>
+          <a:lnRef idx="2">
+            <a:schemeClr val="accent1">
+              <a:shade val="50000"/>
+            </a:schemeClr>
+          </a:lnRef>
+          <a:fillRef idx="1">
+            <a:schemeClr val="accent1"/>
+          </a:fillRef>
+          <a:effectRef idx="0">
+            <a:schemeClr val="accent1"/>
+          </a:effectRef>
+          <a:fontRef idx="minor">
+            <a:schemeClr val="lt1"/>
+          </a:fontRef>
+        </p:style>
+        <p:txBody>
+          <a:bodyPr rtlCol="0" anchor="ctr"/>
+          <a:lstStyle/>
+          <a:p>
+            <a:pPr algn="ctr"/>
+            <a:endParaRPr lang="en-US"/>
+          </a:p>
+        </p:txBody>
+      </p:sp>
+      <p:sp>
+        <p:nvSpPr>
+          <p:cNvPr id="2" name="Titolo 1">
+            <a:extLst>
+              <a:ext uri="{FF2B5EF4-FFF2-40B4-BE49-F238E27FC236}">
+                <a16:creationId xmlns:a16="http://schemas.microsoft.com/office/drawing/2014/main" id="{C3C9E7F5-A350-8F01-29C8-A7E0B3BFF22D}"/>
+              </a:ext>
+            </a:extLst>
+          </p:cNvPr>
+          <p:cNvSpPr>
+            <a:spLocks noGrp="1"/>
+          </p:cNvSpPr>
+          <p:nvPr>
+            <p:ph type="ctrTitle"/>
+          </p:nvPr>
+        </p:nvSpPr>
+        <p:spPr>
+          <a:xfrm>
+            <a:off x="838199" y="1093788"/>
+            <a:ext cx="10506455" cy="2967208"/>
+          </a:xfrm>
+        </p:spPr>
+        <p:txBody>
+          <a:bodyPr>
+            <a:normAutofit/>
+          </a:bodyPr>
+          <a:lstStyle/>
+          <a:p>
+            <a:pPr algn="l"/>
+            <a:r>
+              <a:rPr lang="it-IT" sz="8000" dirty="0"/>
+              <a:t>Grazie per l’attenzione!</a:t>
+            </a:r>
+          </a:p>
+        </p:txBody>
+      </p:sp>
+      <p:sp>
+        <p:nvSpPr>
+          <p:cNvPr id="3" name="Sottotitolo 2">
+            <a:extLst>
+              <a:ext uri="{FF2B5EF4-FFF2-40B4-BE49-F238E27FC236}">
+                <a16:creationId xmlns:a16="http://schemas.microsoft.com/office/drawing/2014/main" id="{0784EA84-60DC-72F3-74CD-BA47A5016BB4}"/>
+              </a:ext>
+            </a:extLst>
+          </p:cNvPr>
+          <p:cNvSpPr>
+            <a:spLocks noGrp="1"/>
+          </p:cNvSpPr>
+          <p:nvPr>
+            <p:ph type="subTitle" idx="1"/>
+          </p:nvPr>
+        </p:nvSpPr>
+        <p:spPr>
+          <a:xfrm>
+            <a:off x="7400924" y="4619624"/>
+            <a:ext cx="3946779" cy="1038225"/>
+          </a:xfrm>
+        </p:spPr>
+        <p:txBody>
+          <a:bodyPr>
+            <a:normAutofit/>
+          </a:bodyPr>
+          <a:lstStyle/>
+          <a:p>
+            <a:pPr algn="r"/>
+            <a:r>
+              <a:rPr lang="it-IT" dirty="0"/>
+              <a:t>Massimo Hu</a:t>
+            </a:r>
+          </a:p>
+          <a:p>
+            <a:pPr algn="r"/>
+            <a:r>
+              <a:rPr lang="it-IT" dirty="0"/>
+              <a:t>Mattia Isetta</a:t>
+            </a:r>
+          </a:p>
+        </p:txBody>
+      </p:sp>
+      <p:sp>
+        <p:nvSpPr>
+          <p:cNvPr id="10" name="Rectangle 9">
+            <a:extLst>
+              <a:ext uri="{FF2B5EF4-FFF2-40B4-BE49-F238E27FC236}">
+                <a16:creationId xmlns:a16="http://schemas.microsoft.com/office/drawing/2014/main" id="{391F6B52-91F4-4AEB-B6DB-29FEBCF28C8B}"/>
+              </a:ext>
+              <a:ext uri="{C183D7F6-B498-43B3-948B-1728B52AA6E4}">
+                <adec:decorative xmlns:adec="http://schemas.microsoft.com/office/drawing/2017/decorative" val="1"/>
+              </a:ext>
+            </a:extLst>
+          </p:cNvPr>
+          <p:cNvSpPr>
+            <a:spLocks noGrp="1" noRot="1" noChangeAspect="1" noMove="1" noResize="1" noEditPoints="1" noAdjustHandles="1" noChangeArrowheads="1" noChangeShapeType="1" noTextEdit="1"/>
+          </p:cNvSpPr>
+          <p:nvPr>
+            <p:extLst>
+              <p:ext uri="{386F3935-93C4-4BCD-93E2-E3B085C9AB24}">
+                <p16:designElem xmlns:p16="http://schemas.microsoft.com/office/powerpoint/2015/main" val="1"/>
+              </p:ext>
+            </p:extLst>
+          </p:nvPr>
+        </p:nvSpPr>
+        <p:spPr>
+          <a:xfrm>
+            <a:off x="841248" y="4331166"/>
+            <a:ext cx="10506456" cy="18288"/>
+          </a:xfrm>
+          <a:prstGeom prst="rect">
+            <a:avLst/>
+          </a:prstGeom>
+          <a:solidFill>
+            <a:srgbClr val="D5D5D5"/>
+          </a:solidFill>
+          <a:ln w="3175">
+            <a:noFill/>
+          </a:ln>
+          <a:effectLst/>
+        </p:spPr>
+        <p:style>
+          <a:lnRef idx="2">
+            <a:schemeClr val="accent1">
+              <a:shade val="50000"/>
+            </a:schemeClr>
+          </a:lnRef>
+          <a:fillRef idx="1">
+            <a:schemeClr val="accent1"/>
+          </a:fillRef>
+          <a:effectRef idx="0">
+            <a:schemeClr val="accent1"/>
+          </a:effectRef>
+          <a:fontRef idx="minor">
+            <a:schemeClr val="lt1"/>
+          </a:fontRef>
+        </p:style>
+        <p:txBody>
+          <a:bodyPr rtlCol="0" anchor="ctr"/>
+          <a:lstStyle/>
+          <a:p>
+            <a:pPr algn="ctr"/>
+            <a:endParaRPr lang="en-US">
+              <a:solidFill>
+                <a:prstClr val="white"/>
+              </a:solidFill>
+              <a:latin typeface="Calibri" panose="020F0502020204030204"/>
+            </a:endParaRPr>
+          </a:p>
+        </p:txBody>
+      </p:sp>
+      <p:sp>
+        <p:nvSpPr>
+          <p:cNvPr id="5" name="Rectangle 11">
+            <a:extLst>
+              <a:ext uri="{FF2B5EF4-FFF2-40B4-BE49-F238E27FC236}">
+                <a16:creationId xmlns:a16="http://schemas.microsoft.com/office/drawing/2014/main" id="{2CD6F061-7C53-44F4-9794-953DB70A451B}"/>
+              </a:ext>
+              <a:ext uri="{C183D7F6-B498-43B3-948B-1728B52AA6E4}">
+                <adec:decorative xmlns:adec="http://schemas.microsoft.com/office/drawing/2017/decorative" val="1"/>
+              </a:ext>
+            </a:extLst>
+          </p:cNvPr>
+          <p:cNvSpPr>
+            <a:spLocks noGrp="1" noRot="1" noChangeAspect="1" noMove="1" noResize="1" noEditPoints="1" noAdjustHandles="1" noChangeArrowheads="1" noChangeShapeType="1" noTextEdit="1"/>
+          </p:cNvSpPr>
+          <p:nvPr>
+            <p:extLst>
+              <p:ext uri="{386F3935-93C4-4BCD-93E2-E3B085C9AB24}">
+                <p16:designElem xmlns:p16="http://schemas.microsoft.com/office/powerpoint/2015/main" val="1"/>
+              </p:ext>
+            </p:extLst>
+          </p:nvPr>
+        </p:nvSpPr>
+        <p:spPr>
+          <a:xfrm rot="5400000">
+            <a:off x="9346882" y="2348839"/>
+            <a:ext cx="54864" cy="3946779"/>
+          </a:xfrm>
+          <a:prstGeom prst="rect">
+            <a:avLst/>
+          </a:prstGeom>
+          <a:solidFill>
+            <a:schemeClr val="accent2"/>
+          </a:solidFill>
+          <a:ln>
+            <a:noFill/>
+          </a:ln>
+        </p:spPr>
+        <p:style>
+          <a:lnRef idx="2">
+            <a:schemeClr val="accent1">
+              <a:shade val="50000"/>
+            </a:schemeClr>
+          </a:lnRef>
+          <a:fillRef idx="1">
+            <a:schemeClr val="accent1"/>
+          </a:fillRef>
+          <a:effectRef idx="0">
+            <a:schemeClr val="accent1"/>
+          </a:effectRef>
+          <a:fontRef idx="minor">
+            <a:schemeClr val="lt1"/>
+          </a:fontRef>
+        </p:style>
+        <p:txBody>
+          <a:bodyPr rtlCol="0" anchor="ctr"/>
+          <a:lstStyle/>
+          <a:p>
+            <a:pPr marL="0" marR="0" lvl="0" indent="0" algn="ctr" defTabSz="914400" rtl="0" eaLnBrk="1" fontAlgn="auto" latinLnBrk="0" hangingPunct="1">
+              <a:lnSpc>
+                <a:spcPct val="100000"/>
+              </a:lnSpc>
+              <a:spcBef>
+                <a:spcPts val="0"/>
+              </a:spcBef>
+              <a:spcAft>
+                <a:spcPts val="0"/>
+              </a:spcAft>
+              <a:buClrTx/>
+              <a:buSzTx/>
+              <a:buFontTx/>
+              <a:buNone/>
+              <a:tabLst/>
+              <a:defRPr/>
+            </a:pPr>
+            <a:endParaRPr kumimoji="0" lang="en-US" sz="1800" b="0" i="0" u="none" strike="noStrike" kern="1200" cap="none" spc="0" normalizeH="0" baseline="0" noProof="0">
+              <a:ln>
+                <a:noFill/>
+              </a:ln>
+              <a:solidFill>
+                <a:prstClr val="white"/>
+              </a:solidFill>
+              <a:effectLst/>
+              <a:uLnTx/>
+              <a:uFillTx/>
+              <a:latin typeface="Calibri" panose="020F0502020204030204"/>
+              <a:ea typeface="+mn-ea"/>
+              <a:cs typeface="+mn-cs"/>
+            </a:endParaRPr>
+          </a:p>
+        </p:txBody>
+      </p:sp>
+    </p:spTree>
+    <p:extLst>
+      <p:ext uri="{BB962C8B-B14F-4D97-AF65-F5344CB8AC3E}">
+        <p14:creationId xmlns:p14="http://schemas.microsoft.com/office/powerpoint/2010/main" val="847583299"/>
       </p:ext>
     </p:extLst>
   </p:cSld>
@@ -3673,7 +7181,7 @@
           <p:cNvPr id="19" name="Rectangle 18">
             <a:extLst>
               <a:ext uri="{FF2B5EF4-FFF2-40B4-BE49-F238E27FC236}">
-                <a16:creationId xmlns:a16="http://schemas.microsoft.com/office/drawing/2014/main" id="{92468898-5A6E-4D55-85EC-308E785EE06C}"/>
+                <a16:creationId xmlns:a16="http://schemas.microsoft.com/office/drawing/2014/main" id="{5954F66B-3BF3-4495-BAEE-BEB2B018880D}"/>
               </a:ext>
               <a:ext uri="{C183D7F6-B498-43B3-948B-1728B52AA6E4}">
                 <adec:decorative xmlns:adec="http://schemas.microsoft.com/office/drawing/2017/decorative" val="1"/>
@@ -3733,7 +7241,7 @@
           <p:cNvPr id="2" name="Titolo 1">
             <a:extLst>
               <a:ext uri="{FF2B5EF4-FFF2-40B4-BE49-F238E27FC236}">
-                <a16:creationId xmlns:a16="http://schemas.microsoft.com/office/drawing/2014/main" id="{52C584AA-F9BE-7F44-B2F6-179FD7648235}"/>
+                <a16:creationId xmlns:a16="http://schemas.microsoft.com/office/drawing/2014/main" id="{C92F58FD-1AE8-34F9-A5ED-4BD08D3F44FD}"/>
               </a:ext>
             </a:extLst>
           </p:cNvPr>
@@ -3746,29 +7254,63 @@
         </p:nvSpPr>
         <p:spPr>
           <a:xfrm>
-            <a:off x="429768" y="411480"/>
-            <a:ext cx="11201400" cy="1106424"/>
-          </a:xfrm>
-        </p:spPr>
-        <p:txBody>
-          <a:bodyPr>
+            <a:off x="5296874" y="1076324"/>
+            <a:ext cx="6272784" cy="1535051"/>
+          </a:xfrm>
+        </p:spPr>
+        <p:txBody>
+          <a:bodyPr anchor="b">
             <a:normAutofit/>
           </a:bodyPr>
           <a:lstStyle/>
           <a:p>
             <a:r>
-              <a:rPr lang="it-IT" sz="3600" dirty="0"/>
-              <a:t>Grafico a barre del dolore toracico in relazione alla provenienza geografica del dato</a:t>
-            </a:r>
-          </a:p>
-        </p:txBody>
-      </p:sp>
+              <a:rPr lang="it-IT" sz="5200"/>
+              <a:t>Introduzione</a:t>
+            </a:r>
+          </a:p>
+        </p:txBody>
+      </p:sp>
+      <p:pic>
+        <p:nvPicPr>
+          <p:cNvPr id="7" name="Graphic 6">
+            <a:extLst>
+              <a:ext uri="{FF2B5EF4-FFF2-40B4-BE49-F238E27FC236}">
+                <a16:creationId xmlns:a16="http://schemas.microsoft.com/office/drawing/2014/main" id="{F30B99EF-1670-07FC-2F0E-EA9315EE0D31}"/>
+              </a:ext>
+            </a:extLst>
+          </p:cNvPr>
+          <p:cNvPicPr>
+            <a:picLocks noChangeAspect="1"/>
+          </p:cNvPicPr>
+          <p:nvPr/>
+        </p:nvPicPr>
+        <p:blipFill>
+          <a:blip r:embed="rId2">
+            <a:extLst>
+              <a:ext uri="{28A0092B-C50C-407E-A947-70E740481C1C}">
+                <a14:useLocalDpi xmlns:a14="http://schemas.microsoft.com/office/drawing/2010/main" val="0"/>
+              </a:ext>
+            </a:extLst>
+          </a:blip>
+          <a:stretch/>
+        </p:blipFill>
+        <p:spPr>
+          <a:xfrm>
+            <a:off x="457200" y="2580588"/>
+            <a:ext cx="4217332" cy="1623672"/>
+          </a:xfrm>
+          <a:prstGeom prst="rect">
+            <a:avLst/>
+          </a:prstGeom>
+        </p:spPr>
+      </p:pic>
       <p:sp>
         <p:nvSpPr>
           <p:cNvPr id="21" name="Rectangle 20">
             <a:extLst>
               <a:ext uri="{FF2B5EF4-FFF2-40B4-BE49-F238E27FC236}">
-                <a16:creationId xmlns:a16="http://schemas.microsoft.com/office/drawing/2014/main" id="{3E23A947-2D45-4208-AE2B-64948C87A3EB}"/>
+                <a16:creationId xmlns:a16="http://schemas.microsoft.com/office/drawing/2014/main" id="{EABAD4DA-87BA-4F70-9EF0-45C6BCF17823}"/>
               </a:ext>
               <a:ext uri="{C183D7F6-B498-43B3-948B-1728B52AA6E4}">
                 <adec:decorative xmlns:adec="http://schemas.microsoft.com/office/drawing/2017/decorative" val="1"/>
@@ -3787,9 +7329,9 @@
           </p:nvPr>
         </p:nvSpPr>
         <p:spPr>
-          <a:xfrm>
-            <a:off x="0" y="598458"/>
-            <a:ext cx="128016" cy="704088"/>
+          <a:xfrm rot="5400000">
+            <a:off x="5534618" y="363389"/>
+            <a:ext cx="73152" cy="548640"/>
           </a:xfrm>
           <a:prstGeom prst="rect">
             <a:avLst/>
@@ -3831,9 +7373,609 @@
           </a:p>
         </p:txBody>
       </p:sp>
+      <p:sp>
+        <p:nvSpPr>
+          <p:cNvPr id="23" name="Rectangle 22">
+            <a:extLst>
+              <a:ext uri="{FF2B5EF4-FFF2-40B4-BE49-F238E27FC236}">
+                <a16:creationId xmlns:a16="http://schemas.microsoft.com/office/drawing/2014/main" id="{915128D9-2797-47FA-B6FE-EC24E6B8437A}"/>
+              </a:ext>
+              <a:ext uri="{C183D7F6-B498-43B3-948B-1728B52AA6E4}">
+                <adec:decorative xmlns:adec="http://schemas.microsoft.com/office/drawing/2017/decorative" val="1"/>
+              </a:ext>
+            </a:extLst>
+          </p:cNvPr>
+          <p:cNvSpPr>
+            <a:spLocks noGrp="1" noRot="1" noChangeAspect="1" noMove="1" noResize="1" noEditPoints="1" noAdjustHandles="1" noChangeArrowheads="1" noChangeShapeType="1" noTextEdit="1"/>
+          </p:cNvSpPr>
+          <p:nvPr>
+            <p:extLst>
+              <p:ext uri="{386F3935-93C4-4BCD-93E2-E3B085C9AB24}">
+                <p16:designElem xmlns:p16="http://schemas.microsoft.com/office/powerpoint/2015/main" val="1"/>
+              </p:ext>
+            </p:extLst>
+          </p:nvPr>
+        </p:nvSpPr>
+        <p:spPr>
+          <a:xfrm>
+            <a:off x="5315924" y="2935541"/>
+            <a:ext cx="6217920" cy="18288"/>
+          </a:xfrm>
+          <a:prstGeom prst="rect">
+            <a:avLst/>
+          </a:prstGeom>
+          <a:solidFill>
+            <a:srgbClr val="D5D5D5"/>
+          </a:solidFill>
+          <a:ln w="3175">
+            <a:noFill/>
+          </a:ln>
+          <a:effectLst/>
+        </p:spPr>
+        <p:style>
+          <a:lnRef idx="2">
+            <a:schemeClr val="accent1">
+              <a:shade val="50000"/>
+            </a:schemeClr>
+          </a:lnRef>
+          <a:fillRef idx="1">
+            <a:schemeClr val="accent1"/>
+          </a:fillRef>
+          <a:effectRef idx="0">
+            <a:schemeClr val="accent1"/>
+          </a:effectRef>
+          <a:fontRef idx="minor">
+            <a:schemeClr val="lt1"/>
+          </a:fontRef>
+        </p:style>
+        <p:txBody>
+          <a:bodyPr rtlCol="0" anchor="ctr"/>
+          <a:lstStyle/>
+          <a:p>
+            <a:pPr algn="ctr"/>
+            <a:endParaRPr lang="en-US">
+              <a:solidFill>
+                <a:prstClr val="white"/>
+              </a:solidFill>
+              <a:latin typeface="Calibri" panose="020F0502020204030204"/>
+            </a:endParaRPr>
+          </a:p>
+        </p:txBody>
+      </p:sp>
+      <p:sp>
+        <p:nvSpPr>
+          <p:cNvPr id="3" name="Segnaposto contenuto 2">
+            <a:extLst>
+              <a:ext uri="{FF2B5EF4-FFF2-40B4-BE49-F238E27FC236}">
+                <a16:creationId xmlns:a16="http://schemas.microsoft.com/office/drawing/2014/main" id="{7242EC51-B455-FCA1-004F-7CC1C30AFC39}"/>
+              </a:ext>
+            </a:extLst>
+          </p:cNvPr>
+          <p:cNvSpPr>
+            <a:spLocks noGrp="1"/>
+          </p:cNvSpPr>
+          <p:nvPr>
+            <p:ph idx="1"/>
+          </p:nvPr>
+        </p:nvSpPr>
+        <p:spPr>
+          <a:xfrm>
+            <a:off x="5296874" y="3351276"/>
+            <a:ext cx="6272784" cy="2825686"/>
+          </a:xfrm>
+        </p:spPr>
+        <p:txBody>
+          <a:bodyPr>
+            <a:normAutofit/>
+          </a:bodyPr>
+          <a:lstStyle/>
+          <a:p>
+            <a:pPr marL="0" indent="0">
+              <a:buNone/>
+            </a:pPr>
+            <a:r>
+              <a:rPr lang="it-IT" sz="1900" dirty="0"/>
+              <a:t>Analizzando i dati presenti all’interno di un file CSV prelevato da kaggle.com, contenente dati relativi alle caratteristiche cliniche dei pazienti con una possibile malattia cardiaca; si può ottenere una visione approfondita delle variabili che influenzano tale condizione. Questo dataset è stato utilizzato in numerosi studi con l'obiettivo principale di prevedere se un paziente ha una malattia cardiaca basandosi sui suoi attributi clinici. All’interno di esso troviamo una raccolta di dati prelevata da 4 regioni.</a:t>
+            </a:r>
+          </a:p>
+          <a:p>
+            <a:pPr marL="0" indent="0">
+              <a:buNone/>
+            </a:pPr>
+            <a:endParaRPr lang="it-IT" sz="1900" dirty="0"/>
+          </a:p>
+        </p:txBody>
+      </p:sp>
+    </p:spTree>
+    <p:extLst>
+      <p:ext uri="{BB962C8B-B14F-4D97-AF65-F5344CB8AC3E}">
+        <p14:creationId xmlns:p14="http://schemas.microsoft.com/office/powerpoint/2010/main" val="1816156033"/>
+      </p:ext>
+    </p:extLst>
+  </p:cSld>
+  <p:clrMapOvr>
+    <a:masterClrMapping/>
+  </p:clrMapOvr>
+</p:sld>
+</file>
+
+<file path=ppt/slides/slide3.xml><?xml version="1.0" encoding="utf-8"?>
+<p:sld xmlns:a="http://schemas.openxmlformats.org/drawingml/2006/main" xmlns:r="http://schemas.openxmlformats.org/officeDocument/2006/relationships" xmlns:p="http://schemas.openxmlformats.org/presentationml/2006/main">
+  <p:cSld>
+    <p:spTree>
+      <p:nvGrpSpPr>
+        <p:cNvPr id="1" name=""/>
+        <p:cNvGrpSpPr/>
+        <p:nvPr/>
+      </p:nvGrpSpPr>
+      <p:grpSpPr>
+        <a:xfrm>
+          <a:off x="0" y="0"/>
+          <a:ext cx="0" cy="0"/>
+          <a:chOff x="0" y="0"/>
+          <a:chExt cx="0" cy="0"/>
+        </a:xfrm>
+      </p:grpSpPr>
       <p:pic>
         <p:nvPicPr>
-          <p:cNvPr id="5" name="Segnaposto contenuto 4" descr="Immagine che contiene testo, schermata, Diagramma, diagramma&#10;&#10;Descrizione generata automaticamente">
+          <p:cNvPr id="6" name="Segnaposto contenuto 5">
+            <a:extLst>
+              <a:ext uri="{FF2B5EF4-FFF2-40B4-BE49-F238E27FC236}">
+                <a16:creationId xmlns:a16="http://schemas.microsoft.com/office/drawing/2014/main" id="{842103EA-4B58-793A-78F1-6E7CE6AF0951}"/>
+              </a:ext>
+            </a:extLst>
+          </p:cNvPr>
+          <p:cNvPicPr>
+            <a:picLocks noGrp="1" noChangeAspect="1"/>
+          </p:cNvPicPr>
+          <p:nvPr>
+            <p:ph idx="1"/>
+          </p:nvPr>
+        </p:nvPicPr>
+        <p:blipFill>
+          <a:blip r:embed="rId2">
+            <a:extLst>
+              <a:ext uri="{28A0092B-C50C-407E-A947-70E740481C1C}">
+                <a14:useLocalDpi xmlns:a14="http://schemas.microsoft.com/office/drawing/2010/main" val="0"/>
+              </a:ext>
+            </a:extLst>
+          </a:blip>
+          <a:srcRect/>
+          <a:stretch/>
+        </p:blipFill>
+        <p:spPr>
+          <a:xfrm>
+            <a:off x="280404" y="1790886"/>
+            <a:ext cx="5717252" cy="4407417"/>
+          </a:xfrm>
+        </p:spPr>
+      </p:pic>
+      <p:pic>
+        <p:nvPicPr>
+          <p:cNvPr id="8" name="Immagine 7">
+            <a:extLst>
+              <a:ext uri="{FF2B5EF4-FFF2-40B4-BE49-F238E27FC236}">
+                <a16:creationId xmlns:a16="http://schemas.microsoft.com/office/drawing/2014/main" id="{33674E0E-6BA9-4E0A-65B3-B60B2B2FAA48}"/>
+              </a:ext>
+            </a:extLst>
+          </p:cNvPr>
+          <p:cNvPicPr>
+            <a:picLocks noChangeAspect="1"/>
+          </p:cNvPicPr>
+          <p:nvPr/>
+        </p:nvPicPr>
+        <p:blipFill>
+          <a:blip r:embed="rId3">
+            <a:extLst>
+              <a:ext uri="{28A0092B-C50C-407E-A947-70E740481C1C}">
+                <a14:useLocalDpi xmlns:a14="http://schemas.microsoft.com/office/drawing/2010/main" val="0"/>
+              </a:ext>
+            </a:extLst>
+          </a:blip>
+          <a:srcRect/>
+          <a:stretch/>
+        </p:blipFill>
+        <p:spPr>
+          <a:xfrm>
+            <a:off x="7213458" y="222182"/>
+            <a:ext cx="4407417" cy="4407417"/>
+          </a:xfrm>
+          <a:prstGeom prst="rect">
+            <a:avLst/>
+          </a:prstGeom>
+        </p:spPr>
+      </p:pic>
+      <p:sp>
+        <p:nvSpPr>
+          <p:cNvPr id="9" name="CasellaDiTesto 8">
+            <a:extLst>
+              <a:ext uri="{FF2B5EF4-FFF2-40B4-BE49-F238E27FC236}">
+                <a16:creationId xmlns:a16="http://schemas.microsoft.com/office/drawing/2014/main" id="{AB58AD59-FE62-36F4-3560-C8BDAF47A50E}"/>
+              </a:ext>
+            </a:extLst>
+          </p:cNvPr>
+          <p:cNvSpPr txBox="1"/>
+          <p:nvPr/>
+        </p:nvSpPr>
+        <p:spPr>
+          <a:xfrm>
+            <a:off x="7681334" y="4866640"/>
+            <a:ext cx="3471664" cy="1384995"/>
+          </a:xfrm>
+          <a:prstGeom prst="rect">
+            <a:avLst/>
+          </a:prstGeom>
+          <a:noFill/>
+        </p:spPr>
+        <p:txBody>
+          <a:bodyPr wrap="square" rtlCol="0">
+            <a:spAutoFit/>
+          </a:bodyPr>
+          <a:lstStyle/>
+          <a:p>
+            <a:r>
+              <a:rPr lang="it-IT" sz="2800" dirty="0"/>
+              <a:t>Distribuzione dei generi all’interno del campione </a:t>
+            </a:r>
+          </a:p>
+        </p:txBody>
+      </p:sp>
+      <p:sp>
+        <p:nvSpPr>
+          <p:cNvPr id="11" name="CasellaDiTesto 10">
+            <a:extLst>
+              <a:ext uri="{FF2B5EF4-FFF2-40B4-BE49-F238E27FC236}">
+                <a16:creationId xmlns:a16="http://schemas.microsoft.com/office/drawing/2014/main" id="{B23A5946-8044-62D3-3541-CDCD33DDE6E2}"/>
+              </a:ext>
+            </a:extLst>
+          </p:cNvPr>
+          <p:cNvSpPr txBox="1"/>
+          <p:nvPr/>
+        </p:nvSpPr>
+        <p:spPr>
+          <a:xfrm>
+            <a:off x="409212" y="762000"/>
+            <a:ext cx="6339043" cy="523220"/>
+          </a:xfrm>
+          <a:prstGeom prst="rect">
+            <a:avLst/>
+          </a:prstGeom>
+          <a:noFill/>
+        </p:spPr>
+        <p:txBody>
+          <a:bodyPr wrap="none" rtlCol="0">
+            <a:spAutoFit/>
+          </a:bodyPr>
+          <a:lstStyle/>
+          <a:p>
+            <a:r>
+              <a:rPr lang="it-IT" sz="2800" dirty="0"/>
+              <a:t>Regioni interessate alla raccolta dei dati</a:t>
+            </a:r>
+          </a:p>
+        </p:txBody>
+      </p:sp>
+    </p:spTree>
+    <p:extLst>
+      <p:ext uri="{BB962C8B-B14F-4D97-AF65-F5344CB8AC3E}">
+        <p14:creationId xmlns:p14="http://schemas.microsoft.com/office/powerpoint/2010/main" val="3493398252"/>
+      </p:ext>
+    </p:extLst>
+  </p:cSld>
+  <p:clrMapOvr>
+    <a:masterClrMapping/>
+  </p:clrMapOvr>
+</p:sld>
+</file>
+
+<file path=ppt/slides/slide4.xml><?xml version="1.0" encoding="utf-8"?>
+<p:sld xmlns:a="http://schemas.openxmlformats.org/drawingml/2006/main" xmlns:r="http://schemas.openxmlformats.org/officeDocument/2006/relationships" xmlns:p="http://schemas.openxmlformats.org/presentationml/2006/main">
+  <p:cSld>
+    <p:bg>
+      <p:bgPr>
+        <a:solidFill>
+          <a:schemeClr val="bg1"/>
+        </a:solidFill>
+        <a:effectLst/>
+      </p:bgPr>
+    </p:bg>
+    <p:spTree>
+      <p:nvGrpSpPr>
+        <p:cNvPr id="1" name=""/>
+        <p:cNvGrpSpPr/>
+        <p:nvPr/>
+      </p:nvGrpSpPr>
+      <p:grpSpPr>
+        <a:xfrm>
+          <a:off x="0" y="0"/>
+          <a:ext cx="0" cy="0"/>
+          <a:chOff x="0" y="0"/>
+          <a:chExt cx="0" cy="0"/>
+        </a:xfrm>
+      </p:grpSpPr>
+      <p:sp useBgFill="1">
+        <p:nvSpPr>
+          <p:cNvPr id="58" name="Rectangle 57">
+            <a:extLst>
+              <a:ext uri="{FF2B5EF4-FFF2-40B4-BE49-F238E27FC236}">
+                <a16:creationId xmlns:a16="http://schemas.microsoft.com/office/drawing/2014/main" id="{0B9EE3F3-89B7-43C3-8651-C4C96830993D}"/>
+              </a:ext>
+              <a:ext uri="{C183D7F6-B498-43B3-948B-1728B52AA6E4}">
+                <adec:decorative xmlns:adec="http://schemas.microsoft.com/office/drawing/2017/decorative" val="1"/>
+              </a:ext>
+            </a:extLst>
+          </p:cNvPr>
+          <p:cNvSpPr>
+            <a:spLocks noGrp="1" noRot="1" noChangeAspect="1" noMove="1" noResize="1" noEditPoints="1" noAdjustHandles="1" noChangeArrowheads="1" noChangeShapeType="1" noTextEdit="1"/>
+          </p:cNvSpPr>
+          <p:nvPr>
+            <p:extLst>
+              <p:ext uri="{386F3935-93C4-4BCD-93E2-E3B085C9AB24}">
+                <p16:designElem xmlns:p16="http://schemas.microsoft.com/office/powerpoint/2015/main" val="1"/>
+              </p:ext>
+            </p:extLst>
+          </p:nvPr>
+        </p:nvSpPr>
+        <p:spPr>
+          <a:xfrm>
+            <a:off x="0" y="0"/>
+            <a:ext cx="12192000" cy="6858000"/>
+          </a:xfrm>
+          <a:prstGeom prst="rect">
+            <a:avLst/>
+          </a:prstGeom>
+          <a:ln>
+            <a:noFill/>
+          </a:ln>
+        </p:spPr>
+        <p:style>
+          <a:lnRef idx="2">
+            <a:schemeClr val="accent1">
+              <a:shade val="50000"/>
+            </a:schemeClr>
+          </a:lnRef>
+          <a:fillRef idx="1">
+            <a:schemeClr val="accent1"/>
+          </a:fillRef>
+          <a:effectRef idx="0">
+            <a:schemeClr val="accent1"/>
+          </a:effectRef>
+          <a:fontRef idx="minor">
+            <a:schemeClr val="lt1"/>
+          </a:fontRef>
+        </p:style>
+        <p:txBody>
+          <a:bodyPr rtlCol="0" anchor="ctr"/>
+          <a:lstStyle/>
+          <a:p>
+            <a:pPr algn="ctr"/>
+            <a:endParaRPr lang="en-US"/>
+          </a:p>
+        </p:txBody>
+      </p:sp>
+      <p:sp>
+        <p:nvSpPr>
+          <p:cNvPr id="2" name="Titolo 1">
+            <a:extLst>
+              <a:ext uri="{FF2B5EF4-FFF2-40B4-BE49-F238E27FC236}">
+                <a16:creationId xmlns:a16="http://schemas.microsoft.com/office/drawing/2014/main" id="{52C584AA-F9BE-7F44-B2F6-179FD7648235}"/>
+              </a:ext>
+            </a:extLst>
+          </p:cNvPr>
+          <p:cNvSpPr>
+            <a:spLocks noGrp="1"/>
+          </p:cNvSpPr>
+          <p:nvPr>
+            <p:ph type="title"/>
+          </p:nvPr>
+        </p:nvSpPr>
+        <p:spPr>
+          <a:xfrm>
+            <a:off x="411480" y="991443"/>
+            <a:ext cx="4443154" cy="1087819"/>
+          </a:xfrm>
+        </p:spPr>
+        <p:txBody>
+          <a:bodyPr anchor="b">
+            <a:noAutofit/>
+          </a:bodyPr>
+          <a:lstStyle/>
+          <a:p>
+            <a:r>
+              <a:rPr lang="it-IT" sz="2800" dirty="0"/>
+              <a:t>Analisi di sesso ed età dei pazienti</a:t>
+            </a:r>
+          </a:p>
+        </p:txBody>
+      </p:sp>
+      <p:sp>
+        <p:nvSpPr>
+          <p:cNvPr id="60" name="Rectangle 59">
+            <a:extLst>
+              <a:ext uri="{FF2B5EF4-FFF2-40B4-BE49-F238E27FC236}">
+                <a16:creationId xmlns:a16="http://schemas.microsoft.com/office/drawing/2014/main" id="{33AE4636-AEEC-45D6-84D4-7AC2DA48ECF8}"/>
+              </a:ext>
+              <a:ext uri="{C183D7F6-B498-43B3-948B-1728B52AA6E4}">
+                <adec:decorative xmlns:adec="http://schemas.microsoft.com/office/drawing/2017/decorative" val="1"/>
+              </a:ext>
+            </a:extLst>
+          </p:cNvPr>
+          <p:cNvSpPr>
+            <a:spLocks noGrp="1" noRot="1" noChangeAspect="1" noMove="1" noResize="1" noEditPoints="1" noAdjustHandles="1" noChangeArrowheads="1" noChangeShapeType="1" noTextEdit="1"/>
+          </p:cNvSpPr>
+          <p:nvPr>
+            <p:extLst>
+              <p:ext uri="{386F3935-93C4-4BCD-93E2-E3B085C9AB24}">
+                <p16:designElem xmlns:p16="http://schemas.microsoft.com/office/powerpoint/2015/main" val="1"/>
+              </p:ext>
+            </p:extLst>
+          </p:nvPr>
+        </p:nvSpPr>
+        <p:spPr>
+          <a:xfrm rot="5400000">
+            <a:off x="649223" y="387939"/>
+            <a:ext cx="73152" cy="548640"/>
+          </a:xfrm>
+          <a:prstGeom prst="rect">
+            <a:avLst/>
+          </a:prstGeom>
+          <a:solidFill>
+            <a:schemeClr val="accent2"/>
+          </a:solidFill>
+          <a:ln>
+            <a:noFill/>
+          </a:ln>
+        </p:spPr>
+        <p:style>
+          <a:lnRef idx="2">
+            <a:schemeClr val="accent1">
+              <a:shade val="50000"/>
+            </a:schemeClr>
+          </a:lnRef>
+          <a:fillRef idx="1">
+            <a:schemeClr val="accent1"/>
+          </a:fillRef>
+          <a:effectRef idx="0">
+            <a:schemeClr val="accent1"/>
+          </a:effectRef>
+          <a:fontRef idx="minor">
+            <a:schemeClr val="lt1"/>
+          </a:fontRef>
+        </p:style>
+        <p:txBody>
+          <a:bodyPr rtlCol="0" anchor="ctr"/>
+          <a:lstStyle/>
+          <a:p>
+            <a:pPr algn="ctr"/>
+            <a:endParaRPr lang="en-US">
+              <a:solidFill>
+                <a:prstClr val="white"/>
+              </a:solidFill>
+              <a:latin typeface="Calibri" panose="020F0502020204030204"/>
+            </a:endParaRPr>
+          </a:p>
+        </p:txBody>
+      </p:sp>
+      <p:sp>
+        <p:nvSpPr>
+          <p:cNvPr id="62" name="Rectangle 61">
+            <a:extLst>
+              <a:ext uri="{FF2B5EF4-FFF2-40B4-BE49-F238E27FC236}">
+                <a16:creationId xmlns:a16="http://schemas.microsoft.com/office/drawing/2014/main" id="{8D9CE0F4-2EB2-4F1F-8AAC-DB3571D9FE10}"/>
+              </a:ext>
+              <a:ext uri="{C183D7F6-B498-43B3-948B-1728B52AA6E4}">
+                <adec:decorative xmlns:adec="http://schemas.microsoft.com/office/drawing/2017/decorative" val="1"/>
+              </a:ext>
+            </a:extLst>
+          </p:cNvPr>
+          <p:cNvSpPr>
+            <a:spLocks noGrp="1" noRot="1" noChangeAspect="1" noMove="1" noResize="1" noEditPoints="1" noAdjustHandles="1" noChangeArrowheads="1" noChangeShapeType="1" noTextEdit="1"/>
+          </p:cNvSpPr>
+          <p:nvPr>
+            <p:extLst>
+              <p:ext uri="{386F3935-93C4-4BCD-93E2-E3B085C9AB24}">
+                <p16:designElem xmlns:p16="http://schemas.microsoft.com/office/powerpoint/2015/main" val="1"/>
+              </p:ext>
+            </p:extLst>
+          </p:nvPr>
+        </p:nvSpPr>
+        <p:spPr>
+          <a:xfrm>
+            <a:off x="411480" y="2285541"/>
+            <a:ext cx="4389120" cy="18288"/>
+          </a:xfrm>
+          <a:prstGeom prst="rect">
+            <a:avLst/>
+          </a:prstGeom>
+          <a:solidFill>
+            <a:srgbClr val="D5D5D5"/>
+          </a:solidFill>
+          <a:ln w="3175">
+            <a:noFill/>
+          </a:ln>
+          <a:effectLst/>
+        </p:spPr>
+        <p:style>
+          <a:lnRef idx="2">
+            <a:schemeClr val="accent1">
+              <a:shade val="50000"/>
+            </a:schemeClr>
+          </a:lnRef>
+          <a:fillRef idx="1">
+            <a:schemeClr val="accent1"/>
+          </a:fillRef>
+          <a:effectRef idx="0">
+            <a:schemeClr val="accent1"/>
+          </a:effectRef>
+          <a:fontRef idx="minor">
+            <a:schemeClr val="lt1"/>
+          </a:fontRef>
+        </p:style>
+        <p:txBody>
+          <a:bodyPr rtlCol="0" anchor="ctr"/>
+          <a:lstStyle/>
+          <a:p>
+            <a:pPr algn="ctr"/>
+            <a:endParaRPr lang="en-US">
+              <a:solidFill>
+                <a:prstClr val="white"/>
+              </a:solidFill>
+              <a:latin typeface="Calibri" panose="020F0502020204030204"/>
+            </a:endParaRPr>
+          </a:p>
+        </p:txBody>
+      </p:sp>
+      <p:sp>
+        <p:nvSpPr>
+          <p:cNvPr id="9" name="Content Placeholder 8">
+            <a:extLst>
+              <a:ext uri="{FF2B5EF4-FFF2-40B4-BE49-F238E27FC236}">
+                <a16:creationId xmlns:a16="http://schemas.microsoft.com/office/drawing/2014/main" id="{B502B99B-7BC1-C4FF-A7ED-DF9755C038DB}"/>
+              </a:ext>
+            </a:extLst>
+          </p:cNvPr>
+          <p:cNvSpPr>
+            <a:spLocks noGrp="1"/>
+          </p:cNvSpPr>
+          <p:nvPr>
+            <p:ph idx="1"/>
+          </p:nvPr>
+        </p:nvSpPr>
+        <p:spPr>
+          <a:xfrm>
+            <a:off x="411480" y="2684095"/>
+            <a:ext cx="4443154" cy="3492868"/>
+          </a:xfrm>
+        </p:spPr>
+        <p:txBody>
+          <a:bodyPr>
+            <a:normAutofit/>
+          </a:bodyPr>
+          <a:lstStyle/>
+          <a:p>
+            <a:pPr marL="0" indent="0">
+              <a:buNone/>
+            </a:pPr>
+            <a:r>
+              <a:rPr lang="it-IT" sz="1800" dirty="0"/>
+              <a:t>I dati su cui stiamo lavorando hanno una maggiore concentrazione di pazienti di sesso maschile.</a:t>
+            </a:r>
+          </a:p>
+          <a:p>
+            <a:pPr marL="0" indent="0">
+              <a:buNone/>
+            </a:pPr>
+            <a:r>
+              <a:rPr lang="it-IT" sz="1800" dirty="0"/>
+              <a:t>Le barre rappresentano la quantità di pazienti registrati. La curva sovrapposta indica la densità di distribuzione per ciascun sesso, evidenziando le tendenze nell'età dei pazienti.</a:t>
+            </a:r>
+            <a:endParaRPr lang="en-US" sz="1800" dirty="0"/>
+          </a:p>
+        </p:txBody>
+      </p:sp>
+      <p:pic>
+        <p:nvPicPr>
+          <p:cNvPr id="5" name="Segnaposto contenuto 4">
             <a:extLst>
               <a:ext uri="{FF2B5EF4-FFF2-40B4-BE49-F238E27FC236}">
                 <a16:creationId xmlns:a16="http://schemas.microsoft.com/office/drawing/2014/main" id="{CF07C890-7E87-C629-E99C-DA9D3E2FAF3B}"/>
@@ -3853,26 +7995,63 @@
               </a:ext>
             </a:extLst>
           </a:blip>
-          <a:stretch>
-            <a:fillRect/>
-          </a:stretch>
+          <a:srcRect/>
+          <a:stretch/>
         </p:blipFill>
         <p:spPr>
           <a:xfrm>
-            <a:off x="429768" y="1908227"/>
-            <a:ext cx="6702552" cy="4138825"/>
+            <a:off x="5386584" y="1412842"/>
+            <a:ext cx="6438888" cy="3976961"/>
           </a:xfrm>
           <a:prstGeom prst="rect">
             <a:avLst/>
           </a:prstGeom>
         </p:spPr>
       </p:pic>
+    </p:spTree>
+    <p:extLst>
+      <p:ext uri="{BB962C8B-B14F-4D97-AF65-F5344CB8AC3E}">
+        <p14:creationId xmlns:p14="http://schemas.microsoft.com/office/powerpoint/2010/main" val="1854441637"/>
+      </p:ext>
+    </p:extLst>
+  </p:cSld>
+  <p:clrMapOvr>
+    <a:masterClrMapping/>
+  </p:clrMapOvr>
+</p:sld>
+</file>
+
+<file path=ppt/slides/slide5.xml><?xml version="1.0" encoding="utf-8"?>
+<p:sld xmlns:a="http://schemas.openxmlformats.org/drawingml/2006/main" xmlns:r="http://schemas.openxmlformats.org/officeDocument/2006/relationships" xmlns:p="http://schemas.openxmlformats.org/presentationml/2006/main">
+  <p:cSld>
+    <p:bg>
+      <p:bgPr>
+        <a:solidFill>
+          <a:schemeClr val="bg1"/>
+        </a:solidFill>
+        <a:effectLst/>
+      </p:bgPr>
+    </p:bg>
+    <p:spTree>
+      <p:nvGrpSpPr>
+        <p:cNvPr id="1" name=""/>
+        <p:cNvGrpSpPr/>
+        <p:nvPr/>
+      </p:nvGrpSpPr>
+      <p:grpSpPr>
+        <a:xfrm>
+          <a:off x="0" y="0"/>
+          <a:ext cx="0" cy="0"/>
+          <a:chOff x="0" y="0"/>
+          <a:chExt cx="0" cy="0"/>
+        </a:xfrm>
+      </p:grpSpPr>
       <p:sp useBgFill="1">
         <p:nvSpPr>
-          <p:cNvPr id="23" name="Rectangle 22">
-            <a:extLst>
-              <a:ext uri="{FF2B5EF4-FFF2-40B4-BE49-F238E27FC236}">
-                <a16:creationId xmlns:a16="http://schemas.microsoft.com/office/drawing/2014/main" id="{E5BBB0F9-6A59-4D02-A9C7-A2D6516684CE}"/>
+          <p:cNvPr id="90" name="Rectangle 89">
+            <a:extLst>
+              <a:ext uri="{FF2B5EF4-FFF2-40B4-BE49-F238E27FC236}">
+                <a16:creationId xmlns:a16="http://schemas.microsoft.com/office/drawing/2014/main" id="{49B9E8A9-352D-4DCB-9485-C777000D4979}"/>
               </a:ext>
               <a:ext uri="{C183D7F6-B498-43B3-948B-1728B52AA6E4}">
                 <adec:decorative xmlns:adec="http://schemas.microsoft.com/office/drawing/2017/decorative" val="1"/>
@@ -3892,25 +8071,182 @@
         </p:nvSpPr>
         <p:spPr>
           <a:xfrm>
-            <a:off x="7543801" y="1721922"/>
-            <a:ext cx="4218432" cy="4520560"/>
+            <a:off x="0" y="0"/>
+            <a:ext cx="12192000" cy="6858000"/>
           </a:xfrm>
           <a:prstGeom prst="rect">
             <a:avLst/>
           </a:prstGeom>
-          <a:ln w="9525">
-            <a:solidFill>
-              <a:srgbClr val="DEDEDE"/>
-            </a:solidFill>
+          <a:ln>
+            <a:noFill/>
           </a:ln>
-          <a:effectLst>
-            <a:outerShdw blurRad="50800" dist="38100" dir="2700000" algn="tl" rotWithShape="0">
-              <a:schemeClr val="bg1">
-                <a:lumMod val="85000"/>
-                <a:alpha val="50000"/>
-              </a:schemeClr>
-            </a:outerShdw>
-          </a:effectLst>
+        </p:spPr>
+        <p:style>
+          <a:lnRef idx="2">
+            <a:schemeClr val="accent1">
+              <a:shade val="50000"/>
+            </a:schemeClr>
+          </a:lnRef>
+          <a:fillRef idx="1">
+            <a:schemeClr val="accent1"/>
+          </a:fillRef>
+          <a:effectRef idx="0">
+            <a:schemeClr val="accent1"/>
+          </a:effectRef>
+          <a:fontRef idx="minor">
+            <a:schemeClr val="lt1"/>
+          </a:fontRef>
+        </p:style>
+        <p:txBody>
+          <a:bodyPr rtlCol="0" anchor="ctr"/>
+          <a:lstStyle/>
+          <a:p>
+            <a:pPr algn="ctr"/>
+            <a:endParaRPr lang="en-US"/>
+          </a:p>
+        </p:txBody>
+      </p:sp>
+      <p:sp>
+        <p:nvSpPr>
+          <p:cNvPr id="2" name="Titolo 1">
+            <a:extLst>
+              <a:ext uri="{FF2B5EF4-FFF2-40B4-BE49-F238E27FC236}">
+                <a16:creationId xmlns:a16="http://schemas.microsoft.com/office/drawing/2014/main" id="{52C584AA-F9BE-7F44-B2F6-179FD7648235}"/>
+              </a:ext>
+            </a:extLst>
+          </p:cNvPr>
+          <p:cNvSpPr>
+            <a:spLocks noGrp="1"/>
+          </p:cNvSpPr>
+          <p:nvPr>
+            <p:ph type="title"/>
+          </p:nvPr>
+        </p:nvSpPr>
+        <p:spPr>
+          <a:xfrm>
+            <a:off x="612648" y="1078992"/>
+            <a:ext cx="6272784" cy="1536192"/>
+          </a:xfrm>
+        </p:spPr>
+        <p:txBody>
+          <a:bodyPr vert="horz" lIns="91440" tIns="45720" rIns="91440" bIns="45720" rtlCol="0" anchor="b">
+            <a:normAutofit/>
+          </a:bodyPr>
+          <a:lstStyle/>
+          <a:p>
+            <a:r>
+              <a:rPr lang="en-US" sz="4800"/>
+              <a:t>Analisi dello stadio della malattia nei pazienti</a:t>
+            </a:r>
+          </a:p>
+        </p:txBody>
+      </p:sp>
+      <p:sp>
+        <p:nvSpPr>
+          <p:cNvPr id="92" name="Rectangle 91">
+            <a:extLst>
+              <a:ext uri="{FF2B5EF4-FFF2-40B4-BE49-F238E27FC236}">
+                <a16:creationId xmlns:a16="http://schemas.microsoft.com/office/drawing/2014/main" id="{C2A9B0E5-C2C1-4B85-99A9-117A659D5FE0}"/>
+              </a:ext>
+              <a:ext uri="{C183D7F6-B498-43B3-948B-1728B52AA6E4}">
+                <adec:decorative xmlns:adec="http://schemas.microsoft.com/office/drawing/2017/decorative" val="1"/>
+              </a:ext>
+            </a:extLst>
+          </p:cNvPr>
+          <p:cNvSpPr>
+            <a:spLocks noGrp="1" noRot="1" noChangeAspect="1" noMove="1" noResize="1" noEditPoints="1" noAdjustHandles="1" noChangeArrowheads="1" noChangeShapeType="1" noTextEdit="1"/>
+          </p:cNvSpPr>
+          <p:nvPr>
+            <p:extLst>
+              <p:ext uri="{386F3935-93C4-4BCD-93E2-E3B085C9AB24}">
+                <p16:designElem xmlns:p16="http://schemas.microsoft.com/office/powerpoint/2015/main" val="1"/>
+              </p:ext>
+            </p:extLst>
+          </p:nvPr>
+        </p:nvSpPr>
+        <p:spPr>
+          <a:xfrm rot="5400000">
+            <a:off x="853202" y="363389"/>
+            <a:ext cx="73152" cy="548640"/>
+          </a:xfrm>
+          <a:prstGeom prst="rect">
+            <a:avLst/>
+          </a:prstGeom>
+          <a:solidFill>
+            <a:schemeClr val="accent2"/>
+          </a:solidFill>
+          <a:ln>
+            <a:noFill/>
+          </a:ln>
+        </p:spPr>
+        <p:style>
+          <a:lnRef idx="2">
+            <a:schemeClr val="accent1">
+              <a:shade val="50000"/>
+            </a:schemeClr>
+          </a:lnRef>
+          <a:fillRef idx="1">
+            <a:schemeClr val="accent1"/>
+          </a:fillRef>
+          <a:effectRef idx="0">
+            <a:schemeClr val="accent1"/>
+          </a:effectRef>
+          <a:fontRef idx="minor">
+            <a:schemeClr val="lt1"/>
+          </a:fontRef>
+        </p:style>
+        <p:txBody>
+          <a:bodyPr rtlCol="0" anchor="ctr"/>
+          <a:lstStyle/>
+          <a:p>
+            <a:pPr algn="ctr"/>
+            <a:endParaRPr lang="en-US">
+              <a:solidFill>
+                <a:prstClr val="white"/>
+              </a:solidFill>
+              <a:latin typeface="Calibri" panose="020F0502020204030204"/>
+            </a:endParaRPr>
+          </a:p>
+        </p:txBody>
+      </p:sp>
+      <p:sp>
+        <p:nvSpPr>
+          <p:cNvPr id="94" name="Rectangle 93">
+            <a:extLst>
+              <a:ext uri="{FF2B5EF4-FFF2-40B4-BE49-F238E27FC236}">
+                <a16:creationId xmlns:a16="http://schemas.microsoft.com/office/drawing/2014/main" id="{3A8AEACA-9535-4BE8-A91B-8BE82BA54751}"/>
+              </a:ext>
+              <a:ext uri="{C183D7F6-B498-43B3-948B-1728B52AA6E4}">
+                <adec:decorative xmlns:adec="http://schemas.microsoft.com/office/drawing/2017/decorative" val="1"/>
+              </a:ext>
+            </a:extLst>
+          </p:cNvPr>
+          <p:cNvSpPr>
+            <a:spLocks noGrp="1" noRot="1" noChangeAspect="1" noMove="1" noResize="1" noEditPoints="1" noAdjustHandles="1" noChangeArrowheads="1" noChangeShapeType="1" noTextEdit="1"/>
+          </p:cNvSpPr>
+          <p:nvPr>
+            <p:extLst>
+              <p:ext uri="{386F3935-93C4-4BCD-93E2-E3B085C9AB24}">
+                <p16:designElem xmlns:p16="http://schemas.microsoft.com/office/powerpoint/2015/main" val="1"/>
+              </p:ext>
+            </p:extLst>
+          </p:nvPr>
+        </p:nvSpPr>
+        <p:spPr>
+          <a:xfrm>
+            <a:off x="618506" y="2935541"/>
+            <a:ext cx="6217920" cy="18288"/>
+          </a:xfrm>
+          <a:prstGeom prst="rect">
+            <a:avLst/>
+          </a:prstGeom>
+          <a:solidFill>
+            <a:srgbClr val="D5D5D5"/>
+          </a:solidFill>
+          <a:ln w="3175">
+            <a:noFill/>
+          </a:ln>
+          <a:effectLst/>
         </p:spPr>
         <p:style>
           <a:lnRef idx="2">
@@ -3966,185 +8302,2010 @@
           </a:p>
         </p:txBody>
       </p:sp>
-      <p:sp>
-        <p:nvSpPr>
-          <p:cNvPr id="9" name="Content Placeholder 8">
-            <a:extLst>
-              <a:ext uri="{FF2B5EF4-FFF2-40B4-BE49-F238E27FC236}">
-                <a16:creationId xmlns:a16="http://schemas.microsoft.com/office/drawing/2014/main" id="{B502B99B-7BC1-C4FF-A7ED-DF9755C038DB}"/>
-              </a:ext>
-            </a:extLst>
-          </p:cNvPr>
-          <p:cNvSpPr>
-            <a:spLocks noGrp="1"/>
-          </p:cNvSpPr>
+      <p:pic>
+        <p:nvPicPr>
+          <p:cNvPr id="8" name="Segnaposto contenuto 7">
+            <a:extLst>
+              <a:ext uri="{FF2B5EF4-FFF2-40B4-BE49-F238E27FC236}">
+                <a16:creationId xmlns:a16="http://schemas.microsoft.com/office/drawing/2014/main" id="{56A0D698-1FBC-C403-D507-1321CD274024}"/>
+              </a:ext>
+            </a:extLst>
+          </p:cNvPr>
+          <p:cNvPicPr>
+            <a:picLocks noGrp="1" noChangeAspect="1"/>
+          </p:cNvPicPr>
           <p:nvPr>
             <p:ph idx="1"/>
           </p:nvPr>
-        </p:nvSpPr>
-        <p:spPr>
-          <a:xfrm>
-            <a:off x="7938752" y="2020824"/>
-            <a:ext cx="3455097" cy="3959352"/>
-          </a:xfrm>
-        </p:spPr>
-        <p:txBody>
-          <a:bodyPr anchor="ctr">
-            <a:normAutofit/>
+        </p:nvPicPr>
+        <p:blipFill>
+          <a:blip r:embed="rId2">
+            <a:extLst>
+              <a:ext uri="{28A0092B-C50C-407E-A947-70E740481C1C}">
+                <a14:useLocalDpi xmlns:a14="http://schemas.microsoft.com/office/drawing/2010/main" val="0"/>
+              </a:ext>
+            </a:extLst>
+          </a:blip>
+          <a:stretch/>
+        </p:blipFill>
+        <p:spPr>
+          <a:xfrm>
+            <a:off x="7717071" y="1567699"/>
+            <a:ext cx="3217651" cy="2968285"/>
+          </a:xfrm>
+          <a:prstGeom prst="rect">
+            <a:avLst/>
+          </a:prstGeom>
+        </p:spPr>
+      </p:pic>
+      <p:sp>
+        <p:nvSpPr>
+          <p:cNvPr id="11" name="CasellaDiTesto 10">
+            <a:extLst>
+              <a:ext uri="{FF2B5EF4-FFF2-40B4-BE49-F238E27FC236}">
+                <a16:creationId xmlns:a16="http://schemas.microsoft.com/office/drawing/2014/main" id="{E8E38E13-181D-AAB4-A8F9-DF2EDA720F42}"/>
+              </a:ext>
+            </a:extLst>
+          </p:cNvPr>
+          <p:cNvSpPr txBox="1"/>
+          <p:nvPr/>
+        </p:nvSpPr>
+        <p:spPr>
+          <a:xfrm>
+            <a:off x="6966155" y="4848915"/>
+            <a:ext cx="4719484" cy="595637"/>
+          </a:xfrm>
+          <a:prstGeom prst="rect">
+            <a:avLst/>
+          </a:prstGeom>
+        </p:spPr>
+        <p:txBody>
+          <a:bodyPr vert="horz" lIns="91440" tIns="45720" rIns="91440" bIns="45720" rtlCol="0">
+            <a:noAutofit/>
           </a:bodyPr>
           <a:lstStyle/>
           <a:p>
-            <a:r>
-              <a:rPr lang="en-US" sz="1800" dirty="0" err="1"/>
-              <a:t>Questo</a:t>
-            </a:r>
-            <a:r>
-              <a:rPr lang="en-US" sz="1800" dirty="0"/>
+            <a:pPr>
+              <a:lnSpc>
+                <a:spcPct val="90000"/>
+              </a:lnSpc>
+              <a:spcAft>
+                <a:spcPts val="600"/>
+              </a:spcAft>
+            </a:pPr>
+            <a:r>
+              <a:rPr lang="en-US" dirty="0" err="1"/>
+              <a:t>Considereremo</a:t>
+            </a:r>
+            <a:r>
+              <a:rPr lang="en-US" dirty="0"/>
               <a:t> </a:t>
             </a:r>
             <a:r>
-              <a:rPr lang="en-US" sz="1800" dirty="0" err="1"/>
-              <a:t>grafico</a:t>
-            </a:r>
-            <a:r>
-              <a:rPr lang="en-US" sz="1800" dirty="0"/>
+              <a:rPr lang="en-US" dirty="0" err="1"/>
+              <a:t>i</a:t>
+            </a:r>
+            <a:r>
+              <a:rPr lang="en-US" dirty="0"/>
               <a:t> </a:t>
             </a:r>
             <a:r>
-              <a:rPr lang="en-US" sz="1800" dirty="0" err="1"/>
-              <a:t>mostra</a:t>
-            </a:r>
-            <a:r>
-              <a:rPr lang="en-US" sz="1800" dirty="0"/>
-              <a:t> la </a:t>
-            </a:r>
-            <a:r>
-              <a:rPr lang="en-US" sz="1800" dirty="0" err="1"/>
-              <a:t>distribuzione</a:t>
-            </a:r>
-            <a:r>
-              <a:rPr lang="en-US" sz="1800" dirty="0"/>
+              <a:rPr lang="en-US" dirty="0" err="1"/>
+              <a:t>pazienti</a:t>
+            </a:r>
+            <a:r>
+              <a:rPr lang="en-US" dirty="0"/>
+              <a:t> con uno </a:t>
+            </a:r>
+            <a:r>
+              <a:rPr lang="en-US" dirty="0" err="1"/>
+              <a:t>stadio</a:t>
+            </a:r>
+            <a:r>
+              <a:rPr lang="en-US" dirty="0"/>
+              <a:t> di </a:t>
+            </a:r>
+            <a:r>
+              <a:rPr lang="en-US" dirty="0" err="1"/>
+              <a:t>malattia</a:t>
+            </a:r>
+            <a:r>
+              <a:rPr lang="en-US" dirty="0"/>
               <a:t> </a:t>
             </a:r>
             <a:r>
-              <a:rPr lang="en-US" sz="1800" dirty="0" err="1"/>
-              <a:t>delle</a:t>
-            </a:r>
-            <a:r>
-              <a:rPr lang="en-US" sz="1800" dirty="0"/>
-              <a:t> diverse </a:t>
-            </a:r>
-            <a:r>
-              <a:rPr lang="en-US" sz="1800" dirty="0" err="1"/>
-              <a:t>categorie</a:t>
-            </a:r>
-            <a:r>
-              <a:rPr lang="en-US" sz="1800" dirty="0"/>
-              <a:t> </a:t>
-            </a:r>
-            <a:r>
-              <a:rPr lang="en-US" sz="1800" dirty="0" err="1"/>
-              <a:t>della</a:t>
-            </a:r>
-            <a:r>
-              <a:rPr lang="en-US" sz="1800" dirty="0"/>
-              <a:t> </a:t>
-            </a:r>
-            <a:r>
-              <a:rPr lang="en-US" sz="1800" dirty="0" err="1"/>
-              <a:t>colonna</a:t>
-            </a:r>
-            <a:r>
-              <a:rPr lang="en-US" sz="1800" dirty="0"/>
-              <a:t> </a:t>
-            </a:r>
-            <a:r>
-              <a:rPr lang="en-US" sz="1800" dirty="0" err="1"/>
-              <a:t>relativa</a:t>
-            </a:r>
-            <a:r>
-              <a:rPr lang="en-US" sz="1800" dirty="0"/>
-              <a:t> al </a:t>
-            </a:r>
-            <a:r>
-              <a:rPr lang="en-US" sz="1800" dirty="0" err="1"/>
-              <a:t>tipo</a:t>
-            </a:r>
-            <a:r>
-              <a:rPr lang="en-US" sz="1800" dirty="0"/>
-              <a:t> di dolore </a:t>
-            </a:r>
-            <a:r>
-              <a:rPr lang="en-US" sz="1800" dirty="0" err="1"/>
-              <a:t>toracico</a:t>
-            </a:r>
-            <a:r>
-              <a:rPr lang="en-US" sz="1800" dirty="0"/>
-              <a:t>, </a:t>
-            </a:r>
-            <a:r>
-              <a:rPr lang="en-US" sz="1800" dirty="0" err="1"/>
-              <a:t>suddivisa</a:t>
-            </a:r>
-            <a:r>
-              <a:rPr lang="en-US" sz="1800" dirty="0"/>
-              <a:t> per </a:t>
-            </a:r>
-            <a:r>
-              <a:rPr lang="en-US" sz="1800" dirty="0" err="1"/>
-              <a:t>i</a:t>
-            </a:r>
-            <a:r>
-              <a:rPr lang="en-US" sz="1800" dirty="0"/>
-              <a:t> </a:t>
-            </a:r>
-            <a:r>
-              <a:rPr lang="en-US" sz="1800" dirty="0" err="1"/>
-              <a:t>diversi</a:t>
-            </a:r>
-            <a:r>
-              <a:rPr lang="en-US" sz="1800" dirty="0"/>
-              <a:t> </a:t>
-            </a:r>
-            <a:r>
-              <a:rPr lang="en-US" sz="1800" dirty="0" err="1"/>
-              <a:t>luoghi</a:t>
-            </a:r>
-            <a:r>
-              <a:rPr lang="en-US" sz="1800" dirty="0"/>
-              <a:t> di </a:t>
-            </a:r>
-            <a:r>
-              <a:rPr lang="en-US" sz="1800" dirty="0" err="1"/>
-              <a:t>provenienza</a:t>
-            </a:r>
-            <a:r>
-              <a:rPr lang="en-US" sz="1800" dirty="0"/>
-              <a:t> </a:t>
-            </a:r>
-            <a:r>
-              <a:rPr lang="en-US" sz="1800" dirty="0" err="1"/>
-              <a:t>dei</a:t>
-            </a:r>
-            <a:r>
-              <a:rPr lang="en-US" sz="1800" dirty="0"/>
-              <a:t> </a:t>
-            </a:r>
-            <a:r>
-              <a:rPr lang="en-US" sz="1800" dirty="0" err="1"/>
-              <a:t>dati</a:t>
-            </a:r>
-            <a:r>
-              <a:rPr lang="en-US" sz="1800" dirty="0"/>
+              <a:rPr lang="en-US" dirty="0" err="1"/>
+              <a:t>superiore</a:t>
+            </a:r>
+            <a:r>
+              <a:rPr lang="en-US" dirty="0"/>
+              <a:t> al 1 come </a:t>
+            </a:r>
+            <a:r>
+              <a:rPr lang="en-US" dirty="0" err="1"/>
+              <a:t>malati</a:t>
+            </a:r>
+            <a:r>
+              <a:rPr lang="en-US" dirty="0"/>
               <a:t>.</a:t>
             </a:r>
           </a:p>
-        </p:txBody>
-      </p:sp>
+          <a:p>
+            <a:pPr>
+              <a:lnSpc>
+                <a:spcPct val="90000"/>
+              </a:lnSpc>
+              <a:spcAft>
+                <a:spcPts val="600"/>
+              </a:spcAft>
+            </a:pPr>
+            <a:endParaRPr lang="en-US" dirty="0"/>
+          </a:p>
+          <a:p>
+            <a:pPr>
+              <a:lnSpc>
+                <a:spcPct val="90000"/>
+              </a:lnSpc>
+              <a:spcAft>
+                <a:spcPts val="600"/>
+              </a:spcAft>
+            </a:pPr>
+            <a:endParaRPr lang="en-US" dirty="0"/>
+          </a:p>
+        </p:txBody>
+      </p:sp>
+      <p:pic>
+        <p:nvPicPr>
+          <p:cNvPr id="5" name="Segnaposto contenuto 4">
+            <a:extLst>
+              <a:ext uri="{FF2B5EF4-FFF2-40B4-BE49-F238E27FC236}">
+                <a16:creationId xmlns:a16="http://schemas.microsoft.com/office/drawing/2014/main" id="{CF07C890-7E87-C629-E99C-DA9D3E2FAF3B}"/>
+              </a:ext>
+            </a:extLst>
+          </p:cNvPr>
+          <p:cNvPicPr>
+            <a:picLocks noChangeAspect="1"/>
+          </p:cNvPicPr>
+          <p:nvPr/>
+        </p:nvPicPr>
+        <p:blipFill rotWithShape="1">
+          <a:blip r:embed="rId3">
+            <a:extLst>
+              <a:ext uri="{28A0092B-C50C-407E-A947-70E740481C1C}">
+                <a14:useLocalDpi xmlns:a14="http://schemas.microsoft.com/office/drawing/2010/main" val="0"/>
+              </a:ext>
+            </a:extLst>
+          </a:blip>
+          <a:srcRect t="456" r="2" b="2"/>
+          <a:stretch/>
+        </p:blipFill>
+        <p:spPr>
+          <a:xfrm>
+            <a:off x="612648" y="3051842"/>
+            <a:ext cx="5847146" cy="3594146"/>
+          </a:xfrm>
+          <a:prstGeom prst="rect">
+            <a:avLst/>
+          </a:prstGeom>
+        </p:spPr>
+      </p:pic>
     </p:spTree>
     <p:extLst>
       <p:ext uri="{BB962C8B-B14F-4D97-AF65-F5344CB8AC3E}">
-        <p14:creationId xmlns:p14="http://schemas.microsoft.com/office/powerpoint/2010/main" val="1533434745"/>
+        <p14:creationId xmlns:p14="http://schemas.microsoft.com/office/powerpoint/2010/main" val="1386147775"/>
+      </p:ext>
+    </p:extLst>
+  </p:cSld>
+  <p:clrMapOvr>
+    <a:masterClrMapping/>
+  </p:clrMapOvr>
+</p:sld>
+</file>
+
+<file path=ppt/slides/slide6.xml><?xml version="1.0" encoding="utf-8"?>
+<p:sld xmlns:a="http://schemas.openxmlformats.org/drawingml/2006/main" xmlns:r="http://schemas.openxmlformats.org/officeDocument/2006/relationships" xmlns:p="http://schemas.openxmlformats.org/presentationml/2006/main">
+  <p:cSld>
+    <p:bg>
+      <p:bgPr>
+        <a:solidFill>
+          <a:schemeClr val="bg1"/>
+        </a:solidFill>
+        <a:effectLst/>
+      </p:bgPr>
+    </p:bg>
+    <p:spTree>
+      <p:nvGrpSpPr>
+        <p:cNvPr id="1" name=""/>
+        <p:cNvGrpSpPr/>
+        <p:nvPr/>
+      </p:nvGrpSpPr>
+      <p:grpSpPr>
+        <a:xfrm>
+          <a:off x="0" y="0"/>
+          <a:ext cx="0" cy="0"/>
+          <a:chOff x="0" y="0"/>
+          <a:chExt cx="0" cy="0"/>
+        </a:xfrm>
+      </p:grpSpPr>
+      <p:sp useBgFill="1">
+        <p:nvSpPr>
+          <p:cNvPr id="58" name="Rectangle 57">
+            <a:extLst>
+              <a:ext uri="{FF2B5EF4-FFF2-40B4-BE49-F238E27FC236}">
+                <a16:creationId xmlns:a16="http://schemas.microsoft.com/office/drawing/2014/main" id="{0B9EE3F3-89B7-43C3-8651-C4C96830993D}"/>
+              </a:ext>
+              <a:ext uri="{C183D7F6-B498-43B3-948B-1728B52AA6E4}">
+                <adec:decorative xmlns:adec="http://schemas.microsoft.com/office/drawing/2017/decorative" val="1"/>
+              </a:ext>
+            </a:extLst>
+          </p:cNvPr>
+          <p:cNvSpPr>
+            <a:spLocks noGrp="1" noRot="1" noChangeAspect="1" noMove="1" noResize="1" noEditPoints="1" noAdjustHandles="1" noChangeArrowheads="1" noChangeShapeType="1" noTextEdit="1"/>
+          </p:cNvSpPr>
+          <p:nvPr>
+            <p:extLst>
+              <p:ext uri="{386F3935-93C4-4BCD-93E2-E3B085C9AB24}">
+                <p16:designElem xmlns:p16="http://schemas.microsoft.com/office/powerpoint/2015/main" val="1"/>
+              </p:ext>
+            </p:extLst>
+          </p:nvPr>
+        </p:nvSpPr>
+        <p:spPr>
+          <a:xfrm>
+            <a:off x="0" y="0"/>
+            <a:ext cx="12192000" cy="6858000"/>
+          </a:xfrm>
+          <a:prstGeom prst="rect">
+            <a:avLst/>
+          </a:prstGeom>
+          <a:ln>
+            <a:noFill/>
+          </a:ln>
+        </p:spPr>
+        <p:style>
+          <a:lnRef idx="2">
+            <a:schemeClr val="accent1">
+              <a:shade val="50000"/>
+            </a:schemeClr>
+          </a:lnRef>
+          <a:fillRef idx="1">
+            <a:schemeClr val="accent1"/>
+          </a:fillRef>
+          <a:effectRef idx="0">
+            <a:schemeClr val="accent1"/>
+          </a:effectRef>
+          <a:fontRef idx="minor">
+            <a:schemeClr val="lt1"/>
+          </a:fontRef>
+        </p:style>
+        <p:txBody>
+          <a:bodyPr rtlCol="0" anchor="ctr"/>
+          <a:lstStyle/>
+          <a:p>
+            <a:pPr algn="ctr"/>
+            <a:endParaRPr lang="en-US"/>
+          </a:p>
+        </p:txBody>
+      </p:sp>
+      <p:sp>
+        <p:nvSpPr>
+          <p:cNvPr id="2" name="Titolo 1">
+            <a:extLst>
+              <a:ext uri="{FF2B5EF4-FFF2-40B4-BE49-F238E27FC236}">
+                <a16:creationId xmlns:a16="http://schemas.microsoft.com/office/drawing/2014/main" id="{52C584AA-F9BE-7F44-B2F6-179FD7648235}"/>
+              </a:ext>
+            </a:extLst>
+          </p:cNvPr>
+          <p:cNvSpPr>
+            <a:spLocks noGrp="1"/>
+          </p:cNvSpPr>
+          <p:nvPr>
+            <p:ph type="title"/>
+          </p:nvPr>
+        </p:nvSpPr>
+        <p:spPr>
+          <a:xfrm>
+            <a:off x="411480" y="991443"/>
+            <a:ext cx="4443154" cy="1087819"/>
+          </a:xfrm>
+        </p:spPr>
+        <p:txBody>
+          <a:bodyPr anchor="b">
+            <a:noAutofit/>
+          </a:bodyPr>
+          <a:lstStyle/>
+          <a:p>
+            <a:r>
+              <a:rPr lang="it-IT" sz="2800" dirty="0"/>
+              <a:t>Distribuzione dei pazienti per età e stato di salute</a:t>
+            </a:r>
+          </a:p>
+        </p:txBody>
+      </p:sp>
+      <p:sp>
+        <p:nvSpPr>
+          <p:cNvPr id="60" name="Rectangle 59">
+            <a:extLst>
+              <a:ext uri="{FF2B5EF4-FFF2-40B4-BE49-F238E27FC236}">
+                <a16:creationId xmlns:a16="http://schemas.microsoft.com/office/drawing/2014/main" id="{33AE4636-AEEC-45D6-84D4-7AC2DA48ECF8}"/>
+              </a:ext>
+              <a:ext uri="{C183D7F6-B498-43B3-948B-1728B52AA6E4}">
+                <adec:decorative xmlns:adec="http://schemas.microsoft.com/office/drawing/2017/decorative" val="1"/>
+              </a:ext>
+            </a:extLst>
+          </p:cNvPr>
+          <p:cNvSpPr>
+            <a:spLocks noGrp="1" noRot="1" noChangeAspect="1" noMove="1" noResize="1" noEditPoints="1" noAdjustHandles="1" noChangeArrowheads="1" noChangeShapeType="1" noTextEdit="1"/>
+          </p:cNvSpPr>
+          <p:nvPr>
+            <p:extLst>
+              <p:ext uri="{386F3935-93C4-4BCD-93E2-E3B085C9AB24}">
+                <p16:designElem xmlns:p16="http://schemas.microsoft.com/office/powerpoint/2015/main" val="1"/>
+              </p:ext>
+            </p:extLst>
+          </p:nvPr>
+        </p:nvSpPr>
+        <p:spPr>
+          <a:xfrm rot="5400000">
+            <a:off x="649223" y="387939"/>
+            <a:ext cx="73152" cy="548640"/>
+          </a:xfrm>
+          <a:prstGeom prst="rect">
+            <a:avLst/>
+          </a:prstGeom>
+          <a:solidFill>
+            <a:schemeClr val="accent2"/>
+          </a:solidFill>
+          <a:ln>
+            <a:noFill/>
+          </a:ln>
+        </p:spPr>
+        <p:style>
+          <a:lnRef idx="2">
+            <a:schemeClr val="accent1">
+              <a:shade val="50000"/>
+            </a:schemeClr>
+          </a:lnRef>
+          <a:fillRef idx="1">
+            <a:schemeClr val="accent1"/>
+          </a:fillRef>
+          <a:effectRef idx="0">
+            <a:schemeClr val="accent1"/>
+          </a:effectRef>
+          <a:fontRef idx="minor">
+            <a:schemeClr val="lt1"/>
+          </a:fontRef>
+        </p:style>
+        <p:txBody>
+          <a:bodyPr rtlCol="0" anchor="ctr"/>
+          <a:lstStyle/>
+          <a:p>
+            <a:pPr algn="ctr"/>
+            <a:endParaRPr lang="en-US">
+              <a:solidFill>
+                <a:prstClr val="white"/>
+              </a:solidFill>
+              <a:latin typeface="Calibri" panose="020F0502020204030204"/>
+            </a:endParaRPr>
+          </a:p>
+        </p:txBody>
+      </p:sp>
+      <p:sp>
+        <p:nvSpPr>
+          <p:cNvPr id="62" name="Rectangle 61">
+            <a:extLst>
+              <a:ext uri="{FF2B5EF4-FFF2-40B4-BE49-F238E27FC236}">
+                <a16:creationId xmlns:a16="http://schemas.microsoft.com/office/drawing/2014/main" id="{8D9CE0F4-2EB2-4F1F-8AAC-DB3571D9FE10}"/>
+              </a:ext>
+              <a:ext uri="{C183D7F6-B498-43B3-948B-1728B52AA6E4}">
+                <adec:decorative xmlns:adec="http://schemas.microsoft.com/office/drawing/2017/decorative" val="1"/>
+              </a:ext>
+            </a:extLst>
+          </p:cNvPr>
+          <p:cNvSpPr>
+            <a:spLocks noGrp="1" noRot="1" noChangeAspect="1" noMove="1" noResize="1" noEditPoints="1" noAdjustHandles="1" noChangeArrowheads="1" noChangeShapeType="1" noTextEdit="1"/>
+          </p:cNvSpPr>
+          <p:nvPr>
+            <p:extLst>
+              <p:ext uri="{386F3935-93C4-4BCD-93E2-E3B085C9AB24}">
+                <p16:designElem xmlns:p16="http://schemas.microsoft.com/office/powerpoint/2015/main" val="1"/>
+              </p:ext>
+            </p:extLst>
+          </p:nvPr>
+        </p:nvSpPr>
+        <p:spPr>
+          <a:xfrm>
+            <a:off x="411480" y="2285541"/>
+            <a:ext cx="4389120" cy="18288"/>
+          </a:xfrm>
+          <a:prstGeom prst="rect">
+            <a:avLst/>
+          </a:prstGeom>
+          <a:solidFill>
+            <a:srgbClr val="D5D5D5"/>
+          </a:solidFill>
+          <a:ln w="3175">
+            <a:noFill/>
+          </a:ln>
+          <a:effectLst/>
+        </p:spPr>
+        <p:style>
+          <a:lnRef idx="2">
+            <a:schemeClr val="accent1">
+              <a:shade val="50000"/>
+            </a:schemeClr>
+          </a:lnRef>
+          <a:fillRef idx="1">
+            <a:schemeClr val="accent1"/>
+          </a:fillRef>
+          <a:effectRef idx="0">
+            <a:schemeClr val="accent1"/>
+          </a:effectRef>
+          <a:fontRef idx="minor">
+            <a:schemeClr val="lt1"/>
+          </a:fontRef>
+        </p:style>
+        <p:txBody>
+          <a:bodyPr rtlCol="0" anchor="ctr"/>
+          <a:lstStyle/>
+          <a:p>
+            <a:pPr algn="ctr"/>
+            <a:endParaRPr lang="en-US">
+              <a:solidFill>
+                <a:prstClr val="white"/>
+              </a:solidFill>
+              <a:latin typeface="Calibri" panose="020F0502020204030204"/>
+            </a:endParaRPr>
+          </a:p>
+        </p:txBody>
+      </p:sp>
+      <p:sp>
+        <p:nvSpPr>
+          <p:cNvPr id="9" name="Content Placeholder 8">
+            <a:extLst>
+              <a:ext uri="{FF2B5EF4-FFF2-40B4-BE49-F238E27FC236}">
+                <a16:creationId xmlns:a16="http://schemas.microsoft.com/office/drawing/2014/main" id="{B502B99B-7BC1-C4FF-A7ED-DF9755C038DB}"/>
+              </a:ext>
+            </a:extLst>
+          </p:cNvPr>
+          <p:cNvSpPr>
+            <a:spLocks noGrp="1"/>
+          </p:cNvSpPr>
+          <p:nvPr>
+            <p:ph idx="1"/>
+          </p:nvPr>
+        </p:nvSpPr>
+        <p:spPr>
+          <a:xfrm>
+            <a:off x="411480" y="2684095"/>
+            <a:ext cx="4443154" cy="3492868"/>
+          </a:xfrm>
+        </p:spPr>
+        <p:txBody>
+          <a:bodyPr>
+            <a:normAutofit/>
+          </a:bodyPr>
+          <a:lstStyle/>
+          <a:p>
+            <a:pPr marL="0" indent="0">
+              <a:buNone/>
+            </a:pPr>
+            <a:r>
+              <a:rPr lang="it-IT" sz="1800" dirty="0"/>
+              <a:t>Il grafico evidenzia come con l’aumentare dell’età il numero di pazienti malati sia maggiore dei pazienti sani, mostrando le fragilità delle persone anziane verso le malattie cardiache.</a:t>
+            </a:r>
+            <a:endParaRPr lang="en-US" sz="1800" dirty="0"/>
+          </a:p>
+        </p:txBody>
+      </p:sp>
+      <p:pic>
+        <p:nvPicPr>
+          <p:cNvPr id="5" name="Segnaposto contenuto 4">
+            <a:extLst>
+              <a:ext uri="{FF2B5EF4-FFF2-40B4-BE49-F238E27FC236}">
+                <a16:creationId xmlns:a16="http://schemas.microsoft.com/office/drawing/2014/main" id="{CF07C890-7E87-C629-E99C-DA9D3E2FAF3B}"/>
+              </a:ext>
+            </a:extLst>
+          </p:cNvPr>
+          <p:cNvPicPr>
+            <a:picLocks noChangeAspect="1"/>
+          </p:cNvPicPr>
+          <p:nvPr/>
+        </p:nvPicPr>
+        <p:blipFill>
+          <a:blip r:embed="rId2">
+            <a:extLst>
+              <a:ext uri="{28A0092B-C50C-407E-A947-70E740481C1C}">
+                <a14:useLocalDpi xmlns:a14="http://schemas.microsoft.com/office/drawing/2010/main" val="0"/>
+              </a:ext>
+            </a:extLst>
+          </a:blip>
+          <a:srcRect/>
+          <a:stretch/>
+        </p:blipFill>
+        <p:spPr>
+          <a:xfrm>
+            <a:off x="5386584" y="1412842"/>
+            <a:ext cx="6438888" cy="3976960"/>
+          </a:xfrm>
+          <a:prstGeom prst="rect">
+            <a:avLst/>
+          </a:prstGeom>
+        </p:spPr>
+      </p:pic>
+    </p:spTree>
+    <p:extLst>
+      <p:ext uri="{BB962C8B-B14F-4D97-AF65-F5344CB8AC3E}">
+        <p14:creationId xmlns:p14="http://schemas.microsoft.com/office/powerpoint/2010/main" val="3606958772"/>
+      </p:ext>
+    </p:extLst>
+  </p:cSld>
+  <p:clrMapOvr>
+    <a:masterClrMapping/>
+  </p:clrMapOvr>
+</p:sld>
+</file>
+
+<file path=ppt/slides/slide7.xml><?xml version="1.0" encoding="utf-8"?>
+<p:sld xmlns:a="http://schemas.openxmlformats.org/drawingml/2006/main" xmlns:r="http://schemas.openxmlformats.org/officeDocument/2006/relationships" xmlns:p="http://schemas.openxmlformats.org/presentationml/2006/main">
+  <p:cSld>
+    <p:bg>
+      <p:bgPr>
+        <a:solidFill>
+          <a:schemeClr val="bg1"/>
+        </a:solidFill>
+        <a:effectLst/>
+      </p:bgPr>
+    </p:bg>
+    <p:spTree>
+      <p:nvGrpSpPr>
+        <p:cNvPr id="1" name=""/>
+        <p:cNvGrpSpPr/>
+        <p:nvPr/>
+      </p:nvGrpSpPr>
+      <p:grpSpPr>
+        <a:xfrm>
+          <a:off x="0" y="0"/>
+          <a:ext cx="0" cy="0"/>
+          <a:chOff x="0" y="0"/>
+          <a:chExt cx="0" cy="0"/>
+        </a:xfrm>
+      </p:grpSpPr>
+      <p:sp>
+        <p:nvSpPr>
+          <p:cNvPr id="53" name="Rectangle 48">
+            <a:extLst>
+              <a:ext uri="{FF2B5EF4-FFF2-40B4-BE49-F238E27FC236}">
+                <a16:creationId xmlns:a16="http://schemas.microsoft.com/office/drawing/2014/main" id="{8CA06CD6-90CA-4C45-856C-6771339E1E22}"/>
+              </a:ext>
+              <a:ext uri="{C183D7F6-B498-43B3-948B-1728B52AA6E4}">
+                <adec:decorative xmlns:adec="http://schemas.microsoft.com/office/drawing/2017/decorative" val="1"/>
+              </a:ext>
+            </a:extLst>
+          </p:cNvPr>
+          <p:cNvSpPr>
+            <a:spLocks noGrp="1" noRot="1" noChangeAspect="1" noMove="1" noResize="1" noEditPoints="1" noAdjustHandles="1" noChangeArrowheads="1" noChangeShapeType="1" noTextEdit="1"/>
+          </p:cNvSpPr>
+          <p:nvPr>
+            <p:extLst>
+              <p:ext uri="{386F3935-93C4-4BCD-93E2-E3B085C9AB24}">
+                <p16:designElem xmlns:p16="http://schemas.microsoft.com/office/powerpoint/2015/main" val="1"/>
+              </p:ext>
+            </p:extLst>
+          </p:nvPr>
+        </p:nvSpPr>
+        <p:spPr bwMode="ltGray">
+          <a:xfrm>
+            <a:off x="321564" y="320040"/>
+            <a:ext cx="11548872" cy="6217920"/>
+          </a:xfrm>
+          <a:prstGeom prst="rect">
+            <a:avLst/>
+          </a:prstGeom>
+          <a:solidFill>
+            <a:schemeClr val="tx1">
+              <a:alpha val="10000"/>
+            </a:schemeClr>
+          </a:solidFill>
+          <a:ln w="127000" cap="sq" cmpd="thinThick">
+            <a:noFill/>
+          </a:ln>
+        </p:spPr>
+        <p:style>
+          <a:lnRef idx="2">
+            <a:schemeClr val="accent1">
+              <a:shade val="50000"/>
+            </a:schemeClr>
+          </a:lnRef>
+          <a:fillRef idx="1">
+            <a:schemeClr val="accent1"/>
+          </a:fillRef>
+          <a:effectRef idx="0">
+            <a:schemeClr val="accent1"/>
+          </a:effectRef>
+          <a:fontRef idx="minor">
+            <a:schemeClr val="lt1"/>
+          </a:fontRef>
+        </p:style>
+        <p:txBody>
+          <a:bodyPr rtlCol="0" anchor="ctr"/>
+          <a:lstStyle/>
+          <a:p>
+            <a:pPr algn="ctr"/>
+            <a:endParaRPr lang="en-US"/>
+          </a:p>
+        </p:txBody>
+      </p:sp>
+      <p:sp>
+        <p:nvSpPr>
+          <p:cNvPr id="2" name="Titolo 1">
+            <a:extLst>
+              <a:ext uri="{FF2B5EF4-FFF2-40B4-BE49-F238E27FC236}">
+                <a16:creationId xmlns:a16="http://schemas.microsoft.com/office/drawing/2014/main" id="{C3C9E7F5-A350-8F01-29C8-A7E0B3BFF22D}"/>
+              </a:ext>
+            </a:extLst>
+          </p:cNvPr>
+          <p:cNvSpPr>
+            <a:spLocks noGrp="1"/>
+          </p:cNvSpPr>
+          <p:nvPr>
+            <p:ph type="ctrTitle"/>
+          </p:nvPr>
+        </p:nvSpPr>
+        <p:spPr>
+          <a:xfrm>
+            <a:off x="838200" y="963507"/>
+            <a:ext cx="3494362" cy="4930986"/>
+          </a:xfrm>
+        </p:spPr>
+        <p:txBody>
+          <a:bodyPr vert="horz" lIns="91440" tIns="45720" rIns="91440" bIns="45720" rtlCol="0" anchor="ctr">
+            <a:normAutofit/>
+          </a:bodyPr>
+          <a:lstStyle/>
+          <a:p>
+            <a:pPr algn="r"/>
+            <a:r>
+              <a:rPr lang="en-US" sz="4400" kern="1200" dirty="0">
+                <a:solidFill>
+                  <a:srgbClr val="FE6100"/>
+                </a:solidFill>
+                <a:latin typeface="+mj-lt"/>
+                <a:ea typeface="+mj-ea"/>
+                <a:cs typeface="+mj-cs"/>
+              </a:rPr>
+              <a:t>Tipologie di dolori al petto</a:t>
+            </a:r>
+          </a:p>
+        </p:txBody>
+      </p:sp>
+      <p:cxnSp>
+        <p:nvCxnSpPr>
+          <p:cNvPr id="54" name="Straight Connector 50">
+            <a:extLst>
+              <a:ext uri="{FF2B5EF4-FFF2-40B4-BE49-F238E27FC236}">
+                <a16:creationId xmlns:a16="http://schemas.microsoft.com/office/drawing/2014/main" id="{5021601D-2758-4B15-A31C-FDA184C51B3A}"/>
+              </a:ext>
+              <a:ext uri="{C183D7F6-B498-43B3-948B-1728B52AA6E4}">
+                <adec:decorative xmlns:adec="http://schemas.microsoft.com/office/drawing/2017/decorative" val="1"/>
+              </a:ext>
+            </a:extLst>
+          </p:cNvPr>
+          <p:cNvCxnSpPr>
+            <a:cxnSpLocks noGrp="1" noRot="1" noChangeAspect="1" noMove="1" noResize="1" noEditPoints="1" noAdjustHandles="1" noChangeArrowheads="1" noChangeShapeType="1"/>
+          </p:cNvCxnSpPr>
+          <p:nvPr>
+            <p:extLst>
+              <p:ext uri="{386F3935-93C4-4BCD-93E2-E3B085C9AB24}">
+                <p16:designElem xmlns:p16="http://schemas.microsoft.com/office/powerpoint/2015/main" val="1"/>
+              </p:ext>
+            </p:extLst>
+          </p:nvPr>
+        </p:nvCxnSpPr>
+        <p:spPr>
+          <a:xfrm>
+            <a:off x="4654296" y="2057400"/>
+            <a:ext cx="0" cy="2743200"/>
+          </a:xfrm>
+          <a:prstGeom prst="line">
+            <a:avLst/>
+          </a:prstGeom>
+          <a:ln w="19050">
+            <a:solidFill>
+              <a:schemeClr val="tx1">
+                <a:lumMod val="85000"/>
+                <a:lumOff val="15000"/>
+              </a:schemeClr>
+            </a:solidFill>
+          </a:ln>
+        </p:spPr>
+        <p:style>
+          <a:lnRef idx="1">
+            <a:schemeClr val="accent1"/>
+          </a:lnRef>
+          <a:fillRef idx="0">
+            <a:schemeClr val="accent1"/>
+          </a:fillRef>
+          <a:effectRef idx="0">
+            <a:schemeClr val="accent1"/>
+          </a:effectRef>
+          <a:fontRef idx="minor">
+            <a:schemeClr val="tx1"/>
+          </a:fontRef>
+        </p:style>
+      </p:cxnSp>
+      <p:sp>
+        <p:nvSpPr>
+          <p:cNvPr id="3" name="Sottotitolo 2">
+            <a:extLst>
+              <a:ext uri="{FF2B5EF4-FFF2-40B4-BE49-F238E27FC236}">
+                <a16:creationId xmlns:a16="http://schemas.microsoft.com/office/drawing/2014/main" id="{0784EA84-60DC-72F3-74CD-BA47A5016BB4}"/>
+              </a:ext>
+            </a:extLst>
+          </p:cNvPr>
+          <p:cNvSpPr>
+            <a:spLocks noGrp="1"/>
+          </p:cNvSpPr>
+          <p:nvPr>
+            <p:ph type="subTitle" idx="1"/>
+          </p:nvPr>
+        </p:nvSpPr>
+        <p:spPr>
+          <a:xfrm>
+            <a:off x="4976030" y="963507"/>
+            <a:ext cx="6250940" cy="2304627"/>
+          </a:xfrm>
+        </p:spPr>
+        <p:txBody>
+          <a:bodyPr vert="horz" lIns="91440" tIns="45720" rIns="91440" bIns="45720" rtlCol="0" anchor="b">
+            <a:normAutofit/>
+          </a:bodyPr>
+          <a:lstStyle/>
+          <a:p>
+            <a:pPr algn="l"/>
+            <a:r>
+              <a:rPr lang="it-IT" sz="1400" b="1"/>
+              <a:t>Typical Angina (Angina Tipica ) </a:t>
+            </a:r>
+            <a:r>
+              <a:rPr lang="it-IT" sz="1400"/>
+              <a:t>è un tipo di dolore al petto che si manifesta durante l'attività fisica o lo stress. È spesso descritto come una sensazione di pressione, peso o costrizione. Solitamente causata da una riduzione temporanea del flusso sanguigno al cuore, spesso dovuta a malattia coronarica.</a:t>
+            </a:r>
+          </a:p>
+          <a:p>
+            <a:pPr algn="l"/>
+            <a:endParaRPr lang="en-US" sz="1400"/>
+          </a:p>
+          <a:p>
+            <a:pPr algn="l"/>
+            <a:r>
+              <a:rPr lang="it-IT" sz="1400" b="1"/>
+              <a:t>Atypical Angina (Angina Atipica)</a:t>
+            </a:r>
+            <a:r>
+              <a:rPr lang="it-IT" sz="1400"/>
+              <a:t> è un tipo di dolore al petto atipico che può insorgere a riposo. Dolore che può essere meno specifico e meno prevedibile. Può essere causata da vari fattori, inclusa una riduzione del flusso sanguigno al cuore o altre condizioni cardiache o non cardiache.</a:t>
+            </a:r>
+            <a:endParaRPr lang="it-IT" sz="1400" dirty="0"/>
+          </a:p>
+        </p:txBody>
+      </p:sp>
+      <p:sp>
+        <p:nvSpPr>
+          <p:cNvPr id="5" name="CasellaDiTesto 4">
+            <a:extLst>
+              <a:ext uri="{FF2B5EF4-FFF2-40B4-BE49-F238E27FC236}">
+                <a16:creationId xmlns:a16="http://schemas.microsoft.com/office/drawing/2014/main" id="{5B155095-35C7-2FA4-1F80-E90532D907C6}"/>
+              </a:ext>
+            </a:extLst>
+          </p:cNvPr>
+          <p:cNvSpPr txBox="1"/>
+          <p:nvPr/>
+        </p:nvSpPr>
+        <p:spPr>
+          <a:xfrm>
+            <a:off x="4976030" y="3589866"/>
+            <a:ext cx="6250940" cy="2304628"/>
+          </a:xfrm>
+          <a:prstGeom prst="rect">
+            <a:avLst/>
+          </a:prstGeom>
+        </p:spPr>
+        <p:txBody>
+          <a:bodyPr vert="horz" lIns="91440" tIns="45720" rIns="91440" bIns="45720" rtlCol="0">
+            <a:normAutofit/>
+          </a:bodyPr>
+          <a:lstStyle/>
+          <a:p>
+            <a:pPr>
+              <a:lnSpc>
+                <a:spcPct val="90000"/>
+              </a:lnSpc>
+              <a:spcAft>
+                <a:spcPts val="600"/>
+              </a:spcAft>
+            </a:pPr>
+            <a:r>
+              <a:rPr lang="it-IT" sz="1400" b="1"/>
+              <a:t>Non-Anginal Pain (Dolore Non-anginoso) </a:t>
+            </a:r>
+            <a:r>
+              <a:rPr lang="it-IT" sz="1400"/>
+              <a:t>è un dolore al petto che non è correlato a una riduzione del flusso sanguigno al cuore. È generalmente dovuto a cause non cardiache. Dolore che può essere acuto, lancinante o costante, localizzato in qualsiasi parte del torace. Spesso causato da problemi non cardiaci come disturbi muscoloscheletrici, problemi gastrointestinali, infezioni polmonari o ansia.</a:t>
+            </a:r>
+          </a:p>
+          <a:p>
+            <a:pPr>
+              <a:lnSpc>
+                <a:spcPct val="90000"/>
+              </a:lnSpc>
+              <a:spcAft>
+                <a:spcPts val="600"/>
+              </a:spcAft>
+            </a:pPr>
+            <a:endParaRPr lang="en-US" sz="1400"/>
+          </a:p>
+          <a:p>
+            <a:pPr>
+              <a:lnSpc>
+                <a:spcPct val="90000"/>
+              </a:lnSpc>
+              <a:spcAft>
+                <a:spcPts val="600"/>
+              </a:spcAft>
+            </a:pPr>
+            <a:r>
+              <a:rPr lang="it-IT" sz="1400" b="1"/>
+              <a:t>Asymptomatic (Asintomatico)</a:t>
+            </a:r>
+            <a:r>
+              <a:rPr lang="it-IT" sz="1400"/>
+              <a:t> è una condizione in cui una persona non avverte dolore al petto o altri sintomi, nonostante possa avere malattie cardiache sottostanti. Assenza di dolore o altri sintomi cardiaci.</a:t>
+            </a:r>
+            <a:endParaRPr lang="it-IT" sz="1400" dirty="0"/>
+          </a:p>
+        </p:txBody>
+      </p:sp>
+    </p:spTree>
+    <p:extLst>
+      <p:ext uri="{BB962C8B-B14F-4D97-AF65-F5344CB8AC3E}">
+        <p14:creationId xmlns:p14="http://schemas.microsoft.com/office/powerpoint/2010/main" val="3393030664"/>
+      </p:ext>
+    </p:extLst>
+  </p:cSld>
+  <p:clrMapOvr>
+    <a:masterClrMapping/>
+  </p:clrMapOvr>
+</p:sld>
+</file>
+
+<file path=ppt/slides/slide8.xml><?xml version="1.0" encoding="utf-8"?>
+<p:sld xmlns:a="http://schemas.openxmlformats.org/drawingml/2006/main" xmlns:r="http://schemas.openxmlformats.org/officeDocument/2006/relationships" xmlns:p="http://schemas.openxmlformats.org/presentationml/2006/main">
+  <p:cSld>
+    <p:bg>
+      <p:bgPr>
+        <a:solidFill>
+          <a:schemeClr val="bg1"/>
+        </a:solidFill>
+        <a:effectLst/>
+      </p:bgPr>
+    </p:bg>
+    <p:spTree>
+      <p:nvGrpSpPr>
+        <p:cNvPr id="1" name=""/>
+        <p:cNvGrpSpPr/>
+        <p:nvPr/>
+      </p:nvGrpSpPr>
+      <p:grpSpPr>
+        <a:xfrm>
+          <a:off x="0" y="0"/>
+          <a:ext cx="0" cy="0"/>
+          <a:chOff x="0" y="0"/>
+          <a:chExt cx="0" cy="0"/>
+        </a:xfrm>
+      </p:grpSpPr>
+      <p:sp useBgFill="1">
+        <p:nvSpPr>
+          <p:cNvPr id="49" name="Rectangle 48">
+            <a:extLst>
+              <a:ext uri="{FF2B5EF4-FFF2-40B4-BE49-F238E27FC236}">
+                <a16:creationId xmlns:a16="http://schemas.microsoft.com/office/drawing/2014/main" id="{0B9EE3F3-89B7-43C3-8651-C4C96830993D}"/>
+              </a:ext>
+              <a:ext uri="{C183D7F6-B498-43B3-948B-1728B52AA6E4}">
+                <adec:decorative xmlns:adec="http://schemas.microsoft.com/office/drawing/2017/decorative" val="1"/>
+              </a:ext>
+            </a:extLst>
+          </p:cNvPr>
+          <p:cNvSpPr>
+            <a:spLocks noGrp="1" noRot="1" noChangeAspect="1" noMove="1" noResize="1" noEditPoints="1" noAdjustHandles="1" noChangeArrowheads="1" noChangeShapeType="1" noTextEdit="1"/>
+          </p:cNvSpPr>
+          <p:nvPr>
+            <p:extLst>
+              <p:ext uri="{386F3935-93C4-4BCD-93E2-E3B085C9AB24}">
+                <p16:designElem xmlns:p16="http://schemas.microsoft.com/office/powerpoint/2015/main" val="1"/>
+              </p:ext>
+            </p:extLst>
+          </p:nvPr>
+        </p:nvSpPr>
+        <p:spPr>
+          <a:xfrm>
+            <a:off x="0" y="0"/>
+            <a:ext cx="12192000" cy="6858000"/>
+          </a:xfrm>
+          <a:prstGeom prst="rect">
+            <a:avLst/>
+          </a:prstGeom>
+          <a:ln>
+            <a:noFill/>
+          </a:ln>
+        </p:spPr>
+        <p:style>
+          <a:lnRef idx="2">
+            <a:schemeClr val="accent1">
+              <a:shade val="50000"/>
+            </a:schemeClr>
+          </a:lnRef>
+          <a:fillRef idx="1">
+            <a:schemeClr val="accent1"/>
+          </a:fillRef>
+          <a:effectRef idx="0">
+            <a:schemeClr val="accent1"/>
+          </a:effectRef>
+          <a:fontRef idx="minor">
+            <a:schemeClr val="lt1"/>
+          </a:fontRef>
+        </p:style>
+        <p:txBody>
+          <a:bodyPr rtlCol="0" anchor="ctr"/>
+          <a:lstStyle/>
+          <a:p>
+            <a:pPr algn="ctr"/>
+            <a:endParaRPr lang="en-US"/>
+          </a:p>
+        </p:txBody>
+      </p:sp>
+      <p:sp>
+        <p:nvSpPr>
+          <p:cNvPr id="2" name="Titolo 1">
+            <a:extLst>
+              <a:ext uri="{FF2B5EF4-FFF2-40B4-BE49-F238E27FC236}">
+                <a16:creationId xmlns:a16="http://schemas.microsoft.com/office/drawing/2014/main" id="{52C584AA-F9BE-7F44-B2F6-179FD7648235}"/>
+              </a:ext>
+            </a:extLst>
+          </p:cNvPr>
+          <p:cNvSpPr>
+            <a:spLocks noGrp="1"/>
+          </p:cNvSpPr>
+          <p:nvPr>
+            <p:ph type="title"/>
+          </p:nvPr>
+        </p:nvSpPr>
+        <p:spPr>
+          <a:xfrm>
+            <a:off x="411480" y="991443"/>
+            <a:ext cx="4443154" cy="1087819"/>
+          </a:xfrm>
+        </p:spPr>
+        <p:txBody>
+          <a:bodyPr anchor="b">
+            <a:normAutofit/>
+          </a:bodyPr>
+          <a:lstStyle/>
+          <a:p>
+            <a:r>
+              <a:rPr lang="it-IT" sz="2800" dirty="0"/>
+              <a:t>Distribuzione delle tipologie di dolori </a:t>
+            </a:r>
+          </a:p>
+        </p:txBody>
+      </p:sp>
+      <p:sp>
+        <p:nvSpPr>
+          <p:cNvPr id="51" name="Rectangle 50">
+            <a:extLst>
+              <a:ext uri="{FF2B5EF4-FFF2-40B4-BE49-F238E27FC236}">
+                <a16:creationId xmlns:a16="http://schemas.microsoft.com/office/drawing/2014/main" id="{33AE4636-AEEC-45D6-84D4-7AC2DA48ECF8}"/>
+              </a:ext>
+              <a:ext uri="{C183D7F6-B498-43B3-948B-1728B52AA6E4}">
+                <adec:decorative xmlns:adec="http://schemas.microsoft.com/office/drawing/2017/decorative" val="1"/>
+              </a:ext>
+            </a:extLst>
+          </p:cNvPr>
+          <p:cNvSpPr>
+            <a:spLocks noGrp="1" noRot="1" noChangeAspect="1" noMove="1" noResize="1" noEditPoints="1" noAdjustHandles="1" noChangeArrowheads="1" noChangeShapeType="1" noTextEdit="1"/>
+          </p:cNvSpPr>
+          <p:nvPr>
+            <p:extLst>
+              <p:ext uri="{386F3935-93C4-4BCD-93E2-E3B085C9AB24}">
+                <p16:designElem xmlns:p16="http://schemas.microsoft.com/office/powerpoint/2015/main" val="1"/>
+              </p:ext>
+            </p:extLst>
+          </p:nvPr>
+        </p:nvSpPr>
+        <p:spPr>
+          <a:xfrm rot="5400000">
+            <a:off x="649223" y="387939"/>
+            <a:ext cx="73152" cy="548640"/>
+          </a:xfrm>
+          <a:prstGeom prst="rect">
+            <a:avLst/>
+          </a:prstGeom>
+          <a:solidFill>
+            <a:schemeClr val="accent2"/>
+          </a:solidFill>
+          <a:ln>
+            <a:noFill/>
+          </a:ln>
+        </p:spPr>
+        <p:style>
+          <a:lnRef idx="2">
+            <a:schemeClr val="accent1">
+              <a:shade val="50000"/>
+            </a:schemeClr>
+          </a:lnRef>
+          <a:fillRef idx="1">
+            <a:schemeClr val="accent1"/>
+          </a:fillRef>
+          <a:effectRef idx="0">
+            <a:schemeClr val="accent1"/>
+          </a:effectRef>
+          <a:fontRef idx="minor">
+            <a:schemeClr val="lt1"/>
+          </a:fontRef>
+        </p:style>
+        <p:txBody>
+          <a:bodyPr rtlCol="0" anchor="ctr"/>
+          <a:lstStyle/>
+          <a:p>
+            <a:pPr algn="ctr"/>
+            <a:endParaRPr lang="en-US">
+              <a:solidFill>
+                <a:prstClr val="white"/>
+              </a:solidFill>
+              <a:latin typeface="Calibri" panose="020F0502020204030204"/>
+            </a:endParaRPr>
+          </a:p>
+        </p:txBody>
+      </p:sp>
+      <p:sp>
+        <p:nvSpPr>
+          <p:cNvPr id="53" name="Rectangle 52">
+            <a:extLst>
+              <a:ext uri="{FF2B5EF4-FFF2-40B4-BE49-F238E27FC236}">
+                <a16:creationId xmlns:a16="http://schemas.microsoft.com/office/drawing/2014/main" id="{8D9CE0F4-2EB2-4F1F-8AAC-DB3571D9FE10}"/>
+              </a:ext>
+              <a:ext uri="{C183D7F6-B498-43B3-948B-1728B52AA6E4}">
+                <adec:decorative xmlns:adec="http://schemas.microsoft.com/office/drawing/2017/decorative" val="1"/>
+              </a:ext>
+            </a:extLst>
+          </p:cNvPr>
+          <p:cNvSpPr>
+            <a:spLocks noGrp="1" noRot="1" noChangeAspect="1" noMove="1" noResize="1" noEditPoints="1" noAdjustHandles="1" noChangeArrowheads="1" noChangeShapeType="1" noTextEdit="1"/>
+          </p:cNvSpPr>
+          <p:nvPr>
+            <p:extLst>
+              <p:ext uri="{386F3935-93C4-4BCD-93E2-E3B085C9AB24}">
+                <p16:designElem xmlns:p16="http://schemas.microsoft.com/office/powerpoint/2015/main" val="1"/>
+              </p:ext>
+            </p:extLst>
+          </p:nvPr>
+        </p:nvSpPr>
+        <p:spPr>
+          <a:xfrm>
+            <a:off x="411480" y="2285541"/>
+            <a:ext cx="4389120" cy="18288"/>
+          </a:xfrm>
+          <a:prstGeom prst="rect">
+            <a:avLst/>
+          </a:prstGeom>
+          <a:solidFill>
+            <a:srgbClr val="D5D5D5"/>
+          </a:solidFill>
+          <a:ln w="3175">
+            <a:noFill/>
+          </a:ln>
+          <a:effectLst/>
+        </p:spPr>
+        <p:style>
+          <a:lnRef idx="2">
+            <a:schemeClr val="accent1">
+              <a:shade val="50000"/>
+            </a:schemeClr>
+          </a:lnRef>
+          <a:fillRef idx="1">
+            <a:schemeClr val="accent1"/>
+          </a:fillRef>
+          <a:effectRef idx="0">
+            <a:schemeClr val="accent1"/>
+          </a:effectRef>
+          <a:fontRef idx="minor">
+            <a:schemeClr val="lt1"/>
+          </a:fontRef>
+        </p:style>
+        <p:txBody>
+          <a:bodyPr rtlCol="0" anchor="ctr"/>
+          <a:lstStyle/>
+          <a:p>
+            <a:pPr algn="ctr"/>
+            <a:endParaRPr lang="en-US">
+              <a:solidFill>
+                <a:prstClr val="white"/>
+              </a:solidFill>
+              <a:latin typeface="Calibri" panose="020F0502020204030204"/>
+            </a:endParaRPr>
+          </a:p>
+        </p:txBody>
+      </p:sp>
+      <p:sp>
+        <p:nvSpPr>
+          <p:cNvPr id="9" name="Content Placeholder 8">
+            <a:extLst>
+              <a:ext uri="{FF2B5EF4-FFF2-40B4-BE49-F238E27FC236}">
+                <a16:creationId xmlns:a16="http://schemas.microsoft.com/office/drawing/2014/main" id="{B502B99B-7BC1-C4FF-A7ED-DF9755C038DB}"/>
+              </a:ext>
+            </a:extLst>
+          </p:cNvPr>
+          <p:cNvSpPr>
+            <a:spLocks noGrp="1"/>
+          </p:cNvSpPr>
+          <p:nvPr>
+            <p:ph idx="1"/>
+          </p:nvPr>
+        </p:nvSpPr>
+        <p:spPr>
+          <a:xfrm>
+            <a:off x="411480" y="2684095"/>
+            <a:ext cx="4443154" cy="3492868"/>
+          </a:xfrm>
+        </p:spPr>
+        <p:txBody>
+          <a:bodyPr>
+            <a:normAutofit/>
+          </a:bodyPr>
+          <a:lstStyle/>
+          <a:p>
+            <a:pPr marL="0" indent="0">
+              <a:buNone/>
+            </a:pPr>
+            <a:r>
+              <a:rPr lang="en-US" sz="1800" dirty="0"/>
+              <a:t>I </a:t>
+            </a:r>
+            <a:r>
+              <a:rPr lang="en-US" sz="1800" dirty="0" err="1"/>
+              <a:t>dati</a:t>
+            </a:r>
+            <a:r>
+              <a:rPr lang="en-US" sz="1800" dirty="0"/>
+              <a:t> </a:t>
+            </a:r>
+            <a:r>
+              <a:rPr lang="en-US" sz="1800" dirty="0" err="1"/>
+              <a:t>mostrano</a:t>
+            </a:r>
+            <a:r>
+              <a:rPr lang="en-US" sz="1800" dirty="0"/>
+              <a:t> come </a:t>
+            </a:r>
+            <a:r>
+              <a:rPr lang="en-US" sz="1800" dirty="0" err="1"/>
+              <a:t>i</a:t>
+            </a:r>
+            <a:r>
+              <a:rPr lang="en-US" sz="1800" dirty="0"/>
+              <a:t> </a:t>
+            </a:r>
+            <a:r>
+              <a:rPr lang="en-US" sz="1800" dirty="0" err="1"/>
+              <a:t>pazienti</a:t>
+            </a:r>
+            <a:r>
+              <a:rPr lang="en-US" sz="1800" dirty="0"/>
+              <a:t> </a:t>
+            </a:r>
+            <a:r>
+              <a:rPr lang="en-US" sz="1800" dirty="0" err="1"/>
+              <a:t>che</a:t>
+            </a:r>
+            <a:r>
+              <a:rPr lang="en-US" sz="1800" dirty="0"/>
+              <a:t> </a:t>
+            </a:r>
+            <a:r>
+              <a:rPr lang="en-US" sz="1800" dirty="0" err="1"/>
+              <a:t>si</a:t>
+            </a:r>
+            <a:r>
+              <a:rPr lang="en-US" sz="1800" dirty="0"/>
+              <a:t> </a:t>
+            </a:r>
+            <a:r>
+              <a:rPr lang="en-US" sz="1800" dirty="0" err="1"/>
+              <a:t>presentano</a:t>
+            </a:r>
+            <a:r>
+              <a:rPr lang="en-US" sz="1800" dirty="0"/>
+              <a:t> con dolori al petto (typical angina, non-anginal, atypical angina) </a:t>
+            </a:r>
+            <a:r>
+              <a:rPr lang="en-US" sz="1800" dirty="0" err="1"/>
+              <a:t>tipicamente</a:t>
+            </a:r>
+            <a:r>
+              <a:rPr lang="en-US" sz="1800" dirty="0"/>
+              <a:t> non </a:t>
+            </a:r>
+            <a:r>
+              <a:rPr lang="en-US" sz="1800" dirty="0" err="1"/>
+              <a:t>presentano</a:t>
+            </a:r>
+            <a:r>
+              <a:rPr lang="en-US" sz="1800" dirty="0"/>
+              <a:t> </a:t>
+            </a:r>
+            <a:r>
+              <a:rPr lang="en-US" sz="1800" dirty="0" err="1"/>
+              <a:t>una</a:t>
+            </a:r>
+            <a:r>
+              <a:rPr lang="en-US" sz="1800" dirty="0"/>
+              <a:t> </a:t>
+            </a:r>
+            <a:r>
+              <a:rPr lang="en-US" sz="1800" dirty="0" err="1"/>
+              <a:t>malattia</a:t>
+            </a:r>
+            <a:r>
+              <a:rPr lang="en-US" sz="1800" dirty="0"/>
+              <a:t> </a:t>
+            </a:r>
+            <a:r>
+              <a:rPr lang="en-US" sz="1800" dirty="0" err="1"/>
+              <a:t>cardiaca</a:t>
+            </a:r>
+            <a:r>
+              <a:rPr lang="en-US" sz="1800" dirty="0"/>
+              <a:t>, </a:t>
+            </a:r>
+            <a:r>
+              <a:rPr lang="en-US" sz="1800" dirty="0" err="1"/>
+              <a:t>contrariamente</a:t>
+            </a:r>
+            <a:r>
+              <a:rPr lang="en-US" sz="1800" dirty="0"/>
+              <a:t> </a:t>
+            </a:r>
+            <a:r>
+              <a:rPr lang="en-US" sz="1800" dirty="0" err="1"/>
+              <a:t>coloro</a:t>
+            </a:r>
+            <a:r>
+              <a:rPr lang="en-US" sz="1800" dirty="0"/>
+              <a:t> </a:t>
+            </a:r>
+            <a:r>
+              <a:rPr lang="en-US" sz="1800" dirty="0" err="1"/>
+              <a:t>che</a:t>
+            </a:r>
+            <a:r>
+              <a:rPr lang="en-US" sz="1800" dirty="0"/>
+              <a:t> non </a:t>
+            </a:r>
+            <a:r>
+              <a:rPr lang="en-US" sz="1800" dirty="0" err="1"/>
+              <a:t>soffrono</a:t>
+            </a:r>
+            <a:r>
+              <a:rPr lang="en-US" sz="1800" dirty="0"/>
+              <a:t> di dolori </a:t>
+            </a:r>
+            <a:r>
+              <a:rPr lang="en-US" sz="1800" dirty="0" err="1"/>
+              <a:t>pettorali</a:t>
+            </a:r>
+            <a:r>
+              <a:rPr lang="en-US" sz="1800" dirty="0"/>
+              <a:t> (asymptomatic) </a:t>
+            </a:r>
+            <a:r>
+              <a:rPr lang="en-US" sz="1800" dirty="0" err="1"/>
+              <a:t>nella</a:t>
+            </a:r>
+            <a:r>
+              <a:rPr lang="en-US" sz="1800" dirty="0"/>
+              <a:t> </a:t>
+            </a:r>
+            <a:r>
+              <a:rPr lang="en-US" sz="1800" dirty="0" err="1"/>
+              <a:t>maggior</a:t>
+            </a:r>
+            <a:r>
+              <a:rPr lang="en-US" sz="1800" dirty="0"/>
+              <a:t> </a:t>
+            </a:r>
+            <a:r>
+              <a:rPr lang="en-US" sz="1800" dirty="0" err="1"/>
+              <a:t>parte</a:t>
+            </a:r>
+            <a:r>
+              <a:rPr lang="en-US" sz="1800" dirty="0"/>
+              <a:t> </a:t>
+            </a:r>
+            <a:r>
+              <a:rPr lang="en-US" sz="1800" dirty="0" err="1"/>
+              <a:t>dei</a:t>
+            </a:r>
+            <a:r>
+              <a:rPr lang="en-US" sz="1800" dirty="0"/>
+              <a:t> </a:t>
+            </a:r>
+            <a:r>
+              <a:rPr lang="en-US" sz="1800" dirty="0" err="1"/>
+              <a:t>casi</a:t>
+            </a:r>
+            <a:r>
+              <a:rPr lang="en-US" sz="1800" dirty="0"/>
+              <a:t> </a:t>
+            </a:r>
+            <a:r>
+              <a:rPr lang="en-US" sz="1800" dirty="0" err="1"/>
+              <a:t>risultano</a:t>
+            </a:r>
+            <a:r>
+              <a:rPr lang="en-US" sz="1800" dirty="0"/>
+              <a:t> </a:t>
+            </a:r>
+            <a:r>
+              <a:rPr lang="en-US" sz="1800" dirty="0" err="1"/>
+              <a:t>malati</a:t>
+            </a:r>
+            <a:r>
+              <a:rPr lang="en-US" sz="1800" dirty="0"/>
+              <a:t>.</a:t>
+            </a:r>
+          </a:p>
+        </p:txBody>
+      </p:sp>
+      <p:pic>
+        <p:nvPicPr>
+          <p:cNvPr id="5" name="Segnaposto contenuto 4">
+            <a:extLst>
+              <a:ext uri="{FF2B5EF4-FFF2-40B4-BE49-F238E27FC236}">
+                <a16:creationId xmlns:a16="http://schemas.microsoft.com/office/drawing/2014/main" id="{CF07C890-7E87-C629-E99C-DA9D3E2FAF3B}"/>
+              </a:ext>
+            </a:extLst>
+          </p:cNvPr>
+          <p:cNvPicPr>
+            <a:picLocks noChangeAspect="1"/>
+          </p:cNvPicPr>
+          <p:nvPr/>
+        </p:nvPicPr>
+        <p:blipFill>
+          <a:blip r:embed="rId2">
+            <a:extLst>
+              <a:ext uri="{28A0092B-C50C-407E-A947-70E740481C1C}">
+                <a14:useLocalDpi xmlns:a14="http://schemas.microsoft.com/office/drawing/2010/main" val="0"/>
+              </a:ext>
+            </a:extLst>
+          </a:blip>
+          <a:stretch/>
+        </p:blipFill>
+        <p:spPr>
+          <a:xfrm>
+            <a:off x="5385816" y="1422674"/>
+            <a:ext cx="6440424" cy="3976961"/>
+          </a:xfrm>
+          <a:prstGeom prst="rect">
+            <a:avLst/>
+          </a:prstGeom>
+        </p:spPr>
+      </p:pic>
+    </p:spTree>
+    <p:extLst>
+      <p:ext uri="{BB962C8B-B14F-4D97-AF65-F5344CB8AC3E}">
+        <p14:creationId xmlns:p14="http://schemas.microsoft.com/office/powerpoint/2010/main" val="3501109732"/>
+      </p:ext>
+    </p:extLst>
+  </p:cSld>
+  <p:clrMapOvr>
+    <a:masterClrMapping/>
+  </p:clrMapOvr>
+</p:sld>
+</file>
+
+<file path=ppt/slides/slide9.xml><?xml version="1.0" encoding="utf-8"?>
+<p:sld xmlns:a="http://schemas.openxmlformats.org/drawingml/2006/main" xmlns:r="http://schemas.openxmlformats.org/officeDocument/2006/relationships" xmlns:p="http://schemas.openxmlformats.org/presentationml/2006/main">
+  <p:cSld>
+    <p:bg>
+      <p:bgPr>
+        <a:solidFill>
+          <a:schemeClr val="bg1"/>
+        </a:solidFill>
+        <a:effectLst/>
+      </p:bgPr>
+    </p:bg>
+    <p:spTree>
+      <p:nvGrpSpPr>
+        <p:cNvPr id="1" name=""/>
+        <p:cNvGrpSpPr/>
+        <p:nvPr/>
+      </p:nvGrpSpPr>
+      <p:grpSpPr>
+        <a:xfrm>
+          <a:off x="0" y="0"/>
+          <a:ext cx="0" cy="0"/>
+          <a:chOff x="0" y="0"/>
+          <a:chExt cx="0" cy="0"/>
+        </a:xfrm>
+      </p:grpSpPr>
+      <p:sp useBgFill="1">
+        <p:nvSpPr>
+          <p:cNvPr id="44" name="Rectangle 43">
+            <a:extLst>
+              <a:ext uri="{FF2B5EF4-FFF2-40B4-BE49-F238E27FC236}">
+                <a16:creationId xmlns:a16="http://schemas.microsoft.com/office/drawing/2014/main" id="{B47A3059-69F2-4E12-ACD8-A5FE28191966}"/>
+              </a:ext>
+              <a:ext uri="{C183D7F6-B498-43B3-948B-1728B52AA6E4}">
+                <adec:decorative xmlns:adec="http://schemas.microsoft.com/office/drawing/2017/decorative" val="1"/>
+              </a:ext>
+            </a:extLst>
+          </p:cNvPr>
+          <p:cNvSpPr>
+            <a:spLocks noGrp="1" noRot="1" noChangeAspect="1" noMove="1" noResize="1" noEditPoints="1" noAdjustHandles="1" noChangeArrowheads="1" noChangeShapeType="1" noTextEdit="1"/>
+          </p:cNvSpPr>
+          <p:nvPr>
+            <p:extLst>
+              <p:ext uri="{386F3935-93C4-4BCD-93E2-E3B085C9AB24}">
+                <p16:designElem xmlns:p16="http://schemas.microsoft.com/office/powerpoint/2015/main" val="1"/>
+              </p:ext>
+            </p:extLst>
+          </p:nvPr>
+        </p:nvSpPr>
+        <p:spPr>
+          <a:xfrm>
+            <a:off x="0" y="0"/>
+            <a:ext cx="12192000" cy="6858000"/>
+          </a:xfrm>
+          <a:prstGeom prst="rect">
+            <a:avLst/>
+          </a:prstGeom>
+          <a:ln>
+            <a:noFill/>
+          </a:ln>
+        </p:spPr>
+        <p:style>
+          <a:lnRef idx="2">
+            <a:schemeClr val="accent1">
+              <a:shade val="50000"/>
+            </a:schemeClr>
+          </a:lnRef>
+          <a:fillRef idx="1">
+            <a:schemeClr val="accent1"/>
+          </a:fillRef>
+          <a:effectRef idx="0">
+            <a:schemeClr val="accent1"/>
+          </a:effectRef>
+          <a:fontRef idx="minor">
+            <a:schemeClr val="lt1"/>
+          </a:fontRef>
+        </p:style>
+        <p:txBody>
+          <a:bodyPr rtlCol="0" anchor="ctr"/>
+          <a:lstStyle/>
+          <a:p>
+            <a:pPr algn="ctr"/>
+            <a:endParaRPr lang="en-US"/>
+          </a:p>
+        </p:txBody>
+      </p:sp>
+      <p:sp>
+        <p:nvSpPr>
+          <p:cNvPr id="2" name="Titolo 1">
+            <a:extLst>
+              <a:ext uri="{FF2B5EF4-FFF2-40B4-BE49-F238E27FC236}">
+                <a16:creationId xmlns:a16="http://schemas.microsoft.com/office/drawing/2014/main" id="{52C584AA-F9BE-7F44-B2F6-179FD7648235}"/>
+              </a:ext>
+            </a:extLst>
+          </p:cNvPr>
+          <p:cNvSpPr>
+            <a:spLocks noGrp="1"/>
+          </p:cNvSpPr>
+          <p:nvPr>
+            <p:ph type="title"/>
+          </p:nvPr>
+        </p:nvSpPr>
+        <p:spPr>
+          <a:xfrm>
+            <a:off x="7145654" y="991443"/>
+            <a:ext cx="4603001" cy="1087819"/>
+          </a:xfrm>
+        </p:spPr>
+        <p:txBody>
+          <a:bodyPr anchor="b">
+            <a:normAutofit/>
+          </a:bodyPr>
+          <a:lstStyle/>
+          <a:p>
+            <a:r>
+              <a:rPr lang="it-IT" sz="3400"/>
+              <a:t>Dolori ed età</a:t>
+            </a:r>
+          </a:p>
+        </p:txBody>
+      </p:sp>
+      <p:pic>
+        <p:nvPicPr>
+          <p:cNvPr id="5" name="Segnaposto contenuto 4">
+            <a:extLst>
+              <a:ext uri="{FF2B5EF4-FFF2-40B4-BE49-F238E27FC236}">
+                <a16:creationId xmlns:a16="http://schemas.microsoft.com/office/drawing/2014/main" id="{CF07C890-7E87-C629-E99C-DA9D3E2FAF3B}"/>
+              </a:ext>
+            </a:extLst>
+          </p:cNvPr>
+          <p:cNvPicPr>
+            <a:picLocks noChangeAspect="1"/>
+          </p:cNvPicPr>
+          <p:nvPr/>
+        </p:nvPicPr>
+        <p:blipFill>
+          <a:blip r:embed="rId2">
+            <a:extLst>
+              <a:ext uri="{28A0092B-C50C-407E-A947-70E740481C1C}">
+                <a14:useLocalDpi xmlns:a14="http://schemas.microsoft.com/office/drawing/2010/main" val="0"/>
+              </a:ext>
+            </a:extLst>
+          </a:blip>
+          <a:stretch/>
+        </p:blipFill>
+        <p:spPr>
+          <a:xfrm>
+            <a:off x="443345" y="1471616"/>
+            <a:ext cx="6250063" cy="3859413"/>
+          </a:xfrm>
+          <a:prstGeom prst="rect">
+            <a:avLst/>
+          </a:prstGeom>
+        </p:spPr>
+      </p:pic>
+      <p:sp>
+        <p:nvSpPr>
+          <p:cNvPr id="46" name="Rectangle 45">
+            <a:extLst>
+              <a:ext uri="{FF2B5EF4-FFF2-40B4-BE49-F238E27FC236}">
+                <a16:creationId xmlns:a16="http://schemas.microsoft.com/office/drawing/2014/main" id="{33AE4636-AEEC-45D6-84D4-7AC2DA48ECF8}"/>
+              </a:ext>
+              <a:ext uri="{C183D7F6-B498-43B3-948B-1728B52AA6E4}">
+                <adec:decorative xmlns:adec="http://schemas.microsoft.com/office/drawing/2017/decorative" val="1"/>
+              </a:ext>
+            </a:extLst>
+          </p:cNvPr>
+          <p:cNvSpPr>
+            <a:spLocks noGrp="1" noRot="1" noChangeAspect="1" noMove="1" noResize="1" noEditPoints="1" noAdjustHandles="1" noChangeArrowheads="1" noChangeShapeType="1" noTextEdit="1"/>
+          </p:cNvSpPr>
+          <p:nvPr>
+            <p:extLst>
+              <p:ext uri="{386F3935-93C4-4BCD-93E2-E3B085C9AB24}">
+                <p16:designElem xmlns:p16="http://schemas.microsoft.com/office/powerpoint/2015/main" val="1"/>
+              </p:ext>
+            </p:extLst>
+          </p:nvPr>
+        </p:nvSpPr>
+        <p:spPr>
+          <a:xfrm rot="5400000">
+            <a:off x="7383398" y="387939"/>
+            <a:ext cx="73152" cy="548640"/>
+          </a:xfrm>
+          <a:prstGeom prst="rect">
+            <a:avLst/>
+          </a:prstGeom>
+          <a:solidFill>
+            <a:schemeClr val="accent2"/>
+          </a:solidFill>
+          <a:ln>
+            <a:noFill/>
+          </a:ln>
+        </p:spPr>
+        <p:style>
+          <a:lnRef idx="2">
+            <a:schemeClr val="accent1">
+              <a:shade val="50000"/>
+            </a:schemeClr>
+          </a:lnRef>
+          <a:fillRef idx="1">
+            <a:schemeClr val="accent1"/>
+          </a:fillRef>
+          <a:effectRef idx="0">
+            <a:schemeClr val="accent1"/>
+          </a:effectRef>
+          <a:fontRef idx="minor">
+            <a:schemeClr val="lt1"/>
+          </a:fontRef>
+        </p:style>
+        <p:txBody>
+          <a:bodyPr rtlCol="0" anchor="ctr"/>
+          <a:lstStyle/>
+          <a:p>
+            <a:pPr algn="ctr"/>
+            <a:endParaRPr lang="en-US">
+              <a:solidFill>
+                <a:prstClr val="white"/>
+              </a:solidFill>
+              <a:latin typeface="Calibri" panose="020F0502020204030204"/>
+            </a:endParaRPr>
+          </a:p>
+        </p:txBody>
+      </p:sp>
+      <p:sp>
+        <p:nvSpPr>
+          <p:cNvPr id="48" name="Rectangle 47">
+            <a:extLst>
+              <a:ext uri="{FF2B5EF4-FFF2-40B4-BE49-F238E27FC236}">
+                <a16:creationId xmlns:a16="http://schemas.microsoft.com/office/drawing/2014/main" id="{8D9CE0F4-2EB2-4F1F-8AAC-DB3571D9FE10}"/>
+              </a:ext>
+              <a:ext uri="{C183D7F6-B498-43B3-948B-1728B52AA6E4}">
+                <adec:decorative xmlns:adec="http://schemas.microsoft.com/office/drawing/2017/decorative" val="1"/>
+              </a:ext>
+            </a:extLst>
+          </p:cNvPr>
+          <p:cNvSpPr>
+            <a:spLocks noGrp="1" noRot="1" noChangeAspect="1" noMove="1" noResize="1" noEditPoints="1" noAdjustHandles="1" noChangeArrowheads="1" noChangeShapeType="1" noTextEdit="1"/>
+          </p:cNvSpPr>
+          <p:nvPr>
+            <p:extLst>
+              <p:ext uri="{386F3935-93C4-4BCD-93E2-E3B085C9AB24}">
+                <p16:designElem xmlns:p16="http://schemas.microsoft.com/office/powerpoint/2015/main" val="1"/>
+              </p:ext>
+            </p:extLst>
+          </p:nvPr>
+        </p:nvSpPr>
+        <p:spPr>
+          <a:xfrm>
+            <a:off x="7145655" y="2285541"/>
+            <a:ext cx="4526280" cy="18288"/>
+          </a:xfrm>
+          <a:prstGeom prst="rect">
+            <a:avLst/>
+          </a:prstGeom>
+          <a:solidFill>
+            <a:srgbClr val="D5D5D5"/>
+          </a:solidFill>
+          <a:ln w="3175">
+            <a:noFill/>
+          </a:ln>
+          <a:effectLst/>
+        </p:spPr>
+        <p:style>
+          <a:lnRef idx="2">
+            <a:schemeClr val="accent1">
+              <a:shade val="50000"/>
+            </a:schemeClr>
+          </a:lnRef>
+          <a:fillRef idx="1">
+            <a:schemeClr val="accent1"/>
+          </a:fillRef>
+          <a:effectRef idx="0">
+            <a:schemeClr val="accent1"/>
+          </a:effectRef>
+          <a:fontRef idx="minor">
+            <a:schemeClr val="lt1"/>
+          </a:fontRef>
+        </p:style>
+        <p:txBody>
+          <a:bodyPr rtlCol="0" anchor="ctr"/>
+          <a:lstStyle/>
+          <a:p>
+            <a:pPr algn="ctr"/>
+            <a:endParaRPr lang="en-US">
+              <a:solidFill>
+                <a:prstClr val="white"/>
+              </a:solidFill>
+              <a:latin typeface="Calibri" panose="020F0502020204030204"/>
+            </a:endParaRPr>
+          </a:p>
+        </p:txBody>
+      </p:sp>
+      <p:sp>
+        <p:nvSpPr>
+          <p:cNvPr id="9" name="Content Placeholder 8">
+            <a:extLst>
+              <a:ext uri="{FF2B5EF4-FFF2-40B4-BE49-F238E27FC236}">
+                <a16:creationId xmlns:a16="http://schemas.microsoft.com/office/drawing/2014/main" id="{B502B99B-7BC1-C4FF-A7ED-DF9755C038DB}"/>
+              </a:ext>
+            </a:extLst>
+          </p:cNvPr>
+          <p:cNvSpPr>
+            <a:spLocks noGrp="1"/>
+          </p:cNvSpPr>
+          <p:nvPr>
+            <p:ph idx="1"/>
+          </p:nvPr>
+        </p:nvSpPr>
+        <p:spPr>
+          <a:xfrm>
+            <a:off x="7145654" y="2684095"/>
+            <a:ext cx="4603001" cy="3492868"/>
+          </a:xfrm>
+        </p:spPr>
+        <p:txBody>
+          <a:bodyPr>
+            <a:normAutofit/>
+          </a:bodyPr>
+          <a:lstStyle/>
+          <a:p>
+            <a:pPr marL="0" indent="0">
+              <a:buNone/>
+            </a:pPr>
+            <a:r>
+              <a:rPr lang="en-US" sz="1800"/>
+              <a:t>Possiamo</a:t>
+            </a:r>
+            <a:r>
+              <a:rPr lang="en-US" sz="1800" dirty="0"/>
+              <a:t> </a:t>
+            </a:r>
+            <a:r>
+              <a:rPr lang="en-US" sz="1800"/>
+              <a:t>notare</a:t>
+            </a:r>
+            <a:r>
+              <a:rPr lang="en-US" sz="1800" dirty="0"/>
+              <a:t> come la </a:t>
+            </a:r>
+            <a:r>
+              <a:rPr lang="en-US" sz="1800"/>
+              <a:t>categoria</a:t>
+            </a:r>
+            <a:r>
+              <a:rPr lang="en-US" sz="1800" dirty="0"/>
+              <a:t> </a:t>
+            </a:r>
+            <a:r>
+              <a:rPr lang="en-US" sz="1800"/>
+              <a:t>asintomatica</a:t>
+            </a:r>
+            <a:r>
+              <a:rPr lang="en-US" sz="1800" dirty="0"/>
+              <a:t> è la </a:t>
+            </a:r>
+            <a:r>
+              <a:rPr lang="en-US" sz="1800"/>
+              <a:t>più</a:t>
+            </a:r>
+            <a:r>
+              <a:rPr lang="en-US" sz="1800" dirty="0"/>
+              <a:t> </a:t>
+            </a:r>
+            <a:r>
+              <a:rPr lang="en-US" sz="1800"/>
+              <a:t>comune</a:t>
+            </a:r>
+            <a:r>
+              <a:rPr lang="en-US" sz="1800" dirty="0"/>
+              <a:t> in quasi </a:t>
+            </a:r>
+            <a:r>
+              <a:rPr lang="en-US" sz="1800"/>
+              <a:t>tutte</a:t>
+            </a:r>
+            <a:r>
+              <a:rPr lang="en-US" sz="1800" dirty="0"/>
+              <a:t> le </a:t>
+            </a:r>
+            <a:r>
+              <a:rPr lang="en-US" sz="1800"/>
+              <a:t>fasce</a:t>
+            </a:r>
+            <a:r>
+              <a:rPr lang="en-US" sz="1800" dirty="0"/>
+              <a:t> di </a:t>
+            </a:r>
+            <a:r>
+              <a:rPr lang="en-US" sz="1800"/>
+              <a:t>età</a:t>
+            </a:r>
+            <a:r>
+              <a:rPr lang="en-US" sz="1800" dirty="0"/>
+              <a:t>, il dolore non </a:t>
+            </a:r>
+            <a:r>
+              <a:rPr lang="en-US" sz="1800"/>
+              <a:t>anginoso</a:t>
+            </a:r>
+            <a:r>
+              <a:rPr lang="en-US" sz="1800" dirty="0"/>
+              <a:t> è </a:t>
+            </a:r>
+            <a:r>
+              <a:rPr lang="en-US" sz="1800"/>
+              <a:t>abbastanza</a:t>
+            </a:r>
+            <a:r>
+              <a:rPr lang="en-US" sz="1800" dirty="0"/>
+              <a:t> </a:t>
+            </a:r>
+            <a:r>
+              <a:rPr lang="en-US" sz="1800"/>
+              <a:t>presente</a:t>
+            </a:r>
+            <a:r>
+              <a:rPr lang="en-US" sz="1800" dirty="0"/>
+              <a:t> </a:t>
+            </a:r>
+            <a:r>
+              <a:rPr lang="en-US" sz="1800"/>
+              <a:t>nelle</a:t>
+            </a:r>
+            <a:r>
+              <a:rPr lang="en-US" sz="1800" dirty="0"/>
+              <a:t> </a:t>
+            </a:r>
+            <a:r>
+              <a:rPr lang="en-US" sz="1800"/>
+              <a:t>età</a:t>
+            </a:r>
+            <a:r>
+              <a:rPr lang="en-US" sz="1800" dirty="0"/>
+              <a:t> </a:t>
+            </a:r>
+            <a:r>
+              <a:rPr lang="en-US" sz="1800"/>
+              <a:t>più</a:t>
+            </a:r>
+            <a:r>
+              <a:rPr lang="en-US" sz="1800" dirty="0"/>
+              <a:t> </a:t>
+            </a:r>
+            <a:r>
+              <a:rPr lang="en-US" sz="1800"/>
+              <a:t>avanzate</a:t>
+            </a:r>
+            <a:r>
+              <a:rPr lang="en-US" sz="1800" dirty="0"/>
+              <a:t>, </a:t>
+            </a:r>
+            <a:r>
+              <a:rPr lang="en-US" sz="1800"/>
+              <a:t>l’angina</a:t>
+            </a:r>
+            <a:r>
+              <a:rPr lang="en-US" sz="1800" dirty="0"/>
+              <a:t> </a:t>
+            </a:r>
+            <a:r>
+              <a:rPr lang="en-US" sz="1800"/>
+              <a:t>atipica</a:t>
+            </a:r>
+            <a:r>
+              <a:rPr lang="en-US" sz="1800" dirty="0"/>
+              <a:t> è </a:t>
+            </a:r>
+            <a:r>
+              <a:rPr lang="en-US" sz="1800"/>
+              <a:t>distribuita</a:t>
+            </a:r>
+            <a:r>
+              <a:rPr lang="en-US" sz="1800" dirty="0"/>
+              <a:t> in modo </a:t>
+            </a:r>
+            <a:r>
+              <a:rPr lang="en-US" sz="1800"/>
+              <a:t>uniforme</a:t>
+            </a:r>
+            <a:r>
+              <a:rPr lang="en-US" sz="1800" dirty="0"/>
+              <a:t> con </a:t>
+            </a:r>
+            <a:r>
+              <a:rPr lang="en-US" sz="1800"/>
+              <a:t>una</a:t>
+            </a:r>
+            <a:r>
+              <a:rPr lang="en-US" sz="1800" dirty="0"/>
+              <a:t> </a:t>
+            </a:r>
+            <a:r>
+              <a:rPr lang="en-US" sz="1800"/>
+              <a:t>maggiore</a:t>
+            </a:r>
+            <a:r>
+              <a:rPr lang="en-US" sz="1800" dirty="0"/>
+              <a:t> </a:t>
+            </a:r>
+            <a:r>
+              <a:rPr lang="en-US" sz="1800"/>
+              <a:t>presenza</a:t>
+            </a:r>
+            <a:r>
+              <a:rPr lang="en-US" sz="1800" dirty="0"/>
+              <a:t> </a:t>
+            </a:r>
+            <a:r>
+              <a:rPr lang="en-US" sz="1800"/>
+              <a:t>tra</a:t>
+            </a:r>
+            <a:r>
+              <a:rPr lang="en-US" sz="1800" dirty="0"/>
+              <a:t> </a:t>
+            </a:r>
+            <a:r>
+              <a:rPr lang="en-US" sz="1800"/>
+              <a:t>i</a:t>
+            </a:r>
+            <a:r>
+              <a:rPr lang="en-US" sz="1800" dirty="0"/>
+              <a:t> 40 e </a:t>
+            </a:r>
+            <a:r>
+              <a:rPr lang="en-US" sz="1800"/>
+              <a:t>i</a:t>
+            </a:r>
+            <a:r>
+              <a:rPr lang="en-US" sz="1800" dirty="0"/>
+              <a:t> 60 anni </a:t>
+            </a:r>
+            <a:r>
+              <a:rPr lang="en-US" sz="1800"/>
+              <a:t>mentre</a:t>
+            </a:r>
+            <a:r>
+              <a:rPr lang="en-US" sz="1800" dirty="0"/>
+              <a:t> la </a:t>
+            </a:r>
+            <a:r>
+              <a:rPr lang="en-US" sz="1800"/>
+              <a:t>variante</a:t>
+            </a:r>
+            <a:r>
+              <a:rPr lang="en-US" sz="1800" dirty="0"/>
+              <a:t> tipica è la </a:t>
+            </a:r>
+            <a:r>
+              <a:rPr lang="en-US" sz="1800"/>
+              <a:t>meno</a:t>
+            </a:r>
+            <a:r>
+              <a:rPr lang="en-US" sz="1800" dirty="0"/>
+              <a:t> </a:t>
+            </a:r>
+            <a:r>
+              <a:rPr lang="en-US" sz="1800"/>
+              <a:t>comune</a:t>
+            </a:r>
+            <a:r>
+              <a:rPr lang="en-US" sz="1800" dirty="0"/>
+              <a:t> </a:t>
+            </a:r>
+            <a:r>
+              <a:rPr lang="en-US" sz="1800"/>
+              <a:t>tra</a:t>
+            </a:r>
+            <a:r>
+              <a:rPr lang="en-US" sz="1800" dirty="0"/>
+              <a:t> </a:t>
+            </a:r>
+            <a:r>
+              <a:rPr lang="en-US" sz="1800"/>
+              <a:t>tutte</a:t>
+            </a:r>
+            <a:r>
+              <a:rPr lang="en-US" sz="1800" dirty="0"/>
+              <a:t> le </a:t>
+            </a:r>
+            <a:r>
+              <a:rPr lang="en-US" sz="1800"/>
+              <a:t>categorie</a:t>
+            </a:r>
+            <a:r>
+              <a:rPr lang="en-US" sz="1800" dirty="0"/>
+              <a:t>.</a:t>
+            </a:r>
+          </a:p>
+        </p:txBody>
+      </p:sp>
+    </p:spTree>
+    <p:extLst>
+      <p:ext uri="{BB962C8B-B14F-4D97-AF65-F5344CB8AC3E}">
+        <p14:creationId xmlns:p14="http://schemas.microsoft.com/office/powerpoint/2010/main" val="3584763914"/>
       </p:ext>
     </p:extLst>
   </p:cSld>

--- a/presentazione/presentazione.pptx
+++ b/presentazione/presentazione.pptx
@@ -3438,13 +3438,8 @@
             <a:pPr algn="l"/>
             <a:r>
               <a:rPr lang="it-IT" sz="8000" dirty="0"/>
-              <a:t>Predizione delle malattie </a:t>
-            </a:r>
-            <a:r>
-              <a:rPr lang="it-IT" sz="8000" dirty="0" err="1"/>
-              <a:t>caridiache</a:t>
-            </a:r>
-            <a:endParaRPr lang="it-IT" sz="8000"/>
+              <a:t>Predizione delle malattie cardiache</a:t>
+            </a:r>
           </a:p>
         </p:txBody>
       </p:sp>
@@ -5564,8 +5559,8 @@
         </p:nvSpPr>
         <p:spPr>
           <a:xfrm>
-            <a:off x="4976030" y="1398611"/>
-            <a:ext cx="6250940" cy="1317577"/>
+            <a:off x="4976029" y="1026201"/>
+            <a:ext cx="6250940" cy="700575"/>
           </a:xfrm>
         </p:spPr>
         <p:txBody>
@@ -5665,8 +5660,8 @@
         </p:nvSpPr>
         <p:spPr>
           <a:xfrm>
-            <a:off x="4976030" y="2924551"/>
-            <a:ext cx="6250940" cy="2304628"/>
+            <a:off x="4976029" y="1959728"/>
+            <a:ext cx="6250940" cy="4345279"/>
           </a:xfrm>
           <a:prstGeom prst="rect">
             <a:avLst/>
@@ -5726,10 +5721,55 @@
               <a:rPr lang="en-US" sz="1400" b="1" dirty="0"/>
               <a:t> </a:t>
             </a:r>
-            <a:endParaRPr lang="en-US" sz="1400" dirty="0"/>
-          </a:p>
-          <a:p>
-            <a:pPr indent="-228600">
+          </a:p>
+          <a:p>
+            <a:pPr>
+              <a:lnSpc>
+                <a:spcPct val="90000"/>
+              </a:lnSpc>
+              <a:spcAft>
+                <a:spcPts val="600"/>
+              </a:spcAft>
+            </a:pPr>
+            <a:r>
+              <a:rPr lang="en-US" sz="1400" dirty="0"/>
+              <a:t>I </a:t>
+            </a:r>
+            <a:r>
+              <a:rPr lang="en-US" sz="1400" dirty="0" err="1"/>
+              <a:t>diversi</a:t>
+            </a:r>
+            <a:r>
+              <a:rPr lang="en-US" sz="1400" dirty="0"/>
+              <a:t> </a:t>
+            </a:r>
+            <a:r>
+              <a:rPr lang="en-US" sz="1400" dirty="0" err="1"/>
+              <a:t>valori</a:t>
+            </a:r>
+            <a:r>
+              <a:rPr lang="en-US" sz="1400" dirty="0"/>
+              <a:t> </a:t>
+            </a:r>
+            <a:r>
+              <a:rPr lang="en-US" sz="1400" dirty="0" err="1"/>
+              <a:t>possibili</a:t>
+            </a:r>
+            <a:r>
+              <a:rPr lang="en-US" sz="1400" dirty="0"/>
+              <a:t> </a:t>
+            </a:r>
+            <a:r>
+              <a:rPr lang="en-US" sz="1400" dirty="0" err="1"/>
+              <a:t>sono</a:t>
+            </a:r>
+            <a:r>
+              <a:rPr lang="en-US" sz="1400" dirty="0"/>
+              <a:t>:</a:t>
+            </a:r>
+          </a:p>
+          <a:p>
+            <a:pPr marL="285750" indent="-285750">
               <a:lnSpc>
                 <a:spcPct val="90000"/>
               </a:lnSpc>
@@ -5739,6 +5779,71 @@
               <a:buFont typeface="Arial" panose="020B0604020202020204" pitchFamily="34" charset="0"/>
               <a:buChar char="•"/>
             </a:pPr>
+            <a:r>
+              <a:rPr lang="en-US" sz="1400" b="1" dirty="0"/>
+              <a:t>Normale</a:t>
+            </a:r>
+            <a:r>
+              <a:rPr lang="en-US" sz="1400" dirty="0"/>
+              <a:t> </a:t>
+            </a:r>
+            <a:r>
+              <a:rPr lang="it-IT" sz="1400" dirty="0"/>
+              <a:t>suggerisce che il cuore non presenta segni di ischemia, infarto o altre anomalie evidenti a riposo;</a:t>
+            </a:r>
+            <a:endParaRPr lang="it-IT" sz="1400" b="1" dirty="0"/>
+          </a:p>
+          <a:p>
+            <a:pPr marL="285750" indent="-285750">
+              <a:lnSpc>
+                <a:spcPct val="90000"/>
+              </a:lnSpc>
+              <a:spcAft>
+                <a:spcPts val="600"/>
+              </a:spcAft>
+              <a:buFont typeface="Arial" panose="020B0604020202020204" pitchFamily="34" charset="0"/>
+              <a:buChar char="•"/>
+            </a:pPr>
+            <a:r>
+              <a:rPr lang="en-US" sz="1400" b="1" dirty="0" err="1"/>
+              <a:t>Anomalie</a:t>
+            </a:r>
+            <a:r>
+              <a:rPr lang="en-US" sz="1400" b="1" dirty="0"/>
+              <a:t> di </a:t>
+            </a:r>
+            <a:r>
+              <a:rPr lang="en-US" sz="1400" b="1" dirty="0" err="1"/>
+              <a:t>tipo</a:t>
+            </a:r>
+            <a:r>
+              <a:rPr lang="en-US" sz="1400" b="1" dirty="0"/>
+              <a:t> ST-T </a:t>
+            </a:r>
+            <a:r>
+              <a:rPr lang="it-IT" sz="1400" dirty="0"/>
+              <a:t>possono indicare ischemia miocardica (ridotta fornitura di ossigeno al cuore), infarto del miocardio (attacco di cuore), o altre condizioni cardiache. È un segno che potrebbe suggerire problemi di flusso sanguigno al cuore;</a:t>
+            </a:r>
+          </a:p>
+          <a:p>
+            <a:pPr marL="285750" indent="-285750">
+              <a:lnSpc>
+                <a:spcPct val="90000"/>
+              </a:lnSpc>
+              <a:spcAft>
+                <a:spcPts val="600"/>
+              </a:spcAft>
+              <a:buFont typeface="Arial" panose="020B0604020202020204" pitchFamily="34" charset="0"/>
+              <a:buChar char="•"/>
+            </a:pPr>
+            <a:r>
+              <a:rPr lang="it-IT" sz="1400" b="1" dirty="0"/>
+              <a:t>Ipertrofia ventricolare sinistra </a:t>
+            </a:r>
+            <a:r>
+              <a:rPr lang="it-IT" sz="1400" dirty="0"/>
+              <a:t>può essere un segnale di adattamento del cuore a uno sforzo cronico elevato, come l'ipertensione. È associata a un rischio aumentato di eventi cardiovascolari, come l'insufficienza cardiaca e l'infarto.</a:t>
+            </a:r>
             <a:endParaRPr lang="en-US" sz="1400" dirty="0"/>
           </a:p>
           <a:p>
@@ -6411,7 +6516,15 @@
             </a:r>
             <a:r>
               <a:rPr lang="en-US" sz="1800" dirty="0"/>
-              <a:t> depression </a:t>
+              <a:t> </a:t>
+            </a:r>
+            <a:r>
+              <a:rPr lang="en-US" sz="1800" dirty="0" err="1"/>
+              <a:t>depressione</a:t>
+            </a:r>
+            <a:r>
+              <a:rPr lang="en-US" sz="1800" dirty="0"/>
+              <a:t> </a:t>
             </a:r>
             <a:r>
               <a:rPr lang="en-US" sz="1800" dirty="0" err="1"/>
@@ -6419,7 +6532,7 @@
             </a:r>
             <a:r>
               <a:rPr lang="en-US" sz="1800" dirty="0"/>
-              <a:t> curva ST inferior ai 2.5mm con un </a:t>
+              <a:t> curva ST inferior ai 2.5 mm con un </a:t>
             </a:r>
             <a:r>
               <a:rPr lang="en-US" sz="1800" dirty="0" err="1"/>
@@ -6443,7 +6556,15 @@
             </a:r>
             <a:r>
               <a:rPr lang="en-US" sz="1800" dirty="0"/>
-              <a:t> depression </a:t>
+              <a:t> </a:t>
+            </a:r>
+            <a:r>
+              <a:rPr lang="en-US" sz="1800" dirty="0" err="1"/>
+              <a:t>depressione</a:t>
+            </a:r>
+            <a:r>
+              <a:rPr lang="en-US" sz="1800" dirty="0"/>
+              <a:t> </a:t>
             </a:r>
             <a:r>
               <a:rPr lang="en-US" sz="1800" dirty="0" err="1"/>
@@ -9064,29 +9185,28 @@
           <a:p>
             <a:pPr algn="l"/>
             <a:r>
-              <a:rPr lang="it-IT" sz="1400" b="1"/>
+              <a:rPr lang="it-IT" sz="1400" b="1" dirty="0"/>
               <a:t>Typical Angina (Angina Tipica ) </a:t>
             </a:r>
             <a:r>
-              <a:rPr lang="it-IT" sz="1400"/>
+              <a:rPr lang="it-IT" sz="1400" dirty="0"/>
               <a:t>è un tipo di dolore al petto che si manifesta durante l'attività fisica o lo stress. È spesso descritto come una sensazione di pressione, peso o costrizione. Solitamente causata da una riduzione temporanea del flusso sanguigno al cuore, spesso dovuta a malattia coronarica.</a:t>
             </a:r>
           </a:p>
           <a:p>
             <a:pPr algn="l"/>
-            <a:endParaRPr lang="en-US" sz="1400"/>
+            <a:endParaRPr lang="en-US" sz="1400" dirty="0"/>
           </a:p>
           <a:p>
             <a:pPr algn="l"/>
             <a:r>
-              <a:rPr lang="it-IT" sz="1400" b="1"/>
+              <a:rPr lang="it-IT" sz="1400" b="1" dirty="0"/>
               <a:t>Atypical Angina (Angina Atipica)</a:t>
             </a:r>
             <a:r>
-              <a:rPr lang="it-IT" sz="1400"/>
+              <a:rPr lang="it-IT" sz="1400" dirty="0"/>
               <a:t> è un tipo di dolore al petto atipico che può insorgere a riposo. Dolore che può essere meno specifico e meno prevedibile. Può essere causata da vari fattori, inclusa una riduzione del flusso sanguigno al cuore o altre condizioni cardiache o non cardiache.</a:t>
             </a:r>
-            <a:endParaRPr lang="it-IT" sz="1400" dirty="0"/>
           </a:p>
         </p:txBody>
       </p:sp>
